--- a/Physical_Simulators/IoT Simulators.pptx
+++ b/Physical_Simulators/IoT Simulators.pptx
@@ -4,6 +4,9 @@
   <p:sldMasterIdLst>
     <p:sldMasterId id="2147483648" r:id="rId4"/>
   </p:sldMasterIdLst>
+  <p:notesMasterIdLst>
+    <p:notesMasterId r:id="rId19"/>
+  </p:notesMasterIdLst>
   <p:sldIdLst>
     <p:sldId id="256" r:id="rId5"/>
     <p:sldId id="257" r:id="rId6"/>
@@ -14,10 +17,10 @@
     <p:sldId id="261" r:id="rId11"/>
     <p:sldId id="264" r:id="rId12"/>
     <p:sldId id="265" r:id="rId13"/>
-    <p:sldId id="266" r:id="rId14"/>
-    <p:sldId id="268" r:id="rId15"/>
-    <p:sldId id="269" r:id="rId16"/>
-    <p:sldId id="270" r:id="rId17"/>
+    <p:sldId id="272" r:id="rId14"/>
+    <p:sldId id="266" r:id="rId15"/>
+    <p:sldId id="274" r:id="rId16"/>
+    <p:sldId id="275" r:id="rId17"/>
     <p:sldId id="271" r:id="rId18"/>
   </p:sldIdLst>
   <p:sldSz cx="12192000" cy="6858000"/>
@@ -128,10 +131,9 @@
 <file path=ppt/revisionInfo.xml><?xml version="1.0" encoding="utf-8"?>
 <p1510:revInfo xmlns:a="http://schemas.openxmlformats.org/drawingml/2006/main" xmlns:r="http://schemas.openxmlformats.org/officeDocument/2006/relationships" xmlns:p1510="http://schemas.microsoft.com/office/powerpoint/2015/10/main">
   <p1510:revLst>
-    <p1510:client id="{4A82753E-F24D-4504-BED3-FA799AEFFD2A}" v="4" dt="2021-07-02T15:04:22.412"/>
-    <p1510:client id="{64E51566-EE75-41F1-854D-67F6E5A1AEF7}" v="1483" dt="2021-07-06T10:10:09.680"/>
-    <p1510:client id="{76DA3036-799B-475E-825C-9CCAE67FB9BB}" v="78" dt="2021-07-08T18:43:55.646"/>
-    <p1510:client id="{D12A31DE-B403-40C3-0090-5CBC5D81AE26}" v="284" dt="2021-07-09T05:17:07.250"/>
+    <p1510:client id="{362DBC7E-7FBF-4A86-AF85-C9697DF17F04}" v="85" dt="2021-07-11T12:36:13.551"/>
+    <p1510:client id="{D3BD8E96-A154-FDA8-7CC1-21BE008AD781}" v="307" dt="2021-07-11T12:54:10.607"/>
+    <p1510:client id="{D5511BED-A403-ACF9-21D1-A5F73CAE6EC5}" v="2209" dt="2021-07-11T12:07:54.383"/>
   </p1510:revLst>
 </p1510:revInfo>
 </file>
@@ -395,7 +397,1534 @@
       </pc:sldChg>
     </pc:docChg>
   </pc:docChgLst>
+  <pc:docChgLst>
+    <pc:chgData name="Suman Raj" userId="S::sumanraj@iisc.ac.in::afec2e0e-e097-4995-a01b-9de849233f59" providerId="AD" clId="Web-{D5511BED-A403-ACF9-21D1-A5F73CAE6EC5}"/>
+    <pc:docChg chg="addSld delSld modSld">
+      <pc:chgData name="Suman Raj" userId="S::sumanraj@iisc.ac.in::afec2e0e-e097-4995-a01b-9de849233f59" providerId="AD" clId="Web-{D5511BED-A403-ACF9-21D1-A5F73CAE6EC5}" dt="2021-07-11T12:07:54.383" v="1280" actId="1076"/>
+      <pc:docMkLst>
+        <pc:docMk/>
+      </pc:docMkLst>
+      <pc:sldChg chg="addSp modSp">
+        <pc:chgData name="Suman Raj" userId="S::sumanraj@iisc.ac.in::afec2e0e-e097-4995-a01b-9de849233f59" providerId="AD" clId="Web-{D5511BED-A403-ACF9-21D1-A5F73CAE6EC5}" dt="2021-07-11T09:07:32.381" v="425" actId="20577"/>
+        <pc:sldMkLst>
+          <pc:docMk/>
+          <pc:sldMk cId="40637333" sldId="264"/>
+        </pc:sldMkLst>
+        <pc:spChg chg="mod">
+          <ac:chgData name="Suman Raj" userId="S::sumanraj@iisc.ac.in::afec2e0e-e097-4995-a01b-9de849233f59" providerId="AD" clId="Web-{D5511BED-A403-ACF9-21D1-A5F73CAE6EC5}" dt="2021-07-11T09:07:32.381" v="425" actId="20577"/>
+          <ac:spMkLst>
+            <pc:docMk/>
+            <pc:sldMk cId="40637333" sldId="264"/>
+            <ac:spMk id="3" creationId="{51A4490D-0641-4C23-95C2-E8801FD44455}"/>
+          </ac:spMkLst>
+        </pc:spChg>
+        <pc:picChg chg="add mod ord">
+          <ac:chgData name="Suman Raj" userId="S::sumanraj@iisc.ac.in::afec2e0e-e097-4995-a01b-9de849233f59" providerId="AD" clId="Web-{D5511BED-A403-ACF9-21D1-A5F73CAE6EC5}" dt="2021-07-11T09:07:19.709" v="424"/>
+          <ac:picMkLst>
+            <pc:docMk/>
+            <pc:sldMk cId="40637333" sldId="264"/>
+            <ac:picMk id="4" creationId="{DD6B9881-21FB-4D3B-9545-46C1F74A98AA}"/>
+          </ac:picMkLst>
+        </pc:picChg>
+      </pc:sldChg>
+      <pc:sldChg chg="modSp">
+        <pc:chgData name="Suman Raj" userId="S::sumanraj@iisc.ac.in::afec2e0e-e097-4995-a01b-9de849233f59" providerId="AD" clId="Web-{D5511BED-A403-ACF9-21D1-A5F73CAE6EC5}" dt="2021-07-11T11:13:08.266" v="891" actId="20577"/>
+        <pc:sldMkLst>
+          <pc:docMk/>
+          <pc:sldMk cId="740773872" sldId="265"/>
+        </pc:sldMkLst>
+        <pc:spChg chg="mod">
+          <ac:chgData name="Suman Raj" userId="S::sumanraj@iisc.ac.in::afec2e0e-e097-4995-a01b-9de849233f59" providerId="AD" clId="Web-{D5511BED-A403-ACF9-21D1-A5F73CAE6EC5}" dt="2021-07-11T11:13:08.266" v="891" actId="20577"/>
+          <ac:spMkLst>
+            <pc:docMk/>
+            <pc:sldMk cId="740773872" sldId="265"/>
+            <ac:spMk id="3" creationId="{197585DE-BF2D-4D4A-A560-EBBA5B1E8BBB}"/>
+          </ac:spMkLst>
+        </pc:spChg>
+      </pc:sldChg>
+      <pc:sldChg chg="addSp modSp modNotes">
+        <pc:chgData name="Suman Raj" userId="S::sumanraj@iisc.ac.in::afec2e0e-e097-4995-a01b-9de849233f59" providerId="AD" clId="Web-{D5511BED-A403-ACF9-21D1-A5F73CAE6EC5}" dt="2021-07-11T11:17:07.553" v="922" actId="20577"/>
+        <pc:sldMkLst>
+          <pc:docMk/>
+          <pc:sldMk cId="96440739" sldId="266"/>
+        </pc:sldMkLst>
+        <pc:spChg chg="mod">
+          <ac:chgData name="Suman Raj" userId="S::sumanraj@iisc.ac.in::afec2e0e-e097-4995-a01b-9de849233f59" providerId="AD" clId="Web-{D5511BED-A403-ACF9-21D1-A5F73CAE6EC5}" dt="2021-07-11T10:51:25.155" v="590" actId="20577"/>
+          <ac:spMkLst>
+            <pc:docMk/>
+            <pc:sldMk cId="96440739" sldId="266"/>
+            <ac:spMk id="2" creationId="{2309A519-2A07-45AD-BF80-AAD945999E69}"/>
+          </ac:spMkLst>
+        </pc:spChg>
+        <pc:spChg chg="mod">
+          <ac:chgData name="Suman Raj" userId="S::sumanraj@iisc.ac.in::afec2e0e-e097-4995-a01b-9de849233f59" providerId="AD" clId="Web-{D5511BED-A403-ACF9-21D1-A5F73CAE6EC5}" dt="2021-07-11T11:17:07.553" v="922" actId="20577"/>
+          <ac:spMkLst>
+            <pc:docMk/>
+            <pc:sldMk cId="96440739" sldId="266"/>
+            <ac:spMk id="3" creationId="{69D13F5F-DB84-439F-9931-461C52022913}"/>
+          </ac:spMkLst>
+        </pc:spChg>
+        <pc:spChg chg="add mod">
+          <ac:chgData name="Suman Raj" userId="S::sumanraj@iisc.ac.in::afec2e0e-e097-4995-a01b-9de849233f59" providerId="AD" clId="Web-{D5511BED-A403-ACF9-21D1-A5F73CAE6EC5}" dt="2021-07-11T10:58:04.259" v="626" actId="1076"/>
+          <ac:spMkLst>
+            <pc:docMk/>
+            <pc:sldMk cId="96440739" sldId="266"/>
+            <ac:spMk id="4" creationId="{B2856238-7F7F-4E7B-8037-88395345BD1D}"/>
+          </ac:spMkLst>
+        </pc:spChg>
+        <pc:picChg chg="add mod">
+          <ac:chgData name="Suman Raj" userId="S::sumanraj@iisc.ac.in::afec2e0e-e097-4995-a01b-9de849233f59" providerId="AD" clId="Web-{D5511BED-A403-ACF9-21D1-A5F73CAE6EC5}" dt="2021-07-11T11:06:23.490" v="721" actId="1076"/>
+          <ac:picMkLst>
+            <pc:docMk/>
+            <pc:sldMk cId="96440739" sldId="266"/>
+            <ac:picMk id="5" creationId="{748F922C-97FD-4FA2-93C8-7EDF97637870}"/>
+          </ac:picMkLst>
+        </pc:picChg>
+      </pc:sldChg>
+      <pc:sldChg chg="addSp modSp del mod modClrScheme chgLayout">
+        <pc:chgData name="Suman Raj" userId="S::sumanraj@iisc.ac.in::afec2e0e-e097-4995-a01b-9de849233f59" providerId="AD" clId="Web-{D5511BED-A403-ACF9-21D1-A5F73CAE6EC5}" dt="2021-07-11T11:29:28.447" v="1076"/>
+        <pc:sldMkLst>
+          <pc:docMk/>
+          <pc:sldMk cId="483196857" sldId="268"/>
+        </pc:sldMkLst>
+        <pc:spChg chg="mod ord">
+          <ac:chgData name="Suman Raj" userId="S::sumanraj@iisc.ac.in::afec2e0e-e097-4995-a01b-9de849233f59" providerId="AD" clId="Web-{D5511BED-A403-ACF9-21D1-A5F73CAE6EC5}" dt="2021-07-11T11:19:16.510" v="928"/>
+          <ac:spMkLst>
+            <pc:docMk/>
+            <pc:sldMk cId="483196857" sldId="268"/>
+            <ac:spMk id="2" creationId="{E7AE9518-A338-494B-98D9-EEBE40FAC814}"/>
+          </ac:spMkLst>
+        </pc:spChg>
+        <pc:spChg chg="add mod ord">
+          <ac:chgData name="Suman Raj" userId="S::sumanraj@iisc.ac.in::afec2e0e-e097-4995-a01b-9de849233f59" providerId="AD" clId="Web-{D5511BED-A403-ACF9-21D1-A5F73CAE6EC5}" dt="2021-07-11T11:20:40.793" v="989" actId="20577"/>
+          <ac:spMkLst>
+            <pc:docMk/>
+            <pc:sldMk cId="483196857" sldId="268"/>
+            <ac:spMk id="3" creationId="{8F936227-6BE6-46C8-8268-C42C0D2EE621}"/>
+          </ac:spMkLst>
+        </pc:spChg>
+        <pc:picChg chg="mod ord">
+          <ac:chgData name="Suman Raj" userId="S::sumanraj@iisc.ac.in::afec2e0e-e097-4995-a01b-9de849233f59" providerId="AD" clId="Web-{D5511BED-A403-ACF9-21D1-A5F73CAE6EC5}" dt="2021-07-11T11:19:22.229" v="930" actId="1076"/>
+          <ac:picMkLst>
+            <pc:docMk/>
+            <pc:sldMk cId="483196857" sldId="268"/>
+            <ac:picMk id="7" creationId="{ECA5E40C-D1C6-4CAA-92C8-B9B33C388D5B}"/>
+          </ac:picMkLst>
+        </pc:picChg>
+      </pc:sldChg>
+      <pc:sldChg chg="modSp del">
+        <pc:chgData name="Suman Raj" userId="S::sumanraj@iisc.ac.in::afec2e0e-e097-4995-a01b-9de849233f59" providerId="AD" clId="Web-{D5511BED-A403-ACF9-21D1-A5F73CAE6EC5}" dt="2021-07-11T11:29:28.447" v="1075"/>
+        <pc:sldMkLst>
+          <pc:docMk/>
+          <pc:sldMk cId="1819592708" sldId="269"/>
+        </pc:sldMkLst>
+        <pc:spChg chg="mod">
+          <ac:chgData name="Suman Raj" userId="S::sumanraj@iisc.ac.in::afec2e0e-e097-4995-a01b-9de849233f59" providerId="AD" clId="Web-{D5511BED-A403-ACF9-21D1-A5F73CAE6EC5}" dt="2021-07-11T11:12:07.468" v="866" actId="20577"/>
+          <ac:spMkLst>
+            <pc:docMk/>
+            <pc:sldMk cId="1819592708" sldId="269"/>
+            <ac:spMk id="3" creationId="{C0E067CC-4C99-4D0F-8EF0-1BA27F31E34A}"/>
+          </ac:spMkLst>
+        </pc:spChg>
+      </pc:sldChg>
+      <pc:sldChg chg="del">
+        <pc:chgData name="Suman Raj" userId="S::sumanraj@iisc.ac.in::afec2e0e-e097-4995-a01b-9de849233f59" providerId="AD" clId="Web-{D5511BED-A403-ACF9-21D1-A5F73CAE6EC5}" dt="2021-07-11T11:29:28.447" v="1074"/>
+        <pc:sldMkLst>
+          <pc:docMk/>
+          <pc:sldMk cId="3464043878" sldId="270"/>
+        </pc:sldMkLst>
+      </pc:sldChg>
+      <pc:sldChg chg="addSp delSp modSp new add del mod modClrScheme chgLayout modNotes">
+        <pc:chgData name="Suman Raj" userId="S::sumanraj@iisc.ac.in::afec2e0e-e097-4995-a01b-9de849233f59" providerId="AD" clId="Web-{D5511BED-A403-ACF9-21D1-A5F73CAE6EC5}" dt="2021-07-11T11:21:18.638" v="994" actId="20577"/>
+        <pc:sldMkLst>
+          <pc:docMk/>
+          <pc:sldMk cId="238097802" sldId="272"/>
+        </pc:sldMkLst>
+        <pc:spChg chg="mod ord">
+          <ac:chgData name="Suman Raj" userId="S::sumanraj@iisc.ac.in::afec2e0e-e097-4995-a01b-9de849233f59" providerId="AD" clId="Web-{D5511BED-A403-ACF9-21D1-A5F73CAE6EC5}" dt="2021-07-11T10:47:13.194" v="526"/>
+          <ac:spMkLst>
+            <pc:docMk/>
+            <pc:sldMk cId="238097802" sldId="272"/>
+            <ac:spMk id="2" creationId="{4616660F-814E-479C-9984-5762971C585D}"/>
+          </ac:spMkLst>
+        </pc:spChg>
+        <pc:spChg chg="del mod">
+          <ac:chgData name="Suman Raj" userId="S::sumanraj@iisc.ac.in::afec2e0e-e097-4995-a01b-9de849233f59" providerId="AD" clId="Web-{D5511BED-A403-ACF9-21D1-A5F73CAE6EC5}" dt="2021-07-11T10:44:51.269" v="506"/>
+          <ac:spMkLst>
+            <pc:docMk/>
+            <pc:sldMk cId="238097802" sldId="272"/>
+            <ac:spMk id="3" creationId="{54B01CC9-6E2E-466C-8074-73F911F34220}"/>
+          </ac:spMkLst>
+        </pc:spChg>
+        <pc:spChg chg="add mod">
+          <ac:chgData name="Suman Raj" userId="S::sumanraj@iisc.ac.in::afec2e0e-e097-4995-a01b-9de849233f59" providerId="AD" clId="Web-{D5511BED-A403-ACF9-21D1-A5F73CAE6EC5}" dt="2021-07-11T10:46:30.927" v="516" actId="1076"/>
+          <ac:spMkLst>
+            <pc:docMk/>
+            <pc:sldMk cId="238097802" sldId="272"/>
+            <ac:spMk id="5" creationId="{21C5283B-85D6-46B5-83EB-0D05A72E19F9}"/>
+          </ac:spMkLst>
+        </pc:spChg>
+        <pc:spChg chg="add del mod">
+          <ac:chgData name="Suman Raj" userId="S::sumanraj@iisc.ac.in::afec2e0e-e097-4995-a01b-9de849233f59" providerId="AD" clId="Web-{D5511BED-A403-ACF9-21D1-A5F73CAE6EC5}" dt="2021-07-11T10:46:53.381" v="523"/>
+          <ac:spMkLst>
+            <pc:docMk/>
+            <pc:sldMk cId="238097802" sldId="272"/>
+            <ac:spMk id="6" creationId="{56ADB89A-4659-4CFF-9C00-3D8F5E91D56A}"/>
+          </ac:spMkLst>
+        </pc:spChg>
+        <pc:spChg chg="add mod ord">
+          <ac:chgData name="Suman Raj" userId="S::sumanraj@iisc.ac.in::afec2e0e-e097-4995-a01b-9de849233f59" providerId="AD" clId="Web-{D5511BED-A403-ACF9-21D1-A5F73CAE6EC5}" dt="2021-07-11T11:21:18.638" v="994" actId="20577"/>
+          <ac:spMkLst>
+            <pc:docMk/>
+            <pc:sldMk cId="238097802" sldId="272"/>
+            <ac:spMk id="7" creationId="{0A6E437D-EC4E-4C35-A9F0-AA12660E6802}"/>
+          </ac:spMkLst>
+        </pc:spChg>
+        <pc:picChg chg="add mod ord">
+          <ac:chgData name="Suman Raj" userId="S::sumanraj@iisc.ac.in::afec2e0e-e097-4995-a01b-9de849233f59" providerId="AD" clId="Web-{D5511BED-A403-ACF9-21D1-A5F73CAE6EC5}" dt="2021-07-11T10:47:13.194" v="526"/>
+          <ac:picMkLst>
+            <pc:docMk/>
+            <pc:sldMk cId="238097802" sldId="272"/>
+            <ac:picMk id="4" creationId="{78F0EC0B-6174-48EA-8629-5ACCCF7A415D}"/>
+          </ac:picMkLst>
+        </pc:picChg>
+      </pc:sldChg>
+      <pc:sldChg chg="new del">
+        <pc:chgData name="Suman Raj" userId="S::sumanraj@iisc.ac.in::afec2e0e-e097-4995-a01b-9de849233f59" providerId="AD" clId="Web-{D5511BED-A403-ACF9-21D1-A5F73CAE6EC5}" dt="2021-07-11T09:17:37.657" v="435"/>
+        <pc:sldMkLst>
+          <pc:docMk/>
+          <pc:sldMk cId="637409247" sldId="272"/>
+        </pc:sldMkLst>
+      </pc:sldChg>
+      <pc:sldChg chg="addSp delSp modSp new add del">
+        <pc:chgData name="Suman Raj" userId="S::sumanraj@iisc.ac.in::afec2e0e-e097-4995-a01b-9de849233f59" providerId="AD" clId="Web-{D5511BED-A403-ACF9-21D1-A5F73CAE6EC5}" dt="2021-07-11T11:29:28.447" v="1077"/>
+        <pc:sldMkLst>
+          <pc:docMk/>
+          <pc:sldMk cId="2678927488" sldId="273"/>
+        </pc:sldMkLst>
+        <pc:spChg chg="del">
+          <ac:chgData name="Suman Raj" userId="S::sumanraj@iisc.ac.in::afec2e0e-e097-4995-a01b-9de849233f59" providerId="AD" clId="Web-{D5511BED-A403-ACF9-21D1-A5F73CAE6EC5}" dt="2021-07-11T10:59:30.527" v="643"/>
+          <ac:spMkLst>
+            <pc:docMk/>
+            <pc:sldMk cId="2678927488" sldId="273"/>
+            <ac:spMk id="2" creationId="{25FA15D9-70E0-4228-9085-F2EA6BB3D9A9}"/>
+          </ac:spMkLst>
+        </pc:spChg>
+        <pc:spChg chg="del mod">
+          <ac:chgData name="Suman Raj" userId="S::sumanraj@iisc.ac.in::afec2e0e-e097-4995-a01b-9de849233f59" providerId="AD" clId="Web-{D5511BED-A403-ACF9-21D1-A5F73CAE6EC5}" dt="2021-07-11T11:00:20.700" v="645"/>
+          <ac:spMkLst>
+            <pc:docMk/>
+            <pc:sldMk cId="2678927488" sldId="273"/>
+            <ac:spMk id="3" creationId="{D73CA0D6-D568-44E7-8B73-6FBFFA863A0B}"/>
+          </ac:spMkLst>
+        </pc:spChg>
+        <pc:spChg chg="add del mod">
+          <ac:chgData name="Suman Raj" userId="S::sumanraj@iisc.ac.in::afec2e0e-e097-4995-a01b-9de849233f59" providerId="AD" clId="Web-{D5511BED-A403-ACF9-21D1-A5F73CAE6EC5}" dt="2021-07-11T11:07:00.726" v="722"/>
+          <ac:spMkLst>
+            <pc:docMk/>
+            <pc:sldMk cId="2678927488" sldId="273"/>
+            <ac:spMk id="6" creationId="{33FE70FB-A095-4E67-87D9-6CDD6EB4A78E}"/>
+          </ac:spMkLst>
+        </pc:spChg>
+        <pc:spChg chg="add mod">
+          <ac:chgData name="Suman Raj" userId="S::sumanraj@iisc.ac.in::afec2e0e-e097-4995-a01b-9de849233f59" providerId="AD" clId="Web-{D5511BED-A403-ACF9-21D1-A5F73CAE6EC5}" dt="2021-07-11T11:10:11.605" v="851" actId="1076"/>
+          <ac:spMkLst>
+            <pc:docMk/>
+            <pc:sldMk cId="2678927488" sldId="273"/>
+            <ac:spMk id="8" creationId="{4B5B5509-6AF9-490F-B48E-A17C77B90327}"/>
+          </ac:spMkLst>
+        </pc:spChg>
+        <pc:spChg chg="add del mod">
+          <ac:chgData name="Suman Raj" userId="S::sumanraj@iisc.ac.in::afec2e0e-e097-4995-a01b-9de849233f59" providerId="AD" clId="Web-{D5511BED-A403-ACF9-21D1-A5F73CAE6EC5}" dt="2021-07-11T11:08:52.869" v="778"/>
+          <ac:spMkLst>
+            <pc:docMk/>
+            <pc:sldMk cId="2678927488" sldId="273"/>
+            <ac:spMk id="9" creationId="{F35DDC1A-03ED-4B9F-98B8-9F0401026452}"/>
+          </ac:spMkLst>
+        </pc:spChg>
+        <pc:spChg chg="add mod">
+          <ac:chgData name="Suman Raj" userId="S::sumanraj@iisc.ac.in::afec2e0e-e097-4995-a01b-9de849233f59" providerId="AD" clId="Web-{D5511BED-A403-ACF9-21D1-A5F73CAE6EC5}" dt="2021-07-11T11:10:14.856" v="852" actId="1076"/>
+          <ac:spMkLst>
+            <pc:docMk/>
+            <pc:sldMk cId="2678927488" sldId="273"/>
+            <ac:spMk id="10" creationId="{AE6845D2-857F-455B-8D82-3DFB7689F37E}"/>
+          </ac:spMkLst>
+        </pc:spChg>
+        <pc:spChg chg="add mod">
+          <ac:chgData name="Suman Raj" userId="S::sumanraj@iisc.ac.in::afec2e0e-e097-4995-a01b-9de849233f59" providerId="AD" clId="Web-{D5511BED-A403-ACF9-21D1-A5F73CAE6EC5}" dt="2021-07-11T11:10:17.965" v="853" actId="1076"/>
+          <ac:spMkLst>
+            <pc:docMk/>
+            <pc:sldMk cId="2678927488" sldId="273"/>
+            <ac:spMk id="11" creationId="{FCE80883-10A3-4A47-BF31-4DFD4A8293F2}"/>
+          </ac:spMkLst>
+        </pc:spChg>
+        <pc:spChg chg="add mod">
+          <ac:chgData name="Suman Raj" userId="S::sumanraj@iisc.ac.in::afec2e0e-e097-4995-a01b-9de849233f59" providerId="AD" clId="Web-{D5511BED-A403-ACF9-21D1-A5F73CAE6EC5}" dt="2021-07-11T11:10:22.465" v="854" actId="1076"/>
+          <ac:spMkLst>
+            <pc:docMk/>
+            <pc:sldMk cId="2678927488" sldId="273"/>
+            <ac:spMk id="12" creationId="{FDCE19FF-0D74-4852-900D-B2A22AB52CE1}"/>
+          </ac:spMkLst>
+        </pc:spChg>
+        <pc:picChg chg="add del mod">
+          <ac:chgData name="Suman Raj" userId="S::sumanraj@iisc.ac.in::afec2e0e-e097-4995-a01b-9de849233f59" providerId="AD" clId="Web-{D5511BED-A403-ACF9-21D1-A5F73CAE6EC5}" dt="2021-07-11T11:00:22.059" v="646"/>
+          <ac:picMkLst>
+            <pc:docMk/>
+            <pc:sldMk cId="2678927488" sldId="273"/>
+            <ac:picMk id="4" creationId="{E3DF9D26-1290-41BE-830B-EE68FEE15E0A}"/>
+          </ac:picMkLst>
+        </pc:picChg>
+        <pc:picChg chg="add mod ord">
+          <ac:chgData name="Suman Raj" userId="S::sumanraj@iisc.ac.in::afec2e0e-e097-4995-a01b-9de849233f59" providerId="AD" clId="Web-{D5511BED-A403-ACF9-21D1-A5F73CAE6EC5}" dt="2021-07-11T11:10:06.777" v="850" actId="14100"/>
+          <ac:picMkLst>
+            <pc:docMk/>
+            <pc:sldMk cId="2678927488" sldId="273"/>
+            <ac:picMk id="7" creationId="{99847CAF-9348-46B6-BFF5-DD2F4E603BC0}"/>
+          </ac:picMkLst>
+        </pc:picChg>
+      </pc:sldChg>
+      <pc:sldChg chg="new del">
+        <pc:chgData name="Suman Raj" userId="S::sumanraj@iisc.ac.in::afec2e0e-e097-4995-a01b-9de849233f59" providerId="AD" clId="Web-{D5511BED-A403-ACF9-21D1-A5F73CAE6EC5}" dt="2021-07-11T10:47:06.553" v="525"/>
+        <pc:sldMkLst>
+          <pc:docMk/>
+          <pc:sldMk cId="3056407250" sldId="273"/>
+        </pc:sldMkLst>
+      </pc:sldChg>
+      <pc:sldChg chg="addSp delSp modSp new mod modClrScheme chgLayout">
+        <pc:chgData name="Suman Raj" userId="S::sumanraj@iisc.ac.in::afec2e0e-e097-4995-a01b-9de849233f59" providerId="AD" clId="Web-{D5511BED-A403-ACF9-21D1-A5F73CAE6EC5}" dt="2021-07-11T11:27:48.304" v="1066" actId="20577"/>
+        <pc:sldMkLst>
+          <pc:docMk/>
+          <pc:sldMk cId="3778654331" sldId="274"/>
+        </pc:sldMkLst>
+        <pc:spChg chg="mod ord">
+          <ac:chgData name="Suman Raj" userId="S::sumanraj@iisc.ac.in::afec2e0e-e097-4995-a01b-9de849233f59" providerId="AD" clId="Web-{D5511BED-A403-ACF9-21D1-A5F73CAE6EC5}" dt="2021-07-11T11:23:09.594" v="1006" actId="20577"/>
+          <ac:spMkLst>
+            <pc:docMk/>
+            <pc:sldMk cId="3778654331" sldId="274"/>
+            <ac:spMk id="2" creationId="{5582E6C3-A84E-4704-9957-1A7718590F6C}"/>
+          </ac:spMkLst>
+        </pc:spChg>
+        <pc:spChg chg="del mod ord">
+          <ac:chgData name="Suman Raj" userId="S::sumanraj@iisc.ac.in::afec2e0e-e097-4995-a01b-9de849233f59" providerId="AD" clId="Web-{D5511BED-A403-ACF9-21D1-A5F73CAE6EC5}" dt="2021-07-11T11:21:51.451" v="997"/>
+          <ac:spMkLst>
+            <pc:docMk/>
+            <pc:sldMk cId="3778654331" sldId="274"/>
+            <ac:spMk id="3" creationId="{ED5370B6-A7D0-4C41-89F8-95AF32E18E4D}"/>
+          </ac:spMkLst>
+        </pc:spChg>
+        <pc:spChg chg="add del mod ord">
+          <ac:chgData name="Suman Raj" userId="S::sumanraj@iisc.ac.in::afec2e0e-e097-4995-a01b-9de849233f59" providerId="AD" clId="Web-{D5511BED-A403-ACF9-21D1-A5F73CAE6EC5}" dt="2021-07-11T11:23:58.064" v="1021"/>
+          <ac:spMkLst>
+            <pc:docMk/>
+            <pc:sldMk cId="3778654331" sldId="274"/>
+            <ac:spMk id="4" creationId="{927D1645-2D37-4FE8-B80B-714491D4CC92}"/>
+          </ac:spMkLst>
+        </pc:spChg>
+        <pc:spChg chg="add mod">
+          <ac:chgData name="Suman Raj" userId="S::sumanraj@iisc.ac.in::afec2e0e-e097-4995-a01b-9de849233f59" providerId="AD" clId="Web-{D5511BED-A403-ACF9-21D1-A5F73CAE6EC5}" dt="2021-07-11T11:27:48.304" v="1066" actId="20577"/>
+          <ac:spMkLst>
+            <pc:docMk/>
+            <pc:sldMk cId="3778654331" sldId="274"/>
+            <ac:spMk id="6" creationId="{D26D855D-4EE8-4A3A-AEF9-2CF2487D3D8B}"/>
+          </ac:spMkLst>
+        </pc:spChg>
+        <pc:spChg chg="add mod">
+          <ac:chgData name="Suman Raj" userId="S::sumanraj@iisc.ac.in::afec2e0e-e097-4995-a01b-9de849233f59" providerId="AD" clId="Web-{D5511BED-A403-ACF9-21D1-A5F73CAE6EC5}" dt="2021-07-11T11:25:37.254" v="1055" actId="1076"/>
+          <ac:spMkLst>
+            <pc:docMk/>
+            <pc:sldMk cId="3778654331" sldId="274"/>
+            <ac:spMk id="7" creationId="{F23B9B77-8662-48F1-9D39-7A39E8DD002F}"/>
+          </ac:spMkLst>
+        </pc:spChg>
+        <pc:spChg chg="add mod">
+          <ac:chgData name="Suman Raj" userId="S::sumanraj@iisc.ac.in::afec2e0e-e097-4995-a01b-9de849233f59" providerId="AD" clId="Web-{D5511BED-A403-ACF9-21D1-A5F73CAE6EC5}" dt="2021-07-11T11:25:42.145" v="1056" actId="1076"/>
+          <ac:spMkLst>
+            <pc:docMk/>
+            <pc:sldMk cId="3778654331" sldId="274"/>
+            <ac:spMk id="8" creationId="{E2C5DA09-034A-43A1-BE93-D57A849B5241}"/>
+          </ac:spMkLst>
+        </pc:spChg>
+        <pc:picChg chg="add mod">
+          <ac:chgData name="Suman Raj" userId="S::sumanraj@iisc.ac.in::afec2e0e-e097-4995-a01b-9de849233f59" providerId="AD" clId="Web-{D5511BED-A403-ACF9-21D1-A5F73CAE6EC5}" dt="2021-07-11T11:27:22.772" v="1062" actId="14100"/>
+          <ac:picMkLst>
+            <pc:docMk/>
+            <pc:sldMk cId="3778654331" sldId="274"/>
+            <ac:picMk id="9" creationId="{59C326F8-A416-4F99-B9C5-26F5DC11297C}"/>
+          </ac:picMkLst>
+        </pc:picChg>
+      </pc:sldChg>
+      <pc:sldChg chg="addSp delSp modSp new">
+        <pc:chgData name="Suman Raj" userId="S::sumanraj@iisc.ac.in::afec2e0e-e097-4995-a01b-9de849233f59" providerId="AD" clId="Web-{D5511BED-A403-ACF9-21D1-A5F73CAE6EC5}" dt="2021-07-11T12:07:54.383" v="1280" actId="1076"/>
+        <pc:sldMkLst>
+          <pc:docMk/>
+          <pc:sldMk cId="1956852301" sldId="275"/>
+        </pc:sldMkLst>
+        <pc:spChg chg="mod">
+          <ac:chgData name="Suman Raj" userId="S::sumanraj@iisc.ac.in::afec2e0e-e097-4995-a01b-9de849233f59" providerId="AD" clId="Web-{D5511BED-A403-ACF9-21D1-A5F73CAE6EC5}" dt="2021-07-11T11:49:54.070" v="1098" actId="20577"/>
+          <ac:spMkLst>
+            <pc:docMk/>
+            <pc:sldMk cId="1956852301" sldId="275"/>
+            <ac:spMk id="2" creationId="{3B730597-A628-4D16-A217-9432BD11A5C1}"/>
+          </ac:spMkLst>
+        </pc:spChg>
+        <pc:spChg chg="del">
+          <ac:chgData name="Suman Raj" userId="S::sumanraj@iisc.ac.in::afec2e0e-e097-4995-a01b-9de849233f59" providerId="AD" clId="Web-{D5511BED-A403-ACF9-21D1-A5F73CAE6EC5}" dt="2021-07-11T11:52:54.934" v="1105"/>
+          <ac:spMkLst>
+            <pc:docMk/>
+            <pc:sldMk cId="1956852301" sldId="275"/>
+            <ac:spMk id="3" creationId="{D5C7C86D-2E57-4ED0-A7A4-07052849DBBC}"/>
+          </ac:spMkLst>
+        </pc:spChg>
+        <pc:spChg chg="add mod">
+          <ac:chgData name="Suman Raj" userId="S::sumanraj@iisc.ac.in::afec2e0e-e097-4995-a01b-9de849233f59" providerId="AD" clId="Web-{D5511BED-A403-ACF9-21D1-A5F73CAE6EC5}" dt="2021-07-11T11:56:00.612" v="1176" actId="20577"/>
+          <ac:spMkLst>
+            <pc:docMk/>
+            <pc:sldMk cId="1956852301" sldId="275"/>
+            <ac:spMk id="4" creationId="{A9B1190C-FB4B-47DE-969F-DF5A6CDC9001}"/>
+          </ac:spMkLst>
+        </pc:spChg>
+        <pc:spChg chg="add del mod">
+          <ac:chgData name="Suman Raj" userId="S::sumanraj@iisc.ac.in::afec2e0e-e097-4995-a01b-9de849233f59" providerId="AD" clId="Web-{D5511BED-A403-ACF9-21D1-A5F73CAE6EC5}" dt="2021-07-11T11:56:34.222" v="1181"/>
+          <ac:spMkLst>
+            <pc:docMk/>
+            <pc:sldMk cId="1956852301" sldId="275"/>
+            <ac:spMk id="5" creationId="{E57AD9C7-241F-48B8-B479-F14B9F61DA0F}"/>
+          </ac:spMkLst>
+        </pc:spChg>
+        <pc:spChg chg="add mod">
+          <ac:chgData name="Suman Raj" userId="S::sumanraj@iisc.ac.in::afec2e0e-e097-4995-a01b-9de849233f59" providerId="AD" clId="Web-{D5511BED-A403-ACF9-21D1-A5F73CAE6EC5}" dt="2021-07-11T11:58:59.851" v="1247" actId="1076"/>
+          <ac:spMkLst>
+            <pc:docMk/>
+            <pc:sldMk cId="1956852301" sldId="275"/>
+            <ac:spMk id="6" creationId="{722986D5-FA7C-4821-A4C9-6D647E43D36D}"/>
+          </ac:spMkLst>
+        </pc:spChg>
+        <pc:spChg chg="add mod">
+          <ac:chgData name="Suman Raj" userId="S::sumanraj@iisc.ac.in::afec2e0e-e097-4995-a01b-9de849233f59" providerId="AD" clId="Web-{D5511BED-A403-ACF9-21D1-A5F73CAE6EC5}" dt="2021-07-11T11:59:31.290" v="1253" actId="1076"/>
+          <ac:spMkLst>
+            <pc:docMk/>
+            <pc:sldMk cId="1956852301" sldId="275"/>
+            <ac:spMk id="7" creationId="{182AAD4C-5A0F-49A2-94D0-4656787CFF1F}"/>
+          </ac:spMkLst>
+        </pc:spChg>
+        <pc:spChg chg="add mod">
+          <ac:chgData name="Suman Raj" userId="S::sumanraj@iisc.ac.in::afec2e0e-e097-4995-a01b-9de849233f59" providerId="AD" clId="Web-{D5511BED-A403-ACF9-21D1-A5F73CAE6EC5}" dt="2021-07-11T11:59:27.571" v="1252" actId="1076"/>
+          <ac:spMkLst>
+            <pc:docMk/>
+            <pc:sldMk cId="1956852301" sldId="275"/>
+            <ac:spMk id="8" creationId="{12A0DB45-F9A1-41DA-A188-97905580BC12}"/>
+          </ac:spMkLst>
+        </pc:spChg>
+        <pc:spChg chg="add mod">
+          <ac:chgData name="Suman Raj" userId="S::sumanraj@iisc.ac.in::afec2e0e-e097-4995-a01b-9de849233f59" providerId="AD" clId="Web-{D5511BED-A403-ACF9-21D1-A5F73CAE6EC5}" dt="2021-07-11T11:59:05.148" v="1248" actId="1076"/>
+          <ac:spMkLst>
+            <pc:docMk/>
+            <pc:sldMk cId="1956852301" sldId="275"/>
+            <ac:spMk id="9" creationId="{38A5B23B-F127-46E4-A004-51C570F4EFFF}"/>
+          </ac:spMkLst>
+        </pc:spChg>
+        <pc:spChg chg="add mod">
+          <ac:chgData name="Suman Raj" userId="S::sumanraj@iisc.ac.in::afec2e0e-e097-4995-a01b-9de849233f59" providerId="AD" clId="Web-{D5511BED-A403-ACF9-21D1-A5F73CAE6EC5}" dt="2021-07-11T12:00:12.322" v="1261" actId="14100"/>
+          <ac:spMkLst>
+            <pc:docMk/>
+            <pc:sldMk cId="1956852301" sldId="275"/>
+            <ac:spMk id="10" creationId="{A37016DB-3CBB-46A7-B92B-67FC86D6E635}"/>
+          </ac:spMkLst>
+        </pc:spChg>
+        <pc:spChg chg="add mod">
+          <ac:chgData name="Suman Raj" userId="S::sumanraj@iisc.ac.in::afec2e0e-e097-4995-a01b-9de849233f59" providerId="AD" clId="Web-{D5511BED-A403-ACF9-21D1-A5F73CAE6EC5}" dt="2021-07-11T12:07:54.383" v="1280" actId="1076"/>
+          <ac:spMkLst>
+            <pc:docMk/>
+            <pc:sldMk cId="1956852301" sldId="275"/>
+            <ac:spMk id="11" creationId="{7ADA1F6D-1565-4107-B90B-E6A9472F589A}"/>
+          </ac:spMkLst>
+        </pc:spChg>
+        <pc:spChg chg="add del mod">
+          <ac:chgData name="Suman Raj" userId="S::sumanraj@iisc.ac.in::afec2e0e-e097-4995-a01b-9de849233f59" providerId="AD" clId="Web-{D5511BED-A403-ACF9-21D1-A5F73CAE6EC5}" dt="2021-07-11T12:07:16.460" v="1267"/>
+          <ac:spMkLst>
+            <pc:docMk/>
+            <pc:sldMk cId="1956852301" sldId="275"/>
+            <ac:spMk id="12" creationId="{1C65B917-357C-4553-803F-15032CE0BE6C}"/>
+          </ac:spMkLst>
+        </pc:spChg>
+        <pc:spChg chg="add mod">
+          <ac:chgData name="Suman Raj" userId="S::sumanraj@iisc.ac.in::afec2e0e-e097-4995-a01b-9de849233f59" providerId="AD" clId="Web-{D5511BED-A403-ACF9-21D1-A5F73CAE6EC5}" dt="2021-07-11T12:07:51.211" v="1279" actId="1076"/>
+          <ac:spMkLst>
+            <pc:docMk/>
+            <pc:sldMk cId="1956852301" sldId="275"/>
+            <ac:spMk id="13" creationId="{0E23648C-59EE-41D0-82BB-06F016DE77B2}"/>
+          </ac:spMkLst>
+        </pc:spChg>
+      </pc:sldChg>
+    </pc:docChg>
+  </pc:docChgLst>
+  <pc:docChgLst>
+    <pc:chgData name="Suman Raj" userId="S::sumanraj@iisc.ac.in::afec2e0e-e097-4995-a01b-9de849233f59" providerId="AD" clId="Web-{D3BD8E96-A154-FDA8-7CC1-21BE008AD781}"/>
+    <pc:docChg chg="modSld">
+      <pc:chgData name="Suman Raj" userId="S::sumanraj@iisc.ac.in::afec2e0e-e097-4995-a01b-9de849233f59" providerId="AD" clId="Web-{D3BD8E96-A154-FDA8-7CC1-21BE008AD781}" dt="2021-07-11T12:54:10.607" v="243" actId="1076"/>
+      <pc:docMkLst>
+        <pc:docMk/>
+      </pc:docMkLst>
+      <pc:sldChg chg="modSp">
+        <pc:chgData name="Suman Raj" userId="S::sumanraj@iisc.ac.in::afec2e0e-e097-4995-a01b-9de849233f59" providerId="AD" clId="Web-{D3BD8E96-A154-FDA8-7CC1-21BE008AD781}" dt="2021-07-11T12:54:10.607" v="243" actId="1076"/>
+        <pc:sldMkLst>
+          <pc:docMk/>
+          <pc:sldMk cId="1934549106" sldId="271"/>
+        </pc:sldMkLst>
+        <pc:spChg chg="mod">
+          <ac:chgData name="Suman Raj" userId="S::sumanraj@iisc.ac.in::afec2e0e-e097-4995-a01b-9de849233f59" providerId="AD" clId="Web-{D3BD8E96-A154-FDA8-7CC1-21BE008AD781}" dt="2021-07-11T12:54:10.607" v="243" actId="1076"/>
+          <ac:spMkLst>
+            <pc:docMk/>
+            <pc:sldMk cId="1934549106" sldId="271"/>
+            <ac:spMk id="2" creationId="{9BC4A1CF-7B71-4716-AEF6-4F5317A8606C}"/>
+          </ac:spMkLst>
+        </pc:spChg>
+      </pc:sldChg>
+      <pc:sldChg chg="addSp delSp modSp">
+        <pc:chgData name="Suman Raj" userId="S::sumanraj@iisc.ac.in::afec2e0e-e097-4995-a01b-9de849233f59" providerId="AD" clId="Web-{D3BD8E96-A154-FDA8-7CC1-21BE008AD781}" dt="2021-07-11T12:53:38.903" v="240" actId="20577"/>
+        <pc:sldMkLst>
+          <pc:docMk/>
+          <pc:sldMk cId="1956852301" sldId="275"/>
+        </pc:sldMkLst>
+        <pc:spChg chg="add del">
+          <ac:chgData name="Suman Raj" userId="S::sumanraj@iisc.ac.in::afec2e0e-e097-4995-a01b-9de849233f59" providerId="AD" clId="Web-{D3BD8E96-A154-FDA8-7CC1-21BE008AD781}" dt="2021-07-11T12:19:11.798" v="22"/>
+          <ac:spMkLst>
+            <pc:docMk/>
+            <pc:sldMk cId="1956852301" sldId="275"/>
+            <ac:spMk id="3" creationId="{540AE9DD-64A0-41EC-8A1E-82E089B926C2}"/>
+          </ac:spMkLst>
+        </pc:spChg>
+        <pc:spChg chg="del mod">
+          <ac:chgData name="Suman Raj" userId="S::sumanraj@iisc.ac.in::afec2e0e-e097-4995-a01b-9de849233f59" providerId="AD" clId="Web-{D3BD8E96-A154-FDA8-7CC1-21BE008AD781}" dt="2021-07-11T12:48:26.551" v="176"/>
+          <ac:spMkLst>
+            <pc:docMk/>
+            <pc:sldMk cId="1956852301" sldId="275"/>
+            <ac:spMk id="3" creationId="{7468E34E-C2DC-4213-A718-858A325C2C72}"/>
+          </ac:spMkLst>
+        </pc:spChg>
+        <pc:spChg chg="mod">
+          <ac:chgData name="Suman Raj" userId="S::sumanraj@iisc.ac.in::afec2e0e-e097-4995-a01b-9de849233f59" providerId="AD" clId="Web-{D3BD8E96-A154-FDA8-7CC1-21BE008AD781}" dt="2021-07-11T12:50:31.914" v="196" actId="14100"/>
+          <ac:spMkLst>
+            <pc:docMk/>
+            <pc:sldMk cId="1956852301" sldId="275"/>
+            <ac:spMk id="5" creationId="{82734CF7-19C2-4A57-B95B-87E1FE23725B}"/>
+          </ac:spMkLst>
+        </pc:spChg>
+        <pc:spChg chg="mod">
+          <ac:chgData name="Suman Raj" userId="S::sumanraj@iisc.ac.in::afec2e0e-e097-4995-a01b-9de849233f59" providerId="AD" clId="Web-{D3BD8E96-A154-FDA8-7CC1-21BE008AD781}" dt="2021-07-11T12:43:11.667" v="83" actId="1076"/>
+          <ac:spMkLst>
+            <pc:docMk/>
+            <pc:sldMk cId="1956852301" sldId="275"/>
+            <ac:spMk id="6" creationId="{722986D5-FA7C-4821-A4C9-6D647E43D36D}"/>
+          </ac:spMkLst>
+        </pc:spChg>
+        <pc:spChg chg="mod">
+          <ac:chgData name="Suman Raj" userId="S::sumanraj@iisc.ac.in::afec2e0e-e097-4995-a01b-9de849233f59" providerId="AD" clId="Web-{D3BD8E96-A154-FDA8-7CC1-21BE008AD781}" dt="2021-07-11T12:51:06.274" v="201" actId="1076"/>
+          <ac:spMkLst>
+            <pc:docMk/>
+            <pc:sldMk cId="1956852301" sldId="275"/>
+            <ac:spMk id="7" creationId="{182AAD4C-5A0F-49A2-94D0-4656787CFF1F}"/>
+          </ac:spMkLst>
+        </pc:spChg>
+        <pc:spChg chg="mod">
+          <ac:chgData name="Suman Raj" userId="S::sumanraj@iisc.ac.in::afec2e0e-e097-4995-a01b-9de849233f59" providerId="AD" clId="Web-{D3BD8E96-A154-FDA8-7CC1-21BE008AD781}" dt="2021-07-11T12:52:23.698" v="220" actId="1076"/>
+          <ac:spMkLst>
+            <pc:docMk/>
+            <pc:sldMk cId="1956852301" sldId="275"/>
+            <ac:spMk id="8" creationId="{12A0DB45-F9A1-41DA-A188-97905580BC12}"/>
+          </ac:spMkLst>
+        </pc:spChg>
+        <pc:spChg chg="mod">
+          <ac:chgData name="Suman Raj" userId="S::sumanraj@iisc.ac.in::afec2e0e-e097-4995-a01b-9de849233f59" providerId="AD" clId="Web-{D3BD8E96-A154-FDA8-7CC1-21BE008AD781}" dt="2021-07-11T12:43:00.495" v="80" actId="1076"/>
+          <ac:spMkLst>
+            <pc:docMk/>
+            <pc:sldMk cId="1956852301" sldId="275"/>
+            <ac:spMk id="9" creationId="{38A5B23B-F127-46E4-A004-51C570F4EFFF}"/>
+          </ac:spMkLst>
+        </pc:spChg>
+        <pc:spChg chg="mod">
+          <ac:chgData name="Suman Raj" userId="S::sumanraj@iisc.ac.in::afec2e0e-e097-4995-a01b-9de849233f59" providerId="AD" clId="Web-{D3BD8E96-A154-FDA8-7CC1-21BE008AD781}" dt="2021-07-11T12:48:36.692" v="179" actId="14100"/>
+          <ac:spMkLst>
+            <pc:docMk/>
+            <pc:sldMk cId="1956852301" sldId="275"/>
+            <ac:spMk id="11" creationId="{7ADA1F6D-1565-4107-B90B-E6A9472F589A}"/>
+          </ac:spMkLst>
+        </pc:spChg>
+        <pc:spChg chg="add mod">
+          <ac:chgData name="Suman Raj" userId="S::sumanraj@iisc.ac.in::afec2e0e-e097-4995-a01b-9de849233f59" providerId="AD" clId="Web-{D3BD8E96-A154-FDA8-7CC1-21BE008AD781}" dt="2021-07-11T12:44:28.700" v="96" actId="1076"/>
+          <ac:spMkLst>
+            <pc:docMk/>
+            <pc:sldMk cId="1956852301" sldId="275"/>
+            <ac:spMk id="12" creationId="{AA642055-3C69-4851-A251-3282C4A881CD}"/>
+          </ac:spMkLst>
+        </pc:spChg>
+        <pc:spChg chg="mod">
+          <ac:chgData name="Suman Raj" userId="S::sumanraj@iisc.ac.in::afec2e0e-e097-4995-a01b-9de849233f59" providerId="AD" clId="Web-{D3BD8E96-A154-FDA8-7CC1-21BE008AD781}" dt="2021-07-11T12:17:25.702" v="15" actId="1076"/>
+          <ac:spMkLst>
+            <pc:docMk/>
+            <pc:sldMk cId="1956852301" sldId="275"/>
+            <ac:spMk id="13" creationId="{0E23648C-59EE-41D0-82BB-06F016DE77B2}"/>
+          </ac:spMkLst>
+        </pc:spChg>
+        <pc:spChg chg="mod">
+          <ac:chgData name="Suman Raj" userId="S::sumanraj@iisc.ac.in::afec2e0e-e097-4995-a01b-9de849233f59" providerId="AD" clId="Web-{D3BD8E96-A154-FDA8-7CC1-21BE008AD781}" dt="2021-07-11T12:50:29.086" v="195" actId="1076"/>
+          <ac:spMkLst>
+            <pc:docMk/>
+            <pc:sldMk cId="1956852301" sldId="275"/>
+            <ac:spMk id="14" creationId="{EB8EF3E7-4F9B-4185-92FE-743B8961F56E}"/>
+          </ac:spMkLst>
+        </pc:spChg>
+        <pc:spChg chg="del">
+          <ac:chgData name="Suman Raj" userId="S::sumanraj@iisc.ac.in::afec2e0e-e097-4995-a01b-9de849233f59" providerId="AD" clId="Web-{D3BD8E96-A154-FDA8-7CC1-21BE008AD781}" dt="2021-07-11T12:43:44.574" v="90"/>
+          <ac:spMkLst>
+            <pc:docMk/>
+            <pc:sldMk cId="1956852301" sldId="275"/>
+            <ac:spMk id="15" creationId="{268B4087-B528-41DF-BCA1-B550844BFD97}"/>
+          </ac:spMkLst>
+        </pc:spChg>
+        <pc:spChg chg="add del mod">
+          <ac:chgData name="Suman Raj" userId="S::sumanraj@iisc.ac.in::afec2e0e-e097-4995-a01b-9de849233f59" providerId="AD" clId="Web-{D3BD8E96-A154-FDA8-7CC1-21BE008AD781}" dt="2021-07-11T12:21:40.958" v="38"/>
+          <ac:spMkLst>
+            <pc:docMk/>
+            <pc:sldMk cId="1956852301" sldId="275"/>
+            <ac:spMk id="15" creationId="{D2F08081-C6A6-4F07-B34A-2184EF120A18}"/>
+          </ac:spMkLst>
+        </pc:spChg>
+        <pc:spChg chg="add">
+          <ac:chgData name="Suman Raj" userId="S::sumanraj@iisc.ac.in::afec2e0e-e097-4995-a01b-9de849233f59" providerId="AD" clId="Web-{D3BD8E96-A154-FDA8-7CC1-21BE008AD781}" dt="2021-07-11T12:21:51.380" v="39"/>
+          <ac:spMkLst>
+            <pc:docMk/>
+            <pc:sldMk cId="1956852301" sldId="275"/>
+            <ac:spMk id="16" creationId="{1002CBAC-A8BF-4C02-B2A1-D96BCA5FDDE2}"/>
+          </ac:spMkLst>
+        </pc:spChg>
+        <pc:spChg chg="add mod">
+          <ac:chgData name="Suman Raj" userId="S::sumanraj@iisc.ac.in::afec2e0e-e097-4995-a01b-9de849233f59" providerId="AD" clId="Web-{D3BD8E96-A154-FDA8-7CC1-21BE008AD781}" dt="2021-07-11T12:44:55.295" v="103" actId="1076"/>
+          <ac:spMkLst>
+            <pc:docMk/>
+            <pc:sldMk cId="1956852301" sldId="275"/>
+            <ac:spMk id="16" creationId="{BAF05F66-0C60-46F9-ACAE-C5D0D40D3B9C}"/>
+          </ac:spMkLst>
+        </pc:spChg>
+        <pc:spChg chg="mod">
+          <ac:chgData name="Suman Raj" userId="S::sumanraj@iisc.ac.in::afec2e0e-e097-4995-a01b-9de849233f59" providerId="AD" clId="Web-{D3BD8E96-A154-FDA8-7CC1-21BE008AD781}" dt="2021-07-11T12:52:28.214" v="221" actId="14100"/>
+          <ac:spMkLst>
+            <pc:docMk/>
+            <pc:sldMk cId="1956852301" sldId="275"/>
+            <ac:spMk id="17" creationId="{32654DA6-9093-4AAC-96B0-6ACAB86433B7}"/>
+          </ac:spMkLst>
+        </pc:spChg>
+        <pc:spChg chg="del">
+          <ac:chgData name="Suman Raj" userId="S::sumanraj@iisc.ac.in::afec2e0e-e097-4995-a01b-9de849233f59" providerId="AD" clId="Web-{D3BD8E96-A154-FDA8-7CC1-21BE008AD781}" dt="2021-07-11T12:48:20.848" v="174"/>
+          <ac:spMkLst>
+            <pc:docMk/>
+            <pc:sldMk cId="1956852301" sldId="275"/>
+            <ac:spMk id="18" creationId="{1CCB44B6-9925-4EB1-940F-5280472BDAA8}"/>
+          </ac:spMkLst>
+        </pc:spChg>
+        <pc:spChg chg="add del mod">
+          <ac:chgData name="Suman Raj" userId="S::sumanraj@iisc.ac.in::afec2e0e-e097-4995-a01b-9de849233f59" providerId="AD" clId="Web-{D3BD8E96-A154-FDA8-7CC1-21BE008AD781}" dt="2021-07-11T12:41:37.742" v="63"/>
+          <ac:spMkLst>
+            <pc:docMk/>
+            <pc:sldMk cId="1956852301" sldId="275"/>
+            <ac:spMk id="19" creationId="{78080588-4388-478E-BB56-15081617D798}"/>
+          </ac:spMkLst>
+        </pc:spChg>
+        <pc:spChg chg="add del mod">
+          <ac:chgData name="Suman Raj" userId="S::sumanraj@iisc.ac.in::afec2e0e-e097-4995-a01b-9de849233f59" providerId="AD" clId="Web-{D3BD8E96-A154-FDA8-7CC1-21BE008AD781}" dt="2021-07-11T12:48:25.285" v="175"/>
+          <ac:spMkLst>
+            <pc:docMk/>
+            <pc:sldMk cId="1956852301" sldId="275"/>
+            <ac:spMk id="20" creationId="{957DB63F-CFDD-4C3D-98E9-90B853EEF783}"/>
+          </ac:spMkLst>
+        </pc:spChg>
+        <pc:spChg chg="add mod">
+          <ac:chgData name="Suman Raj" userId="S::sumanraj@iisc.ac.in::afec2e0e-e097-4995-a01b-9de849233f59" providerId="AD" clId="Web-{D3BD8E96-A154-FDA8-7CC1-21BE008AD781}" dt="2021-07-11T12:52:34.245" v="222" actId="14100"/>
+          <ac:spMkLst>
+            <pc:docMk/>
+            <pc:sldMk cId="1956852301" sldId="275"/>
+            <ac:spMk id="21" creationId="{8145F3EE-E61A-4094-9FA0-9D09A33A5C4A}"/>
+          </ac:spMkLst>
+        </pc:spChg>
+        <pc:spChg chg="add mod">
+          <ac:chgData name="Suman Raj" userId="S::sumanraj@iisc.ac.in::afec2e0e-e097-4995-a01b-9de849233f59" providerId="AD" clId="Web-{D3BD8E96-A154-FDA8-7CC1-21BE008AD781}" dt="2021-07-11T12:45:26.483" v="108" actId="14100"/>
+          <ac:spMkLst>
+            <pc:docMk/>
+            <pc:sldMk cId="1956852301" sldId="275"/>
+            <ac:spMk id="22" creationId="{A83E20AF-35E7-4138-9AB7-0C4AFCE3F13D}"/>
+          </ac:spMkLst>
+        </pc:spChg>
+        <pc:spChg chg="add mod">
+          <ac:chgData name="Suman Raj" userId="S::sumanraj@iisc.ac.in::afec2e0e-e097-4995-a01b-9de849233f59" providerId="AD" clId="Web-{D3BD8E96-A154-FDA8-7CC1-21BE008AD781}" dt="2021-07-11T12:45:42.265" v="113" actId="1076"/>
+          <ac:spMkLst>
+            <pc:docMk/>
+            <pc:sldMk cId="1956852301" sldId="275"/>
+            <ac:spMk id="23" creationId="{59147C38-BF18-4B4F-A397-B3494D0B1369}"/>
+          </ac:spMkLst>
+        </pc:spChg>
+        <pc:spChg chg="add mod">
+          <ac:chgData name="Suman Raj" userId="S::sumanraj@iisc.ac.in::afec2e0e-e097-4995-a01b-9de849233f59" providerId="AD" clId="Web-{D3BD8E96-A154-FDA8-7CC1-21BE008AD781}" dt="2021-07-11T12:47:42.784" v="173" actId="20577"/>
+          <ac:spMkLst>
+            <pc:docMk/>
+            <pc:sldMk cId="1956852301" sldId="275"/>
+            <ac:spMk id="24" creationId="{756A5FBD-144D-487A-B89B-4F6608D1DB8E}"/>
+          </ac:spMkLst>
+        </pc:spChg>
+        <pc:spChg chg="add mod">
+          <ac:chgData name="Suman Raj" userId="S::sumanraj@iisc.ac.in::afec2e0e-e097-4995-a01b-9de849233f59" providerId="AD" clId="Web-{D3BD8E96-A154-FDA8-7CC1-21BE008AD781}" dt="2021-07-11T12:46:46.611" v="141" actId="14100"/>
+          <ac:spMkLst>
+            <pc:docMk/>
+            <pc:sldMk cId="1956852301" sldId="275"/>
+            <ac:spMk id="25" creationId="{E619BADA-46C5-439C-B007-A0D1C1DE1534}"/>
+          </ac:spMkLst>
+        </pc:spChg>
+        <pc:spChg chg="add mod">
+          <ac:chgData name="Suman Raj" userId="S::sumanraj@iisc.ac.in::afec2e0e-e097-4995-a01b-9de849233f59" providerId="AD" clId="Web-{D3BD8E96-A154-FDA8-7CC1-21BE008AD781}" dt="2021-07-11T12:48:31.285" v="178" actId="1076"/>
+          <ac:spMkLst>
+            <pc:docMk/>
+            <pc:sldMk cId="1956852301" sldId="275"/>
+            <ac:spMk id="26" creationId="{A739EB06-26DF-4CFD-9E86-938C1A6C9CF7}"/>
+          </ac:spMkLst>
+        </pc:spChg>
+        <pc:spChg chg="add del">
+          <ac:chgData name="Suman Raj" userId="S::sumanraj@iisc.ac.in::afec2e0e-e097-4995-a01b-9de849233f59" providerId="AD" clId="Web-{D3BD8E96-A154-FDA8-7CC1-21BE008AD781}" dt="2021-07-11T12:47:06.970" v="149"/>
+          <ac:spMkLst>
+            <pc:docMk/>
+            <pc:sldMk cId="1956852301" sldId="275"/>
+            <ac:spMk id="27" creationId="{A9FA3348-2624-4B2F-9CBF-BDE2BE7E671F}"/>
+          </ac:spMkLst>
+        </pc:spChg>
+        <pc:spChg chg="add mod">
+          <ac:chgData name="Suman Raj" userId="S::sumanraj@iisc.ac.in::afec2e0e-e097-4995-a01b-9de849233f59" providerId="AD" clId="Web-{D3BD8E96-A154-FDA8-7CC1-21BE008AD781}" dt="2021-07-11T12:51:50.307" v="212" actId="1076"/>
+          <ac:spMkLst>
+            <pc:docMk/>
+            <pc:sldMk cId="1956852301" sldId="275"/>
+            <ac:spMk id="29" creationId="{4760B6F4-3A08-40C6-8347-9AC7FC71AF11}"/>
+          </ac:spMkLst>
+        </pc:spChg>
+        <pc:spChg chg="add mod">
+          <ac:chgData name="Suman Raj" userId="S::sumanraj@iisc.ac.in::afec2e0e-e097-4995-a01b-9de849233f59" providerId="AD" clId="Web-{D3BD8E96-A154-FDA8-7CC1-21BE008AD781}" dt="2021-07-11T12:51:51.885" v="214" actId="1076"/>
+          <ac:spMkLst>
+            <pc:docMk/>
+            <pc:sldMk cId="1956852301" sldId="275"/>
+            <ac:spMk id="30" creationId="{AB1234BD-EB67-4A07-8D86-E31926F324B4}"/>
+          </ac:spMkLst>
+        </pc:spChg>
+        <pc:spChg chg="add mod">
+          <ac:chgData name="Suman Raj" userId="S::sumanraj@iisc.ac.in::afec2e0e-e097-4995-a01b-9de849233f59" providerId="AD" clId="Web-{D3BD8E96-A154-FDA8-7CC1-21BE008AD781}" dt="2021-07-11T12:52:20.229" v="219" actId="14100"/>
+          <ac:spMkLst>
+            <pc:docMk/>
+            <pc:sldMk cId="1956852301" sldId="275"/>
+            <ac:spMk id="31" creationId="{FCC6F924-6683-4F97-AF26-777BC64826C3}"/>
+          </ac:spMkLst>
+        </pc:spChg>
+        <pc:spChg chg="add mod">
+          <ac:chgData name="Suman Raj" userId="S::sumanraj@iisc.ac.in::afec2e0e-e097-4995-a01b-9de849233f59" providerId="AD" clId="Web-{D3BD8E96-A154-FDA8-7CC1-21BE008AD781}" dt="2021-07-11T12:53:13.246" v="227" actId="14100"/>
+          <ac:spMkLst>
+            <pc:docMk/>
+            <pc:sldMk cId="1956852301" sldId="275"/>
+            <ac:spMk id="32" creationId="{9103EF27-011D-418A-8872-CEC393C5C82F}"/>
+          </ac:spMkLst>
+        </pc:spChg>
+        <pc:spChg chg="add mod">
+          <ac:chgData name="Suman Raj" userId="S::sumanraj@iisc.ac.in::afec2e0e-e097-4995-a01b-9de849233f59" providerId="AD" clId="Web-{D3BD8E96-A154-FDA8-7CC1-21BE008AD781}" dt="2021-07-11T12:53:38.903" v="240" actId="20577"/>
+          <ac:spMkLst>
+            <pc:docMk/>
+            <pc:sldMk cId="1956852301" sldId="275"/>
+            <ac:spMk id="33" creationId="{6B473AA5-AD0A-4F9D-A064-4E3246889613}"/>
+          </ac:spMkLst>
+        </pc:spChg>
+        <pc:inkChg chg="add del">
+          <ac:chgData name="Suman Raj" userId="S::sumanraj@iisc.ac.in::afec2e0e-e097-4995-a01b-9de849233f59" providerId="AD" clId="Web-{D3BD8E96-A154-FDA8-7CC1-21BE008AD781}" dt="2021-07-11T12:19:07.345" v="20"/>
+          <ac:inkMkLst>
+            <pc:docMk/>
+            <pc:sldMk cId="1956852301" sldId="275"/>
+            <ac:inkMk id="5" creationId="{8BFBB6A3-50C3-48FA-A92F-1A560089E51C}"/>
+          </ac:inkMkLst>
+        </pc:inkChg>
+        <pc:inkChg chg="add del">
+          <ac:chgData name="Suman Raj" userId="S::sumanraj@iisc.ac.in::afec2e0e-e097-4995-a01b-9de849233f59" providerId="AD" clId="Web-{D3BD8E96-A154-FDA8-7CC1-21BE008AD781}" dt="2021-07-11T12:19:35.642" v="25"/>
+          <ac:inkMkLst>
+            <pc:docMk/>
+            <pc:sldMk cId="1956852301" sldId="275"/>
+            <ac:inkMk id="14" creationId="{7D0FFD8F-1576-46BF-9BE0-19A18F7B4A8D}"/>
+          </ac:inkMkLst>
+        </pc:inkChg>
+        <pc:cxnChg chg="add del mod">
+          <ac:chgData name="Suman Raj" userId="S::sumanraj@iisc.ac.in::afec2e0e-e097-4995-a01b-9de849233f59" providerId="AD" clId="Web-{D3BD8E96-A154-FDA8-7CC1-21BE008AD781}" dt="2021-07-11T12:20:17.503" v="34"/>
+          <ac:cxnSpMkLst>
+            <pc:docMk/>
+            <pc:sldMk cId="1956852301" sldId="275"/>
+            <ac:cxnSpMk id="12" creationId="{BF88A1BA-3334-4480-9EEB-9F9BEB67F282}"/>
+          </ac:cxnSpMkLst>
+        </pc:cxnChg>
+        <pc:cxnChg chg="add del mod">
+          <ac:chgData name="Suman Raj" userId="S::sumanraj@iisc.ac.in::afec2e0e-e097-4995-a01b-9de849233f59" providerId="AD" clId="Web-{D3BD8E96-A154-FDA8-7CC1-21BE008AD781}" dt="2021-07-11T12:49:21.677" v="186"/>
+          <ac:cxnSpMkLst>
+            <pc:docMk/>
+            <pc:sldMk cId="1956852301" sldId="275"/>
+            <ac:cxnSpMk id="28" creationId="{26E58971-32CC-4D4A-B77E-E30877378427}"/>
+          </ac:cxnSpMkLst>
+        </pc:cxnChg>
+      </pc:sldChg>
+    </pc:docChg>
+  </pc:docChgLst>
+  <pc:docChgLst>
+    <pc:chgData name="Suman Raj" userId="afec2e0e-e097-4995-a01b-9de849233f59" providerId="ADAL" clId="{362DBC7E-7FBF-4A86-AF85-C9697DF17F04}"/>
+    <pc:docChg chg="custSel modSld">
+      <pc:chgData name="Suman Raj" userId="afec2e0e-e097-4995-a01b-9de849233f59" providerId="ADAL" clId="{362DBC7E-7FBF-4A86-AF85-C9697DF17F04}" dt="2021-07-11T12:36:13.551" v="81" actId="1076"/>
+      <pc:docMkLst>
+        <pc:docMk/>
+      </pc:docMkLst>
+      <pc:sldChg chg="modSp mod">
+        <pc:chgData name="Suman Raj" userId="afec2e0e-e097-4995-a01b-9de849233f59" providerId="ADAL" clId="{362DBC7E-7FBF-4A86-AF85-C9697DF17F04}" dt="2021-07-11T08:51:44.328" v="9" actId="14100"/>
+        <pc:sldMkLst>
+          <pc:docMk/>
+          <pc:sldMk cId="40637333" sldId="264"/>
+        </pc:sldMkLst>
+        <pc:picChg chg="mod">
+          <ac:chgData name="Suman Raj" userId="afec2e0e-e097-4995-a01b-9de849233f59" providerId="ADAL" clId="{362DBC7E-7FBF-4A86-AF85-C9697DF17F04}" dt="2021-07-11T08:51:44.328" v="9" actId="14100"/>
+          <ac:picMkLst>
+            <pc:docMk/>
+            <pc:sldMk cId="40637333" sldId="264"/>
+            <ac:picMk id="4" creationId="{DD6B9881-21FB-4D3B-9545-46C1F74A98AA}"/>
+          </ac:picMkLst>
+        </pc:picChg>
+      </pc:sldChg>
+      <pc:sldChg chg="addSp delSp modSp mod">
+        <pc:chgData name="Suman Raj" userId="afec2e0e-e097-4995-a01b-9de849233f59" providerId="ADAL" clId="{362DBC7E-7FBF-4A86-AF85-C9697DF17F04}" dt="2021-07-11T12:36:13.551" v="81" actId="1076"/>
+        <pc:sldMkLst>
+          <pc:docMk/>
+          <pc:sldMk cId="1956852301" sldId="275"/>
+        </pc:sldMkLst>
+        <pc:spChg chg="add mod">
+          <ac:chgData name="Suman Raj" userId="afec2e0e-e097-4995-a01b-9de849233f59" providerId="ADAL" clId="{362DBC7E-7FBF-4A86-AF85-C9697DF17F04}" dt="2021-07-11T12:35:26.472" v="71" actId="1076"/>
+          <ac:spMkLst>
+            <pc:docMk/>
+            <pc:sldMk cId="1956852301" sldId="275"/>
+            <ac:spMk id="3" creationId="{7468E34E-C2DC-4213-A718-858A325C2C72}"/>
+          </ac:spMkLst>
+        </pc:spChg>
+        <pc:spChg chg="add mod">
+          <ac:chgData name="Suman Raj" userId="afec2e0e-e097-4995-a01b-9de849233f59" providerId="ADAL" clId="{362DBC7E-7FBF-4A86-AF85-C9697DF17F04}" dt="2021-07-11T12:34:49.556" v="65" actId="14100"/>
+          <ac:spMkLst>
+            <pc:docMk/>
+            <pc:sldMk cId="1956852301" sldId="275"/>
+            <ac:spMk id="5" creationId="{82734CF7-19C2-4A57-B95B-87E1FE23725B}"/>
+          </ac:spMkLst>
+        </pc:spChg>
+        <pc:spChg chg="mod">
+          <ac:chgData name="Suman Raj" userId="afec2e0e-e097-4995-a01b-9de849233f59" providerId="ADAL" clId="{362DBC7E-7FBF-4A86-AF85-C9697DF17F04}" dt="2021-07-11T12:34:45.277" v="64" actId="1076"/>
+          <ac:spMkLst>
+            <pc:docMk/>
+            <pc:sldMk cId="1956852301" sldId="275"/>
+            <ac:spMk id="7" creationId="{182AAD4C-5A0F-49A2-94D0-4656787CFF1F}"/>
+          </ac:spMkLst>
+        </pc:spChg>
+        <pc:spChg chg="add del">
+          <ac:chgData name="Suman Raj" userId="afec2e0e-e097-4995-a01b-9de849233f59" providerId="ADAL" clId="{362DBC7E-7FBF-4A86-AF85-C9697DF17F04}" dt="2021-07-11T12:32:49.634" v="50" actId="478"/>
+          <ac:spMkLst>
+            <pc:docMk/>
+            <pc:sldMk cId="1956852301" sldId="275"/>
+            <ac:spMk id="12" creationId="{8506443F-0AE3-4C33-8E6D-24AA6447D681}"/>
+          </ac:spMkLst>
+        </pc:spChg>
+        <pc:spChg chg="add mod">
+          <ac:chgData name="Suman Raj" userId="afec2e0e-e097-4995-a01b-9de849233f59" providerId="ADAL" clId="{362DBC7E-7FBF-4A86-AF85-C9697DF17F04}" dt="2021-07-11T12:36:13.551" v="81" actId="1076"/>
+          <ac:spMkLst>
+            <pc:docMk/>
+            <pc:sldMk cId="1956852301" sldId="275"/>
+            <ac:spMk id="14" creationId="{EB8EF3E7-4F9B-4185-92FE-743B8961F56E}"/>
+          </ac:spMkLst>
+        </pc:spChg>
+        <pc:spChg chg="add mod">
+          <ac:chgData name="Suman Raj" userId="afec2e0e-e097-4995-a01b-9de849233f59" providerId="ADAL" clId="{362DBC7E-7FBF-4A86-AF85-C9697DF17F04}" dt="2021-07-11T12:33:40.255" v="55" actId="1076"/>
+          <ac:spMkLst>
+            <pc:docMk/>
+            <pc:sldMk cId="1956852301" sldId="275"/>
+            <ac:spMk id="15" creationId="{268B4087-B528-41DF-BCA1-B550844BFD97}"/>
+          </ac:spMkLst>
+        </pc:spChg>
+        <pc:spChg chg="del">
+          <ac:chgData name="Suman Raj" userId="afec2e0e-e097-4995-a01b-9de849233f59" providerId="ADAL" clId="{362DBC7E-7FBF-4A86-AF85-C9697DF17F04}" dt="2021-07-11T12:23:25.519" v="12" actId="478"/>
+          <ac:spMkLst>
+            <pc:docMk/>
+            <pc:sldMk cId="1956852301" sldId="275"/>
+            <ac:spMk id="16" creationId="{1002CBAC-A8BF-4C02-B2A1-D96BCA5FDDE2}"/>
+          </ac:spMkLst>
+        </pc:spChg>
+        <pc:spChg chg="add mod">
+          <ac:chgData name="Suman Raj" userId="afec2e0e-e097-4995-a01b-9de849233f59" providerId="ADAL" clId="{362DBC7E-7FBF-4A86-AF85-C9697DF17F04}" dt="2021-07-11T12:34:59.208" v="67" actId="14100"/>
+          <ac:spMkLst>
+            <pc:docMk/>
+            <pc:sldMk cId="1956852301" sldId="275"/>
+            <ac:spMk id="17" creationId="{32654DA6-9093-4AAC-96B0-6ACAB86433B7}"/>
+          </ac:spMkLst>
+        </pc:spChg>
+        <pc:spChg chg="add mod">
+          <ac:chgData name="Suman Raj" userId="afec2e0e-e097-4995-a01b-9de849233f59" providerId="ADAL" clId="{362DBC7E-7FBF-4A86-AF85-C9697DF17F04}" dt="2021-07-11T12:36:08.795" v="80" actId="14100"/>
+          <ac:spMkLst>
+            <pc:docMk/>
+            <pc:sldMk cId="1956852301" sldId="275"/>
+            <ac:spMk id="18" creationId="{1CCB44B6-9925-4EB1-940F-5280472BDAA8}"/>
+          </ac:spMkLst>
+        </pc:spChg>
+      </pc:sldChg>
+    </pc:docChg>
+  </pc:docChgLst>
 </pc:chgInfo>
+</file>
+
+<file path=ppt/notesMasters/notesMaster1.xml><?xml version="1.0" encoding="utf-8"?>
+<p:notesMaster xmlns:a="http://schemas.openxmlformats.org/drawingml/2006/main" xmlns:r="http://schemas.openxmlformats.org/officeDocument/2006/relationships" xmlns:p="http://schemas.openxmlformats.org/presentationml/2006/main">
+  <p:cSld>
+    <p:bg>
+      <p:bgRef idx="1001">
+        <a:schemeClr val="bg1"/>
+      </p:bgRef>
+    </p:bg>
+    <p:spTree>
+      <p:nvGrpSpPr>
+        <p:cNvPr id="1" name=""/>
+        <p:cNvGrpSpPr/>
+        <p:nvPr/>
+      </p:nvGrpSpPr>
+      <p:grpSpPr>
+        <a:xfrm>
+          <a:off x="0" y="0"/>
+          <a:ext cx="0" cy="0"/>
+          <a:chOff x="0" y="0"/>
+          <a:chExt cx="0" cy="0"/>
+        </a:xfrm>
+      </p:grpSpPr>
+      <p:sp>
+        <p:nvSpPr>
+          <p:cNvPr id="2" name="Header Placeholder 1"/>
+          <p:cNvSpPr>
+            <a:spLocks noGrp="1"/>
+          </p:cNvSpPr>
+          <p:nvPr>
+            <p:ph type="hdr" sz="quarter"/>
+          </p:nvPr>
+        </p:nvSpPr>
+        <p:spPr>
+          <a:xfrm>
+            <a:off x="0" y="0"/>
+            <a:ext cx="2971800" cy="458788"/>
+          </a:xfrm>
+          <a:prstGeom prst="rect">
+            <a:avLst/>
+          </a:prstGeom>
+        </p:spPr>
+        <p:txBody>
+          <a:bodyPr vert="horz" lIns="91440" tIns="45720" rIns="91440" bIns="45720" rtlCol="0"/>
+          <a:lstStyle>
+            <a:lvl1pPr algn="l">
+              <a:defRPr sz="1200"/>
+            </a:lvl1pPr>
+          </a:lstStyle>
+          <a:p>
+            <a:endParaRPr lang="en-GB"/>
+          </a:p>
+        </p:txBody>
+      </p:sp>
+      <p:sp>
+        <p:nvSpPr>
+          <p:cNvPr id="3" name="Date Placeholder 2"/>
+          <p:cNvSpPr>
+            <a:spLocks noGrp="1"/>
+          </p:cNvSpPr>
+          <p:nvPr>
+            <p:ph type="dt" idx="1"/>
+          </p:nvPr>
+        </p:nvSpPr>
+        <p:spPr>
+          <a:xfrm>
+            <a:off x="3884613" y="0"/>
+            <a:ext cx="2971800" cy="458788"/>
+          </a:xfrm>
+          <a:prstGeom prst="rect">
+            <a:avLst/>
+          </a:prstGeom>
+        </p:spPr>
+        <p:txBody>
+          <a:bodyPr vert="horz" lIns="91440" tIns="45720" rIns="91440" bIns="45720" rtlCol="0"/>
+          <a:lstStyle>
+            <a:lvl1pPr algn="r">
+              <a:defRPr sz="1200"/>
+            </a:lvl1pPr>
+          </a:lstStyle>
+          <a:p>
+            <a:fld id="{9C974078-AE9F-4C89-AD8F-B31CBBCDE699}" type="datetimeFigureOut">
+              <a:rPr lang="en-GB"/>
+              <a:t>11/07/2021</a:t>
+            </a:fld>
+            <a:endParaRPr lang="en-GB"/>
+          </a:p>
+        </p:txBody>
+      </p:sp>
+      <p:sp>
+        <p:nvSpPr>
+          <p:cNvPr id="4" name="Slide Image Placeholder 3"/>
+          <p:cNvSpPr>
+            <a:spLocks noGrp="1" noRot="1" noChangeAspect="1"/>
+          </p:cNvSpPr>
+          <p:nvPr>
+            <p:ph type="sldImg" idx="2"/>
+          </p:nvPr>
+        </p:nvSpPr>
+        <p:spPr>
+          <a:xfrm>
+            <a:off x="685800" y="1143000"/>
+            <a:ext cx="5486400" cy="3086100"/>
+          </a:xfrm>
+          <a:prstGeom prst="rect">
+            <a:avLst/>
+          </a:prstGeom>
+          <a:noFill/>
+          <a:ln w="12700">
+            <a:solidFill>
+              <a:prstClr val="black"/>
+            </a:solidFill>
+          </a:ln>
+        </p:spPr>
+        <p:txBody>
+          <a:bodyPr vert="horz" lIns="91440" tIns="45720" rIns="91440" bIns="45720" rtlCol="0" anchor="ctr"/>
+          <a:lstStyle/>
+          <a:p>
+            <a:endParaRPr lang="en-GB"/>
+          </a:p>
+        </p:txBody>
+      </p:sp>
+      <p:sp>
+        <p:nvSpPr>
+          <p:cNvPr id="5" name="Notes Placeholder 4"/>
+          <p:cNvSpPr>
+            <a:spLocks noGrp="1"/>
+          </p:cNvSpPr>
+          <p:nvPr>
+            <p:ph type="body" sz="quarter" idx="3"/>
+          </p:nvPr>
+        </p:nvSpPr>
+        <p:spPr>
+          <a:xfrm>
+            <a:off x="685800" y="4400550"/>
+            <a:ext cx="5486400" cy="3600450"/>
+          </a:xfrm>
+          <a:prstGeom prst="rect">
+            <a:avLst/>
+          </a:prstGeom>
+        </p:spPr>
+        <p:txBody>
+          <a:bodyPr vert="horz" lIns="91440" tIns="45720" rIns="91440" bIns="45720" rtlCol="0"/>
+          <a:lstStyle/>
+          <a:p>
+            <a:pPr lvl="0"/>
+            <a:r>
+              <a:rPr lang="en-GB"/>
+              <a:t>Click to edit Master text styles</a:t>
+            </a:r>
+          </a:p>
+          <a:p>
+            <a:pPr lvl="1"/>
+            <a:r>
+              <a:rPr lang="en-GB"/>
+              <a:t>Second level</a:t>
+            </a:r>
+          </a:p>
+          <a:p>
+            <a:pPr lvl="2"/>
+            <a:r>
+              <a:rPr lang="en-GB"/>
+              <a:t>Third level</a:t>
+            </a:r>
+          </a:p>
+          <a:p>
+            <a:pPr lvl="3"/>
+            <a:r>
+              <a:rPr lang="en-GB"/>
+              <a:t>Fourth level</a:t>
+            </a:r>
+          </a:p>
+          <a:p>
+            <a:pPr lvl="4"/>
+            <a:r>
+              <a:rPr lang="en-GB"/>
+              <a:t>Fifth level</a:t>
+            </a:r>
+          </a:p>
+        </p:txBody>
+      </p:sp>
+      <p:sp>
+        <p:nvSpPr>
+          <p:cNvPr id="6" name="Footer Placeholder 5"/>
+          <p:cNvSpPr>
+            <a:spLocks noGrp="1"/>
+          </p:cNvSpPr>
+          <p:nvPr>
+            <p:ph type="ftr" sz="quarter" idx="4"/>
+          </p:nvPr>
+        </p:nvSpPr>
+        <p:spPr>
+          <a:xfrm>
+            <a:off x="0" y="8685213"/>
+            <a:ext cx="2971800" cy="458787"/>
+          </a:xfrm>
+          <a:prstGeom prst="rect">
+            <a:avLst/>
+          </a:prstGeom>
+        </p:spPr>
+        <p:txBody>
+          <a:bodyPr vert="horz" lIns="91440" tIns="45720" rIns="91440" bIns="45720" rtlCol="0" anchor="b"/>
+          <a:lstStyle>
+            <a:lvl1pPr algn="l">
+              <a:defRPr sz="1200"/>
+            </a:lvl1pPr>
+          </a:lstStyle>
+          <a:p>
+            <a:endParaRPr lang="en-GB"/>
+          </a:p>
+        </p:txBody>
+      </p:sp>
+      <p:sp>
+        <p:nvSpPr>
+          <p:cNvPr id="7" name="Slide Number Placeholder 6"/>
+          <p:cNvSpPr>
+            <a:spLocks noGrp="1"/>
+          </p:cNvSpPr>
+          <p:nvPr>
+            <p:ph type="sldNum" sz="quarter" idx="5"/>
+          </p:nvPr>
+        </p:nvSpPr>
+        <p:spPr>
+          <a:xfrm>
+            <a:off x="3884613" y="8685213"/>
+            <a:ext cx="2971800" cy="458787"/>
+          </a:xfrm>
+          <a:prstGeom prst="rect">
+            <a:avLst/>
+          </a:prstGeom>
+        </p:spPr>
+        <p:txBody>
+          <a:bodyPr vert="horz" lIns="91440" tIns="45720" rIns="91440" bIns="45720" rtlCol="0" anchor="b"/>
+          <a:lstStyle>
+            <a:lvl1pPr algn="r">
+              <a:defRPr sz="1200"/>
+            </a:lvl1pPr>
+          </a:lstStyle>
+          <a:p>
+            <a:fld id="{2C343408-3793-4938-9B8D-D7DDB8AAA62A}" type="slidenum">
+              <a:rPr lang="en-GB"/>
+              <a:t>‹#›</a:t>
+            </a:fld>
+            <a:endParaRPr lang="en-GB"/>
+          </a:p>
+        </p:txBody>
+      </p:sp>
+    </p:spTree>
+    <p:extLst>
+      <p:ext uri="{BB962C8B-B14F-4D97-AF65-F5344CB8AC3E}">
+        <p14:creationId xmlns:p14="http://schemas.microsoft.com/office/powerpoint/2010/main" val="4236961"/>
+      </p:ext>
+    </p:extLst>
+  </p:cSld>
+  <p:clrMap bg1="lt1" tx1="dk1" bg2="lt2" tx2="dk2" accent1="accent1" accent2="accent2" accent3="accent3" accent4="accent4" accent5="accent5" accent6="accent6" hlink="hlink" folHlink="folHlink"/>
+  <p:notesStyle>
+    <a:lvl1pPr marL="0" algn="l" defTabSz="914400" rtl="0" eaLnBrk="1" latinLnBrk="0" hangingPunct="1">
+      <a:defRPr sz="1200" kern="1200">
+        <a:solidFill>
+          <a:schemeClr val="tx1"/>
+        </a:solidFill>
+        <a:latin typeface="+mn-lt"/>
+        <a:ea typeface="+mn-ea"/>
+        <a:cs typeface="+mn-cs"/>
+      </a:defRPr>
+    </a:lvl1pPr>
+    <a:lvl2pPr marL="457200" algn="l" defTabSz="914400" rtl="0" eaLnBrk="1" latinLnBrk="0" hangingPunct="1">
+      <a:defRPr sz="1200" kern="1200">
+        <a:solidFill>
+          <a:schemeClr val="tx1"/>
+        </a:solidFill>
+        <a:latin typeface="+mn-lt"/>
+        <a:ea typeface="+mn-ea"/>
+        <a:cs typeface="+mn-cs"/>
+      </a:defRPr>
+    </a:lvl2pPr>
+    <a:lvl3pPr marL="914400" algn="l" defTabSz="914400" rtl="0" eaLnBrk="1" latinLnBrk="0" hangingPunct="1">
+      <a:defRPr sz="1200" kern="1200">
+        <a:solidFill>
+          <a:schemeClr val="tx1"/>
+        </a:solidFill>
+        <a:latin typeface="+mn-lt"/>
+        <a:ea typeface="+mn-ea"/>
+        <a:cs typeface="+mn-cs"/>
+      </a:defRPr>
+    </a:lvl3pPr>
+    <a:lvl4pPr marL="1371600" algn="l" defTabSz="914400" rtl="0" eaLnBrk="1" latinLnBrk="0" hangingPunct="1">
+      <a:defRPr sz="1200" kern="1200">
+        <a:solidFill>
+          <a:schemeClr val="tx1"/>
+        </a:solidFill>
+        <a:latin typeface="+mn-lt"/>
+        <a:ea typeface="+mn-ea"/>
+        <a:cs typeface="+mn-cs"/>
+      </a:defRPr>
+    </a:lvl4pPr>
+    <a:lvl5pPr marL="1828800" algn="l" defTabSz="914400" rtl="0" eaLnBrk="1" latinLnBrk="0" hangingPunct="1">
+      <a:defRPr sz="1200" kern="1200">
+        <a:solidFill>
+          <a:schemeClr val="tx1"/>
+        </a:solidFill>
+        <a:latin typeface="+mn-lt"/>
+        <a:ea typeface="+mn-ea"/>
+        <a:cs typeface="+mn-cs"/>
+      </a:defRPr>
+    </a:lvl5pPr>
+    <a:lvl6pPr marL="2286000" algn="l" defTabSz="914400" rtl="0" eaLnBrk="1" latinLnBrk="0" hangingPunct="1">
+      <a:defRPr sz="1200" kern="1200">
+        <a:solidFill>
+          <a:schemeClr val="tx1"/>
+        </a:solidFill>
+        <a:latin typeface="+mn-lt"/>
+        <a:ea typeface="+mn-ea"/>
+        <a:cs typeface="+mn-cs"/>
+      </a:defRPr>
+    </a:lvl6pPr>
+    <a:lvl7pPr marL="2743200" algn="l" defTabSz="914400" rtl="0" eaLnBrk="1" latinLnBrk="0" hangingPunct="1">
+      <a:defRPr sz="1200" kern="1200">
+        <a:solidFill>
+          <a:schemeClr val="tx1"/>
+        </a:solidFill>
+        <a:latin typeface="+mn-lt"/>
+        <a:ea typeface="+mn-ea"/>
+        <a:cs typeface="+mn-cs"/>
+      </a:defRPr>
+    </a:lvl7pPr>
+    <a:lvl8pPr marL="3200400" algn="l" defTabSz="914400" rtl="0" eaLnBrk="1" latinLnBrk="0" hangingPunct="1">
+      <a:defRPr sz="1200" kern="1200">
+        <a:solidFill>
+          <a:schemeClr val="tx1"/>
+        </a:solidFill>
+        <a:latin typeface="+mn-lt"/>
+        <a:ea typeface="+mn-ea"/>
+        <a:cs typeface="+mn-cs"/>
+      </a:defRPr>
+    </a:lvl8pPr>
+    <a:lvl9pPr marL="3657600" algn="l" defTabSz="914400" rtl="0" eaLnBrk="1" latinLnBrk="0" hangingPunct="1">
+      <a:defRPr sz="1200" kern="1200">
+        <a:solidFill>
+          <a:schemeClr val="tx1"/>
+        </a:solidFill>
+        <a:latin typeface="+mn-lt"/>
+        <a:ea typeface="+mn-ea"/>
+        <a:cs typeface="+mn-cs"/>
+      </a:defRPr>
+    </a:lvl9pPr>
+  </p:notesStyle>
+</p:notesMaster>
+</file>
+
+<file path=ppt/notesSlides/notesSlide1.xml><?xml version="1.0" encoding="utf-8"?>
+<p:notes xmlns:a="http://schemas.openxmlformats.org/drawingml/2006/main" xmlns:r="http://schemas.openxmlformats.org/officeDocument/2006/relationships" xmlns:p="http://schemas.openxmlformats.org/presentationml/2006/main">
+  <p:cSld>
+    <p:spTree>
+      <p:nvGrpSpPr>
+        <p:cNvPr id="1" name=""/>
+        <p:cNvGrpSpPr/>
+        <p:nvPr/>
+      </p:nvGrpSpPr>
+      <p:grpSpPr>
+        <a:xfrm>
+          <a:off x="0" y="0"/>
+          <a:ext cx="0" cy="0"/>
+          <a:chOff x="0" y="0"/>
+          <a:chExt cx="0" cy="0"/>
+        </a:xfrm>
+      </p:grpSpPr>
+      <p:sp>
+        <p:nvSpPr>
+          <p:cNvPr id="2" name="Slide Image Placeholder 1"/>
+          <p:cNvSpPr>
+            <a:spLocks noGrp="1" noRot="1" noChangeAspect="1"/>
+          </p:cNvSpPr>
+          <p:nvPr>
+            <p:ph type="sldImg"/>
+          </p:nvPr>
+        </p:nvSpPr>
+        <p:spPr/>
+      </p:sp>
+      <p:sp>
+        <p:nvSpPr>
+          <p:cNvPr id="3" name="Notes Placeholder 2"/>
+          <p:cNvSpPr>
+            <a:spLocks noGrp="1"/>
+          </p:cNvSpPr>
+          <p:nvPr>
+            <p:ph type="body" idx="1"/>
+          </p:nvPr>
+        </p:nvSpPr>
+        <p:spPr/>
+        <p:txBody>
+          <a:bodyPr/>
+          <a:lstStyle/>
+          <a:p>
+            <a:pPr marL="285750" indent="-285750">
+              <a:buFont typeface="Arial"/>
+              <a:buChar char="•"/>
+            </a:pPr>
+            <a:r>
+              <a:rPr lang="en-US"/>
+              <a:t>The </a:t>
+            </a:r>
+            <a:r>
+              <a:rPr lang="en-US" b="1"/>
+              <a:t>frame</a:t>
+            </a:r>
+            <a:r>
+              <a:rPr lang="en-US"/>
+              <a:t> is the bearing structure of a drone. It has to be light and robust in order to resist to impacts and stress. It is often made of plastic or carbon fiber and has an X shape (Quad-X configuration) or an + shape (Quad-+ configuration)</a:t>
+            </a:r>
+          </a:p>
+          <a:p>
+            <a:pPr marL="285750" indent="-285750">
+              <a:buFont typeface="Arial"/>
+              <a:buChar char="•"/>
+            </a:pPr>
+            <a:r>
+              <a:rPr lang="en-US"/>
+              <a:t>The brushless </a:t>
+            </a:r>
+            <a:r>
+              <a:rPr lang="en-US" b="1"/>
+              <a:t>motors</a:t>
+            </a:r>
+            <a:r>
+              <a:rPr lang="en-US"/>
+              <a:t> turn the propellers, supporting the drone and keeping it in flight</a:t>
+            </a:r>
+            <a:endParaRPr lang="en-GB"/>
+          </a:p>
+          <a:p>
+            <a:pPr marL="285750" indent="-285750">
+              <a:buFont typeface="Arial"/>
+              <a:buChar char="•"/>
+            </a:pPr>
+            <a:r>
+              <a:rPr lang="en-US"/>
+              <a:t>The </a:t>
+            </a:r>
+            <a:r>
+              <a:rPr lang="en-US" b="1"/>
+              <a:t>ESC</a:t>
+            </a:r>
+            <a:r>
+              <a:rPr lang="en-US"/>
+              <a:t> (Electronic Speed Controls) change the rotation speed of the electric motor and control its rotation direction by varying the supply voltage supplied by the battery. Each engine has a dedicated ESC.</a:t>
+            </a:r>
+            <a:endParaRPr lang="en-GB"/>
+          </a:p>
+          <a:p>
+            <a:pPr marL="285750" indent="-285750">
+              <a:buFont typeface="Arial"/>
+              <a:buChar char="•"/>
+            </a:pPr>
+            <a:r>
+              <a:rPr lang="en-US"/>
+              <a:t>The </a:t>
+            </a:r>
+            <a:r>
+              <a:rPr lang="en-US" b="1"/>
+              <a:t>propellers</a:t>
+            </a:r>
+            <a:r>
+              <a:rPr lang="en-US"/>
+              <a:t> can be made in plastic or carbon fiber and they has to be as light and robust as frame</a:t>
+            </a:r>
+            <a:endParaRPr lang="en-GB"/>
+          </a:p>
+          <a:p>
+            <a:pPr marL="285750" indent="-285750">
+              <a:buFont typeface="Arial"/>
+              <a:buChar char="•"/>
+            </a:pPr>
+            <a:r>
+              <a:rPr lang="en-US"/>
+              <a:t>The LiPo </a:t>
+            </a:r>
+            <a:r>
+              <a:rPr lang="en-US" b="1"/>
+              <a:t>battery</a:t>
+            </a:r>
+            <a:r>
+              <a:rPr lang="en-US"/>
+              <a:t> is the primary source of energy, his capacity determines the flight autonomy and the maximum power developed by the engines.</a:t>
+            </a:r>
+            <a:endParaRPr lang="en-GB"/>
+          </a:p>
+          <a:p>
+            <a:pPr marL="285750" indent="-285750">
+              <a:buFont typeface="Arial"/>
+              <a:buChar char="•"/>
+            </a:pPr>
+            <a:r>
+              <a:rPr lang="en-US"/>
+              <a:t>The </a:t>
+            </a:r>
+            <a:r>
+              <a:rPr lang="en-US" b="1"/>
+              <a:t>controller</a:t>
+            </a:r>
+            <a:r>
+              <a:rPr lang="en-US"/>
+              <a:t> acquires sensors data and, after an elaboration with a dedicated processor, controls the rotational speed of motors through the ESCs. The main sensors on a drone are IMU </a:t>
+            </a:r>
+            <a:r>
+              <a:rPr lang="en-US" i="1"/>
+              <a:t>(Inertial Measurement Unit)</a:t>
+            </a:r>
+            <a:r>
+              <a:rPr lang="en-US"/>
+              <a:t>, that measure angular </a:t>
+            </a:r>
+            <a:r>
+              <a:rPr lang="en-US" err="1"/>
+              <a:t>accellarion</a:t>
+            </a:r>
+            <a:r>
+              <a:rPr lang="en-US"/>
+              <a:t> and speed, gyroscope, GPS and altimeter.</a:t>
+            </a:r>
+            <a:endParaRPr lang="en-GB"/>
+          </a:p>
+          <a:p>
+            <a:endParaRPr lang="en-US">
+              <a:cs typeface="Calibri"/>
+            </a:endParaRPr>
+          </a:p>
+        </p:txBody>
+      </p:sp>
+      <p:sp>
+        <p:nvSpPr>
+          <p:cNvPr id="4" name="Slide Number Placeholder 3"/>
+          <p:cNvSpPr>
+            <a:spLocks noGrp="1"/>
+          </p:cNvSpPr>
+          <p:nvPr>
+            <p:ph type="sldNum" sz="quarter" idx="5"/>
+          </p:nvPr>
+        </p:nvSpPr>
+        <p:spPr/>
+        <p:txBody>
+          <a:bodyPr/>
+          <a:lstStyle/>
+          <a:p>
+            <a:fld id="{2C343408-3793-4938-9B8D-D7DDB8AAA62A}" type="slidenum">
+              <a:rPr lang="en-GB"/>
+              <a:t>10</a:t>
+            </a:fld>
+            <a:endParaRPr lang="en-GB"/>
+          </a:p>
+        </p:txBody>
+      </p:sp>
+    </p:spTree>
+    <p:extLst>
+      <p:ext uri="{BB962C8B-B14F-4D97-AF65-F5344CB8AC3E}">
+        <p14:creationId xmlns:p14="http://schemas.microsoft.com/office/powerpoint/2010/main" val="1602298943"/>
+      </p:ext>
+    </p:extLst>
+  </p:cSld>
+  <p:clrMapOvr>
+    <a:masterClrMapping/>
+  </p:clrMapOvr>
+</p:notes>
+</file>
+
+<file path=ppt/notesSlides/notesSlide2.xml><?xml version="1.0" encoding="utf-8"?>
+<p:notes xmlns:a="http://schemas.openxmlformats.org/drawingml/2006/main" xmlns:r="http://schemas.openxmlformats.org/officeDocument/2006/relationships" xmlns:p="http://schemas.openxmlformats.org/presentationml/2006/main">
+  <p:cSld>
+    <p:spTree>
+      <p:nvGrpSpPr>
+        <p:cNvPr id="1" name=""/>
+        <p:cNvGrpSpPr/>
+        <p:nvPr/>
+      </p:nvGrpSpPr>
+      <p:grpSpPr>
+        <a:xfrm>
+          <a:off x="0" y="0"/>
+          <a:ext cx="0" cy="0"/>
+          <a:chOff x="0" y="0"/>
+          <a:chExt cx="0" cy="0"/>
+        </a:xfrm>
+      </p:grpSpPr>
+      <p:sp>
+        <p:nvSpPr>
+          <p:cNvPr id="2" name="Slide Image Placeholder 1"/>
+          <p:cNvSpPr>
+            <a:spLocks noGrp="1" noRot="1" noChangeAspect="1"/>
+          </p:cNvSpPr>
+          <p:nvPr>
+            <p:ph type="sldImg"/>
+          </p:nvPr>
+        </p:nvSpPr>
+        <p:spPr/>
+      </p:sp>
+      <p:sp>
+        <p:nvSpPr>
+          <p:cNvPr id="3" name="Notes Placeholder 2"/>
+          <p:cNvSpPr>
+            <a:spLocks noGrp="1"/>
+          </p:cNvSpPr>
+          <p:nvPr>
+            <p:ph type="body" idx="1"/>
+          </p:nvPr>
+        </p:nvSpPr>
+        <p:spPr/>
+        <p:txBody>
+          <a:bodyPr/>
+          <a:lstStyle/>
+          <a:p>
+            <a:r>
+              <a:rPr lang="en-GB"/>
+              <a:t>open-source meta-operating system for your robot. It provides the services you would expect from an operating system, including hardware abstraction, low-level device control, implementation of commonly-used functionality, message-passing between processes, and package management. </a:t>
+            </a:r>
+            <a:endParaRPr lang="en-US"/>
+          </a:p>
+        </p:txBody>
+      </p:sp>
+      <p:sp>
+        <p:nvSpPr>
+          <p:cNvPr id="4" name="Slide Number Placeholder 3"/>
+          <p:cNvSpPr>
+            <a:spLocks noGrp="1"/>
+          </p:cNvSpPr>
+          <p:nvPr>
+            <p:ph type="sldNum" sz="quarter" idx="5"/>
+          </p:nvPr>
+        </p:nvSpPr>
+        <p:spPr/>
+        <p:txBody>
+          <a:bodyPr/>
+          <a:lstStyle/>
+          <a:p>
+            <a:fld id="{2C343408-3793-4938-9B8D-D7DDB8AAA62A}" type="slidenum">
+              <a:rPr lang="en-GB"/>
+              <a:t>11</a:t>
+            </a:fld>
+            <a:endParaRPr lang="en-GB"/>
+          </a:p>
+        </p:txBody>
+      </p:sp>
+    </p:spTree>
+    <p:extLst>
+      <p:ext uri="{BB962C8B-B14F-4D97-AF65-F5344CB8AC3E}">
+        <p14:creationId xmlns:p14="http://schemas.microsoft.com/office/powerpoint/2010/main" val="2225752937"/>
+      </p:ext>
+    </p:extLst>
+  </p:cSld>
+  <p:clrMapOvr>
+    <a:masterClrMapping/>
+  </p:clrMapOvr>
+</p:notes>
 </file>
 
 <file path=ppt/slideLayouts/slideLayout1.xml><?xml version="1.0" encoding="utf-8"?>
@@ -547,7 +2076,7 @@
           <a:p>
             <a:fld id="{A5A1DBC3-F4CB-4658-A75A-3C17B076F367}" type="datetimeFigureOut">
               <a:rPr lang="en-IN" smtClean="0"/>
-              <a:t>08-07-2021</a:t>
+              <a:t>11-07-2021</a:t>
             </a:fld>
             <a:endParaRPr lang="en-IN"/>
           </a:p>
@@ -757,7 +2286,7 @@
           <a:p>
             <a:fld id="{A5A1DBC3-F4CB-4658-A75A-3C17B076F367}" type="datetimeFigureOut">
               <a:rPr lang="en-IN" smtClean="0"/>
-              <a:t>08-07-2021</a:t>
+              <a:t>11-07-2021</a:t>
             </a:fld>
             <a:endParaRPr lang="en-IN"/>
           </a:p>
@@ -967,7 +2496,7 @@
           <a:p>
             <a:fld id="{A5A1DBC3-F4CB-4658-A75A-3C17B076F367}" type="datetimeFigureOut">
               <a:rPr lang="en-IN" smtClean="0"/>
-              <a:t>08-07-2021</a:t>
+              <a:t>11-07-2021</a:t>
             </a:fld>
             <a:endParaRPr lang="en-IN"/>
           </a:p>
@@ -1177,7 +2706,7 @@
           <a:p>
             <a:fld id="{A5A1DBC3-F4CB-4658-A75A-3C17B076F367}" type="datetimeFigureOut">
               <a:rPr lang="en-IN" smtClean="0"/>
-              <a:t>08-07-2021</a:t>
+              <a:t>11-07-2021</a:t>
             </a:fld>
             <a:endParaRPr lang="en-IN"/>
           </a:p>
@@ -1453,7 +2982,7 @@
           <a:p>
             <a:fld id="{A5A1DBC3-F4CB-4658-A75A-3C17B076F367}" type="datetimeFigureOut">
               <a:rPr lang="en-IN" smtClean="0"/>
-              <a:t>08-07-2021</a:t>
+              <a:t>11-07-2021</a:t>
             </a:fld>
             <a:endParaRPr lang="en-IN"/>
           </a:p>
@@ -1726,7 +3255,7 @@
           <a:p>
             <a:fld id="{A5A1DBC3-F4CB-4658-A75A-3C17B076F367}" type="datetimeFigureOut">
               <a:rPr lang="en-IN" smtClean="0"/>
-              <a:t>08-07-2021</a:t>
+              <a:t>11-07-2021</a:t>
             </a:fld>
             <a:endParaRPr lang="en-IN"/>
           </a:p>
@@ -2141,7 +3670,7 @@
           <a:p>
             <a:fld id="{A5A1DBC3-F4CB-4658-A75A-3C17B076F367}" type="datetimeFigureOut">
               <a:rPr lang="en-IN" smtClean="0"/>
-              <a:t>08-07-2021</a:t>
+              <a:t>11-07-2021</a:t>
             </a:fld>
             <a:endParaRPr lang="en-IN"/>
           </a:p>
@@ -2288,7 +3817,7 @@
           <a:p>
             <a:fld id="{A5A1DBC3-F4CB-4658-A75A-3C17B076F367}" type="datetimeFigureOut">
               <a:rPr lang="en-IN" smtClean="0"/>
-              <a:t>08-07-2021</a:t>
+              <a:t>11-07-2021</a:t>
             </a:fld>
             <a:endParaRPr lang="en-IN"/>
           </a:p>
@@ -2401,7 +3930,7 @@
           <a:p>
             <a:fld id="{A5A1DBC3-F4CB-4658-A75A-3C17B076F367}" type="datetimeFigureOut">
               <a:rPr lang="en-IN" smtClean="0"/>
-              <a:t>08-07-2021</a:t>
+              <a:t>11-07-2021</a:t>
             </a:fld>
             <a:endParaRPr lang="en-IN"/>
           </a:p>
@@ -2714,7 +4243,7 @@
           <a:p>
             <a:fld id="{A5A1DBC3-F4CB-4658-A75A-3C17B076F367}" type="datetimeFigureOut">
               <a:rPr lang="en-IN" smtClean="0"/>
-              <a:t>08-07-2021</a:t>
+              <a:t>11-07-2021</a:t>
             </a:fld>
             <a:endParaRPr lang="en-IN"/>
           </a:p>
@@ -3007,7 +4536,7 @@
           <a:p>
             <a:fld id="{A5A1DBC3-F4CB-4658-A75A-3C17B076F367}" type="datetimeFigureOut">
               <a:rPr lang="en-IN" smtClean="0"/>
-              <a:t>08-07-2021</a:t>
+              <a:t>11-07-2021</a:t>
             </a:fld>
             <a:endParaRPr lang="en-IN"/>
           </a:p>
@@ -3255,7 +4784,7 @@
           <a:p>
             <a:fld id="{A5A1DBC3-F4CB-4658-A75A-3C17B076F367}" type="datetimeFigureOut">
               <a:rPr lang="en-IN" smtClean="0"/>
-              <a:t>08-07-2021</a:t>
+              <a:t>11-07-2021</a:t>
             </a:fld>
             <a:endParaRPr lang="en-IN"/>
           </a:p>
@@ -4109,7 +5638,7 @@
           <p:cNvPr id="2" name="Title 1">
             <a:extLst>
               <a:ext uri="{FF2B5EF4-FFF2-40B4-BE49-F238E27FC236}">
-                <a16:creationId xmlns:a16="http://schemas.microsoft.com/office/drawing/2014/main" id="{2309A519-2A07-45AD-BF80-AAD945999E69}"/>
+                <a16:creationId xmlns:a16="http://schemas.microsoft.com/office/drawing/2014/main" id="{4616660F-814E-479C-9984-5762971C585D}"/>
               </a:ext>
             </a:extLst>
           </p:cNvPr>
@@ -4126,21 +5655,50 @@
           <a:lstStyle/>
           <a:p>
             <a:r>
-              <a:rPr lang="en-GB" dirty="0">
+              <a:rPr lang="en-GB">
                 <a:latin typeface="Bell MT"/>
               </a:rPr>
-              <a:t>Robot Operating System (ROS) Framework</a:t>
-            </a:r>
-            <a:endParaRPr lang="en-US" dirty="0"/>
-          </a:p>
-        </p:txBody>
-      </p:sp>
-      <p:sp>
-        <p:nvSpPr>
-          <p:cNvPr id="3" name="Content Placeholder 2">
-            <a:extLst>
-              <a:ext uri="{FF2B5EF4-FFF2-40B4-BE49-F238E27FC236}">
-                <a16:creationId xmlns:a16="http://schemas.microsoft.com/office/drawing/2014/main" id="{69D13F5F-DB84-439F-9931-461C52022913}"/>
+              <a:t>Components in an UAV simulation </a:t>
+            </a:r>
+            <a:endParaRPr lang="en-GB"/>
+          </a:p>
+        </p:txBody>
+      </p:sp>
+      <p:pic>
+        <p:nvPicPr>
+          <p:cNvPr id="4" name="Picture 4" descr="Diagram&#10;&#10;Description automatically generated">
+            <a:extLst>
+              <a:ext uri="{FF2B5EF4-FFF2-40B4-BE49-F238E27FC236}">
+                <a16:creationId xmlns:a16="http://schemas.microsoft.com/office/drawing/2014/main" id="{78F0EC0B-6174-48EA-8629-5ACCCF7A415D}"/>
+              </a:ext>
+            </a:extLst>
+          </p:cNvPr>
+          <p:cNvPicPr>
+            <a:picLocks noGrp="1" noChangeAspect="1"/>
+          </p:cNvPicPr>
+          <p:nvPr>
+            <p:ph sz="half" idx="1"/>
+          </p:nvPr>
+        </p:nvPicPr>
+        <p:blipFill>
+          <a:blip r:embed="rId3"/>
+          <a:stretch>
+            <a:fillRect/>
+          </a:stretch>
+        </p:blipFill>
+        <p:spPr>
+          <a:xfrm>
+            <a:off x="838200" y="2108041"/>
+            <a:ext cx="5181600" cy="4145280"/>
+          </a:xfrm>
+        </p:spPr>
+      </p:pic>
+      <p:sp>
+        <p:nvSpPr>
+          <p:cNvPr id="7" name="Content Placeholder 6">
+            <a:extLst>
+              <a:ext uri="{FF2B5EF4-FFF2-40B4-BE49-F238E27FC236}">
+                <a16:creationId xmlns:a16="http://schemas.microsoft.com/office/drawing/2014/main" id="{0A6E437D-EC4E-4C35-A9F0-AA12660E6802}"/>
               </a:ext>
             </a:extLst>
           </p:cNvPr>
@@ -4148,124 +5706,169 @@
             <a:spLocks noGrp="1"/>
           </p:cNvSpPr>
           <p:nvPr>
-            <p:ph idx="1"/>
+            <p:ph sz="half" idx="2"/>
           </p:nvPr>
         </p:nvSpPr>
-        <p:spPr/>
+        <p:spPr>
+          <a:xfrm>
+            <a:off x="6507997" y="2715351"/>
+            <a:ext cx="5181600" cy="2504457"/>
+          </a:xfrm>
+        </p:spPr>
         <p:txBody>
           <a:bodyPr vert="horz" lIns="91440" tIns="45720" rIns="91440" bIns="45720" rtlCol="0" anchor="t">
-            <a:normAutofit fontScale="85000" lnSpcReduction="20000"/>
+            <a:normAutofit fontScale="77500" lnSpcReduction="20000"/>
           </a:bodyPr>
           <a:lstStyle/>
           <a:p>
             <a:r>
-              <a:rPr lang="en-GB" dirty="0">
+              <a:rPr lang="en-GB">
+                <a:solidFill>
+                  <a:schemeClr val="accent6"/>
+                </a:solidFill>
                 <a:latin typeface="Bell MT"/>
               </a:rPr>
-              <a:t>Robots and autonomous vehicles development </a:t>
-            </a:r>
-            <a:endParaRPr lang="en-GB" dirty="0"/>
-          </a:p>
-          <a:p>
-            <a:r>
-              <a:rPr lang="en-GB" dirty="0">
+              <a:t>Physical design</a:t>
+            </a:r>
+          </a:p>
+          <a:p>
+            <a:r>
+              <a:rPr lang="en-GB">
+                <a:solidFill>
+                  <a:schemeClr val="accent6"/>
+                </a:solidFill>
                 <a:latin typeface="Bell MT"/>
               </a:rPr>
-              <a:t>Architecture and communications </a:t>
-            </a:r>
-            <a:endParaRPr lang="en-GB" dirty="0"/>
-          </a:p>
-          <a:p>
-            <a:pPr lvl="1"/>
-            <a:r>
-              <a:rPr lang="en-GB" dirty="0">
+              <a:t>Sensors</a:t>
+            </a:r>
+            <a:endParaRPr lang="en-US">
+              <a:solidFill>
+                <a:schemeClr val="accent6"/>
+              </a:solidFill>
+            </a:endParaRPr>
+          </a:p>
+          <a:p>
+            <a:r>
+              <a:rPr lang="en-GB">
+                <a:solidFill>
+                  <a:schemeClr val="accent6"/>
+                </a:solidFill>
                 <a:latin typeface="Bell MT"/>
               </a:rPr>
-              <a:t>topics, services and actions </a:t>
-            </a:r>
-            <a:endParaRPr lang="en-GB" dirty="0"/>
-          </a:p>
-          <a:p>
-            <a:pPr lvl="1"/>
-            <a:r>
-              <a:rPr lang="en-GB" dirty="0">
+              <a:t>Actuators </a:t>
+            </a:r>
+            <a:endParaRPr lang="en-GB">
+              <a:solidFill>
+                <a:schemeClr val="accent6"/>
+              </a:solidFill>
+            </a:endParaRPr>
+          </a:p>
+          <a:p>
+            <a:r>
+              <a:rPr lang="en-GB">
+                <a:solidFill>
+                  <a:schemeClr val="accent6"/>
+                </a:solidFill>
                 <a:latin typeface="Bell MT"/>
               </a:rPr>
-              <a:t>ideal to control a distributed network of sensor and actuator </a:t>
-            </a:r>
-            <a:endParaRPr lang="en-GB" dirty="0"/>
-          </a:p>
-          <a:p>
-            <a:pPr lvl="1"/>
-            <a:r>
-              <a:rPr lang="en-GB" dirty="0">
+              <a:t>Battery</a:t>
+            </a:r>
+          </a:p>
+          <a:p>
+            <a:r>
+              <a:rPr lang="en-GB">
+                <a:solidFill>
+                  <a:schemeClr val="accent6"/>
+                </a:solidFill>
                 <a:latin typeface="Bell MT"/>
               </a:rPr>
-              <a:t>common work frame </a:t>
-            </a:r>
-            <a:endParaRPr lang="en-GB" dirty="0"/>
-          </a:p>
-          <a:p>
-            <a:pPr lvl="1"/>
-            <a:r>
-              <a:rPr lang="en-GB" dirty="0">
+              <a:t>Controllers</a:t>
+            </a:r>
+          </a:p>
+          <a:p>
+            <a:r>
+              <a:rPr lang="en-GB">
+                <a:solidFill>
+                  <a:srgbClr val="FF0000"/>
+                </a:solidFill>
                 <a:latin typeface="Bell MT"/>
               </a:rPr>
-              <a:t>well-defined data structures </a:t>
-            </a:r>
-            <a:endParaRPr lang="en-GB" dirty="0"/>
-          </a:p>
-          <a:p>
-            <a:r>
-              <a:rPr lang="en-GB" dirty="0">
+              <a:t>Communication/Networking</a:t>
+            </a:r>
+            <a:r>
+              <a:rPr lang="en-GB">
                 <a:latin typeface="Bell MT"/>
               </a:rPr>
-              <a:t>Scalable and suitable for a range of different platforms that can be easily integrated into a single environment. </a:t>
-            </a:r>
-          </a:p>
-          <a:p>
-            <a:r>
-              <a:rPr lang="en-GB" dirty="0">
+              <a:t> </a:t>
+            </a:r>
+          </a:p>
+          <a:p>
+            <a:r>
+              <a:rPr lang="en-GB">
+                <a:solidFill>
+                  <a:srgbClr val="FF0000"/>
+                </a:solidFill>
                 <a:latin typeface="Bell MT"/>
               </a:rPr>
-              <a:t>Flexible framework for writing robot software. </a:t>
-            </a:r>
-            <a:endParaRPr lang="en-GB" dirty="0"/>
-          </a:p>
-          <a:p>
-            <a:pPr lvl="1"/>
-            <a:r>
-              <a:rPr lang="en-GB" dirty="0">
+              <a:t>Onboard compute</a:t>
+            </a:r>
+            <a:r>
+              <a:rPr lang="en-GB">
                 <a:latin typeface="Bell MT"/>
               </a:rPr>
-              <a:t>Collection of tools, libraries, and conventions </a:t>
-            </a:r>
-            <a:endParaRPr lang="en-GB" dirty="0"/>
-          </a:p>
-          <a:p>
-            <a:r>
-              <a:rPr lang="en-GB" dirty="0">
-                <a:latin typeface="Bell MT"/>
-              </a:rPr>
-              <a:t>From the robot’s perspective, problems that seem trivial to humans often vary wildly </a:t>
-            </a:r>
-            <a:endParaRPr lang="en-GB" dirty="0"/>
-          </a:p>
-          <a:p>
-            <a:r>
-              <a:rPr lang="en-GB" dirty="0">
-                <a:latin typeface="Bell MT"/>
-              </a:rPr>
-              <a:t>Linux-like command tool, inter-process communication system</a:t>
-            </a:r>
-            <a:endParaRPr lang="en-GB" dirty="0"/>
+              <a:t> </a:t>
+            </a:r>
+          </a:p>
+          <a:p>
+            <a:endParaRPr lang="en-GB"/>
+          </a:p>
+        </p:txBody>
+      </p:sp>
+      <p:sp>
+        <p:nvSpPr>
+          <p:cNvPr id="5" name="TextBox 4">
+            <a:extLst>
+              <a:ext uri="{FF2B5EF4-FFF2-40B4-BE49-F238E27FC236}">
+                <a16:creationId xmlns:a16="http://schemas.microsoft.com/office/drawing/2014/main" id="{21C5283B-85D6-46B5-83EB-0D05A72E19F9}"/>
+              </a:ext>
+            </a:extLst>
+          </p:cNvPr>
+          <p:cNvSpPr txBox="1"/>
+          <p:nvPr/>
+        </p:nvSpPr>
+        <p:spPr>
+          <a:xfrm>
+            <a:off x="191146" y="6377553"/>
+            <a:ext cx="6424047" cy="369332"/>
+          </a:xfrm>
+          <a:prstGeom prst="rect">
+            <a:avLst/>
+          </a:prstGeom>
+          <a:noFill/>
+        </p:spPr>
+        <p:txBody>
+          <a:bodyPr rot="0" spcFirstLastPara="0" vertOverflow="overflow" horzOverflow="overflow" vert="horz" wrap="square" lIns="91440" tIns="45720" rIns="91440" bIns="45720" numCol="1" spcCol="0" rtlCol="0" fromWordArt="0" anchor="t" anchorCtr="0" forceAA="0" compatLnSpc="1">
+            <a:prstTxWarp prst="textNoShape">
+              <a:avLst/>
+            </a:prstTxWarp>
+            <a:spAutoFit/>
+          </a:bodyPr>
+          <a:lstStyle/>
+          <a:p>
+            <a:r>
+              <a:rPr lang="en-US">
+                <a:hlinkClick r:id="rId4"/>
+              </a:rPr>
+              <a:t>https://www.ctia.org/news/up-up-and-away-how-do-drones-work</a:t>
+            </a:r>
+            <a:endParaRPr lang="en-US"/>
           </a:p>
         </p:txBody>
       </p:sp>
     </p:spTree>
     <p:extLst>
       <p:ext uri="{BB962C8B-B14F-4D97-AF65-F5344CB8AC3E}">
-        <p14:creationId xmlns:p14="http://schemas.microsoft.com/office/powerpoint/2010/main" val="96440739"/>
+        <p14:creationId xmlns:p14="http://schemas.microsoft.com/office/powerpoint/2010/main" val="238097802"/>
       </p:ext>
     </p:extLst>
   </p:cSld>
@@ -4297,7 +5900,7 @@
           <p:cNvPr id="2" name="Title 1">
             <a:extLst>
               <a:ext uri="{FF2B5EF4-FFF2-40B4-BE49-F238E27FC236}">
-                <a16:creationId xmlns:a16="http://schemas.microsoft.com/office/drawing/2014/main" id="{E7AE9518-A338-494B-98D9-EEBE40FAC814}"/>
+                <a16:creationId xmlns:a16="http://schemas.microsoft.com/office/drawing/2014/main" id="{2309A519-2A07-45AD-BF80-AAD945999E69}"/>
               </a:ext>
             </a:extLst>
           </p:cNvPr>
@@ -4314,107 +5917,176 @@
           <a:lstStyle/>
           <a:p>
             <a:r>
-              <a:rPr lang="en-GB" dirty="0">
+              <a:rPr lang="en-GB">
                 <a:latin typeface="Bell MT"/>
               </a:rPr>
-              <a:t>ROS Communication</a:t>
-            </a:r>
-            <a:endParaRPr lang="en-GB" dirty="0"/>
-          </a:p>
-        </p:txBody>
-      </p:sp>
-      <p:pic>
-        <p:nvPicPr>
-          <p:cNvPr id="7" name="Picture 7" descr="Diagram&#10;&#10;Description automatically generated">
-            <a:extLst>
-              <a:ext uri="{FF2B5EF4-FFF2-40B4-BE49-F238E27FC236}">
-                <a16:creationId xmlns:a16="http://schemas.microsoft.com/office/drawing/2014/main" id="{ECA5E40C-D1C6-4CAA-92C8-B9B33C388D5B}"/>
-              </a:ext>
-            </a:extLst>
-          </p:cNvPr>
-          <p:cNvPicPr>
-            <a:picLocks noGrp="1" noChangeAspect="1"/>
-          </p:cNvPicPr>
+              <a:t>Robot Operating System (ROS) </a:t>
+            </a:r>
+            <a:endParaRPr lang="en-US"/>
+          </a:p>
+        </p:txBody>
+      </p:sp>
+      <p:sp>
+        <p:nvSpPr>
+          <p:cNvPr id="3" name="Content Placeholder 2">
+            <a:extLst>
+              <a:ext uri="{FF2B5EF4-FFF2-40B4-BE49-F238E27FC236}">
+                <a16:creationId xmlns:a16="http://schemas.microsoft.com/office/drawing/2014/main" id="{69D13F5F-DB84-439F-9931-461C52022913}"/>
+              </a:ext>
+            </a:extLst>
+          </p:cNvPr>
+          <p:cNvSpPr>
+            <a:spLocks noGrp="1"/>
+          </p:cNvSpPr>
           <p:nvPr>
             <p:ph idx="1"/>
           </p:nvPr>
+        </p:nvSpPr>
+        <p:spPr>
+          <a:xfrm>
+            <a:off x="838200" y="1963971"/>
+            <a:ext cx="6085668" cy="4212991"/>
+          </a:xfrm>
+        </p:spPr>
+        <p:txBody>
+          <a:bodyPr vert="horz" lIns="91440" tIns="45720" rIns="91440" bIns="45720" rtlCol="0" anchor="t">
+            <a:normAutofit/>
+          </a:bodyPr>
+          <a:lstStyle/>
+          <a:p>
+            <a:r>
+              <a:rPr lang="en-GB">
+                <a:latin typeface="Bell MT"/>
+              </a:rPr>
+              <a:t>Open-source meta-operating system </a:t>
+            </a:r>
+          </a:p>
+          <a:p>
+            <a:pPr lvl="1"/>
+            <a:r>
+              <a:rPr lang="en-GB">
+                <a:latin typeface="Bell MT"/>
+              </a:rPr>
+              <a:t>Hardware abstraction</a:t>
+            </a:r>
+          </a:p>
+          <a:p>
+            <a:pPr lvl="1"/>
+            <a:r>
+              <a:rPr lang="en-GB">
+                <a:latin typeface="Bell MT"/>
+              </a:rPr>
+              <a:t>Low level device control </a:t>
+            </a:r>
+          </a:p>
+          <a:p>
+            <a:pPr lvl="1"/>
+            <a:r>
+              <a:rPr lang="en-GB">
+                <a:latin typeface="Bell MT"/>
+              </a:rPr>
+              <a:t>Inter-process communication </a:t>
+            </a:r>
+          </a:p>
+          <a:p>
+            <a:r>
+              <a:rPr lang="en-GB">
+                <a:latin typeface="Bell MT"/>
+              </a:rPr>
+              <a:t>Flexible framework for writing robot software. </a:t>
+            </a:r>
+            <a:endParaRPr lang="en-GB"/>
+          </a:p>
+          <a:p>
+            <a:pPr lvl="1"/>
+            <a:r>
+              <a:rPr lang="en-GB">
+                <a:latin typeface="Bell MT"/>
+              </a:rPr>
+              <a:t>Collection of tools, libraries, and conventions </a:t>
+            </a:r>
+            <a:endParaRPr lang="en-GB"/>
+          </a:p>
+          <a:p>
+            <a:endParaRPr lang="en-GB"/>
+          </a:p>
+        </p:txBody>
+      </p:sp>
+      <p:sp>
+        <p:nvSpPr>
+          <p:cNvPr id="4" name="TextBox 3">
+            <a:extLst>
+              <a:ext uri="{FF2B5EF4-FFF2-40B4-BE49-F238E27FC236}">
+                <a16:creationId xmlns:a16="http://schemas.microsoft.com/office/drawing/2014/main" id="{B2856238-7F7F-4E7B-8037-88395345BD1D}"/>
+              </a:ext>
+            </a:extLst>
+          </p:cNvPr>
+          <p:cNvSpPr txBox="1"/>
+          <p:nvPr/>
+        </p:nvSpPr>
+        <p:spPr>
+          <a:xfrm>
+            <a:off x="423620" y="6261315"/>
+            <a:ext cx="4745064" cy="369332"/>
+          </a:xfrm>
+          <a:prstGeom prst="rect">
+            <a:avLst/>
+          </a:prstGeom>
+          <a:noFill/>
+        </p:spPr>
+        <p:txBody>
+          <a:bodyPr rot="0" spcFirstLastPara="0" vertOverflow="overflow" horzOverflow="overflow" vert="horz" wrap="square" lIns="91440" tIns="45720" rIns="91440" bIns="45720" numCol="1" spcCol="0" rtlCol="0" fromWordArt="0" anchor="t" anchorCtr="0" forceAA="0" compatLnSpc="1">
+            <a:prstTxWarp prst="textNoShape">
+              <a:avLst/>
+            </a:prstTxWarp>
+            <a:spAutoFit/>
+          </a:bodyPr>
+          <a:lstStyle/>
+          <a:p>
+            <a:r>
+              <a:rPr lang="en-US">
+                <a:hlinkClick r:id="rId3"/>
+              </a:rPr>
+              <a:t>https://www.ros.org/about-ros/</a:t>
+            </a:r>
+            <a:endParaRPr lang="en-US"/>
+          </a:p>
+        </p:txBody>
+      </p:sp>
+      <p:pic>
+        <p:nvPicPr>
+          <p:cNvPr id="5" name="Picture 5" descr="Diagram&#10;&#10;Description automatically generated">
+            <a:extLst>
+              <a:ext uri="{FF2B5EF4-FFF2-40B4-BE49-F238E27FC236}">
+                <a16:creationId xmlns:a16="http://schemas.microsoft.com/office/drawing/2014/main" id="{748F922C-97FD-4FA2-93C8-7EDF97637870}"/>
+              </a:ext>
+            </a:extLst>
+          </p:cNvPr>
+          <p:cNvPicPr>
+            <a:picLocks noChangeAspect="1"/>
+          </p:cNvPicPr>
+          <p:nvPr/>
         </p:nvPicPr>
         <p:blipFill>
-          <a:blip r:embed="rId2"/>
+          <a:blip r:embed="rId4"/>
           <a:stretch>
             <a:fillRect/>
           </a:stretch>
         </p:blipFill>
         <p:spPr>
           <a:xfrm>
-            <a:off x="971308" y="2019201"/>
-            <a:ext cx="9267824" cy="3818393"/>
-          </a:xfrm>
-        </p:spPr>
-      </p:pic>
-      <p:sp>
-        <p:nvSpPr>
-          <p:cNvPr id="8" name="TextBox 7">
-            <a:extLst>
-              <a:ext uri="{FF2B5EF4-FFF2-40B4-BE49-F238E27FC236}">
-                <a16:creationId xmlns:a16="http://schemas.microsoft.com/office/drawing/2014/main" id="{AB5F4B9F-BCAE-4AE3-84B0-6E17F74FA36D}"/>
-              </a:ext>
-            </a:extLst>
-          </p:cNvPr>
-          <p:cNvSpPr txBox="1"/>
-          <p:nvPr/>
-        </p:nvSpPr>
-        <p:spPr>
-          <a:xfrm>
-            <a:off x="514028" y="6157993"/>
-            <a:ext cx="9510792" cy="369332"/>
+            <a:off x="7152468" y="2322342"/>
+            <a:ext cx="4667572" cy="2975315"/>
           </a:xfrm>
           <a:prstGeom prst="rect">
             <a:avLst/>
           </a:prstGeom>
-          <a:noFill/>
         </p:spPr>
-        <p:txBody>
-          <a:bodyPr rot="0" spcFirstLastPara="0" vertOverflow="overflow" horzOverflow="overflow" vert="horz" wrap="square" lIns="91440" tIns="45720" rIns="91440" bIns="45720" numCol="1" spcCol="0" rtlCol="0" fromWordArt="0" anchor="t" anchorCtr="0" forceAA="0" compatLnSpc="1">
-            <a:prstTxWarp prst="textNoShape">
-              <a:avLst/>
-            </a:prstTxWarp>
-            <a:spAutoFit/>
-          </a:bodyPr>
-          <a:lstStyle/>
-          <a:p>
-            <a:r>
-              <a:rPr lang="en-US" dirty="0">
-                <a:solidFill>
-                  <a:schemeClr val="bg2">
-                    <a:lumMod val="75000"/>
-                  </a:schemeClr>
-                </a:solidFill>
-                <a:hlinkClick r:id="rId3">
-                  <a:extLst>
-                    <a:ext uri="{A12FA001-AC4F-418D-AE19-62706E023703}">
-                      <ahyp:hlinkClr xmlns:ahyp="http://schemas.microsoft.com/office/drawing/2018/hyperlinkcolor" val="tx"/>
-                    </a:ext>
-                  </a:extLst>
-                </a:hlinkClick>
-              </a:rPr>
-              <a:t>https://trojrobert.github.io/hands-on-introdution-to-robot-operating-system(ros)/</a:t>
-            </a:r>
-            <a:endParaRPr lang="en-US" dirty="0">
-              <a:solidFill>
-                <a:schemeClr val="bg2">
-                  <a:lumMod val="75000"/>
-                </a:schemeClr>
-              </a:solidFill>
-              <a:cs typeface="Calibri"/>
-            </a:endParaRPr>
-          </a:p>
-        </p:txBody>
-      </p:sp>
+      </p:pic>
     </p:spTree>
     <p:extLst>
       <p:ext uri="{BB962C8B-B14F-4D97-AF65-F5344CB8AC3E}">
-        <p14:creationId xmlns:p14="http://schemas.microsoft.com/office/powerpoint/2010/main" val="483196857"/>
+        <p14:creationId xmlns:p14="http://schemas.microsoft.com/office/powerpoint/2010/main" val="96440739"/>
       </p:ext>
     </p:extLst>
   </p:cSld>
@@ -4446,7 +6118,7 @@
           <p:cNvPr id="2" name="Title 1">
             <a:extLst>
               <a:ext uri="{FF2B5EF4-FFF2-40B4-BE49-F238E27FC236}">
-                <a16:creationId xmlns:a16="http://schemas.microsoft.com/office/drawing/2014/main" id="{B7AA47F1-0BAD-4370-947E-ACB0F7947421}"/>
+                <a16:creationId xmlns:a16="http://schemas.microsoft.com/office/drawing/2014/main" id="{5582E6C3-A84E-4704-9957-1A7718590F6C}"/>
               </a:ext>
             </a:extLst>
           </p:cNvPr>
@@ -4463,23 +6135,21 @@
           <a:lstStyle/>
           <a:p>
             <a:r>
-              <a:rPr lang="en-GB" dirty="0">
+              <a:rPr lang="en-GB">
                 <a:latin typeface="Bell MT"/>
               </a:rPr>
-              <a:t>Physics Simulator: Gazebo</a:t>
-            </a:r>
-            <a:endParaRPr lang="en-US" dirty="0">
-              <a:latin typeface="Bell MT"/>
-            </a:endParaRPr>
-          </a:p>
-        </p:txBody>
-      </p:sp>
-      <p:sp>
-        <p:nvSpPr>
-          <p:cNvPr id="3" name="Content Placeholder 2">
-            <a:extLst>
-              <a:ext uri="{FF2B5EF4-FFF2-40B4-BE49-F238E27FC236}">
-                <a16:creationId xmlns:a16="http://schemas.microsoft.com/office/drawing/2014/main" id="{C0E067CC-4C99-4D0F-8EF0-1BA27F31E34A}"/>
+              <a:t>Gazebo simulator</a:t>
+            </a:r>
+            <a:endParaRPr lang="en-GB"/>
+          </a:p>
+        </p:txBody>
+      </p:sp>
+      <p:sp>
+        <p:nvSpPr>
+          <p:cNvPr id="6" name="Content Placeholder 5">
+            <a:extLst>
+              <a:ext uri="{FF2B5EF4-FFF2-40B4-BE49-F238E27FC236}">
+                <a16:creationId xmlns:a16="http://schemas.microsoft.com/office/drawing/2014/main" id="{D26D855D-4EE8-4A3A-AEF9-2CF2487D3D8B}"/>
               </a:ext>
             </a:extLst>
           </p:cNvPr>
@@ -4487,118 +6157,199 @@
             <a:spLocks noGrp="1"/>
           </p:cNvSpPr>
           <p:nvPr>
-            <p:ph idx="1"/>
+            <p:ph sz="half" idx="1"/>
           </p:nvPr>
         </p:nvSpPr>
-        <p:spPr/>
+        <p:spPr>
+          <a:xfrm>
+            <a:off x="838200" y="2005012"/>
+            <a:ext cx="6085668" cy="3989711"/>
+          </a:xfrm>
+        </p:spPr>
         <p:txBody>
           <a:bodyPr vert="horz" lIns="91440" tIns="45720" rIns="91440" bIns="45720" rtlCol="0" anchor="t">
-            <a:normAutofit fontScale="85000" lnSpcReduction="20000"/>
+            <a:normAutofit lnSpcReduction="10000"/>
           </a:bodyPr>
           <a:lstStyle/>
           <a:p>
             <a:r>
-              <a:rPr lang="en-GB" dirty="0">
+              <a:rPr lang="en-GB">
                 <a:latin typeface="Bell MT"/>
               </a:rPr>
-              <a:t>Open-source multi-robot simulator </a:t>
+              <a:t>3d rigid-body dynamics </a:t>
+            </a:r>
+            <a:endParaRPr lang="en-US"/>
+          </a:p>
+          <a:p>
+            <a:r>
+              <a:rPr lang="en-GB">
+                <a:latin typeface="Bell MT"/>
+              </a:rPr>
+              <a:t>variety of sensors including noise </a:t>
             </a:r>
             <a:endParaRPr lang="en-GB"/>
           </a:p>
           <a:p>
-            <a:pPr lvl="1"/>
-            <a:r>
-              <a:rPr lang="en-GB" dirty="0">
+            <a:r>
+              <a:rPr lang="en-GB">
                 <a:latin typeface="Bell MT"/>
               </a:rPr>
-              <a:t>dynamic environments near to real scenarios</a:t>
-            </a:r>
-          </a:p>
-          <a:p>
-            <a:r>
-              <a:rPr lang="en-GB" dirty="0">
+              <a:t>3d visualization and user interaction </a:t>
+            </a:r>
+          </a:p>
+          <a:p>
+            <a:r>
+              <a:rPr lang="en-GB">
                 <a:latin typeface="Bell MT"/>
               </a:rPr>
-              <a:t>Flight controller integration </a:t>
-            </a:r>
-            <a:endParaRPr lang="en-GB" dirty="0"/>
-          </a:p>
-          <a:p>
-            <a:pPr lvl="1"/>
-            <a:r>
-              <a:rPr lang="en-GB" dirty="0">
+              <a:t>Includes a database of many robots and environments (Gazebo worlds) </a:t>
+            </a:r>
+            <a:endParaRPr lang="en-GB"/>
+          </a:p>
+          <a:p>
+            <a:r>
+              <a:rPr lang="en-GB">
                 <a:latin typeface="Bell MT"/>
               </a:rPr>
-              <a:t>Software-In-The Loop (SITL) drone simulation (e.g. – Pixhawk, PX4)</a:t>
-            </a:r>
-          </a:p>
-          <a:p>
-            <a:r>
-              <a:rPr lang="en-GB" dirty="0">
+              <a:t>Provides a ROS interface</a:t>
+            </a:r>
+            <a:endParaRPr lang="en-GB"/>
+          </a:p>
+          <a:p>
+            <a:r>
+              <a:rPr lang="en-GB">
                 <a:latin typeface="Bell MT"/>
               </a:rPr>
-              <a:t>Client/Server architecture with topic-based Pub/Sub model of inter-process communication</a:t>
-            </a:r>
-          </a:p>
-          <a:p>
-            <a:r>
-              <a:rPr lang="en-GB" dirty="0">
+              <a:t>Extensible with plugins</a:t>
+            </a:r>
+          </a:p>
+          <a:p>
+            <a:r>
+              <a:rPr lang="en-GB">
                 <a:latin typeface="Bell MT"/>
               </a:rPr>
-              <a:t>Gazebo clients access data through a shared memory </a:t>
-            </a:r>
-            <a:endParaRPr lang="en-GB" dirty="0"/>
-          </a:p>
-          <a:p>
-            <a:pPr lvl="1"/>
-            <a:r>
-              <a:rPr lang="en-GB" dirty="0">
-                <a:latin typeface="Bell MT"/>
-              </a:rPr>
-              <a:t>Inter-process communication</a:t>
-            </a:r>
-          </a:p>
-          <a:p>
-            <a:r>
-              <a:rPr lang="en-GB" dirty="0">
-                <a:latin typeface="Bell MT"/>
-              </a:rPr>
-              <a:t>Simulation objects associated with controllers </a:t>
-            </a:r>
-            <a:endParaRPr lang="en-GB" dirty="0"/>
-          </a:p>
-          <a:p>
-            <a:pPr lvl="1"/>
-            <a:r>
-              <a:rPr lang="en-GB" dirty="0">
-                <a:latin typeface="Bell MT"/>
-              </a:rPr>
-              <a:t>process commands for controlling the object</a:t>
-            </a:r>
-          </a:p>
-          <a:p>
-            <a:pPr lvl="1"/>
-            <a:r>
-              <a:rPr lang="en-GB" dirty="0">
-                <a:latin typeface="Bell MT"/>
-              </a:rPr>
-              <a:t>generate the state of that object.</a:t>
-            </a:r>
-          </a:p>
-          <a:p>
-            <a:r>
-              <a:rPr lang="en-GB" dirty="0">
-                <a:latin typeface="Bell MT"/>
-              </a:rPr>
-              <a:t>Client sends control data, simulated objects’ coordinates to the Server which performs the real-time control of the simulated drone </a:t>
-            </a:r>
-          </a:p>
-        </p:txBody>
-      </p:sp>
+              <a:t>Simulation tool already installed in ROS</a:t>
+            </a:r>
+            <a:endParaRPr lang="en-GB"/>
+          </a:p>
+        </p:txBody>
+      </p:sp>
+      <p:sp>
+        <p:nvSpPr>
+          <p:cNvPr id="7" name="TextBox 6">
+            <a:extLst>
+              <a:ext uri="{FF2B5EF4-FFF2-40B4-BE49-F238E27FC236}">
+                <a16:creationId xmlns:a16="http://schemas.microsoft.com/office/drawing/2014/main" id="{F23B9B77-8662-48F1-9D39-7A39E8DD002F}"/>
+              </a:ext>
+            </a:extLst>
+          </p:cNvPr>
+          <p:cNvSpPr txBox="1"/>
+          <p:nvPr/>
+        </p:nvSpPr>
+        <p:spPr>
+          <a:xfrm>
+            <a:off x="9619281" y="6222569"/>
+            <a:ext cx="2743200" cy="369332"/>
+          </a:xfrm>
+          <a:prstGeom prst="rect">
+            <a:avLst/>
+          </a:prstGeom>
+          <a:noFill/>
+        </p:spPr>
+        <p:txBody>
+          <a:bodyPr rot="0" spcFirstLastPara="0" vertOverflow="overflow" horzOverflow="overflow" vert="horz" wrap="square" lIns="91440" tIns="45720" rIns="91440" bIns="45720" numCol="1" spcCol="0" rtlCol="0" fromWordArt="0" anchor="t" anchorCtr="0" forceAA="0" compatLnSpc="1">
+            <a:prstTxWarp prst="textNoShape">
+              <a:avLst/>
+            </a:prstTxWarp>
+            <a:spAutoFit/>
+          </a:bodyPr>
+          <a:lstStyle/>
+          <a:p>
+            <a:r>
+              <a:rPr lang="en-US">
+                <a:hlinkClick r:id="rId2"/>
+              </a:rPr>
+              <a:t>http://gazebosim.org/</a:t>
+            </a:r>
+            <a:endParaRPr lang="en-US"/>
+          </a:p>
+        </p:txBody>
+      </p:sp>
+      <p:sp>
+        <p:nvSpPr>
+          <p:cNvPr id="8" name="TextBox 7">
+            <a:extLst>
+              <a:ext uri="{FF2B5EF4-FFF2-40B4-BE49-F238E27FC236}">
+                <a16:creationId xmlns:a16="http://schemas.microsoft.com/office/drawing/2014/main" id="{E2C5DA09-034A-43A1-BE93-D57A849B5241}"/>
+              </a:ext>
+            </a:extLst>
+          </p:cNvPr>
+          <p:cNvSpPr txBox="1"/>
+          <p:nvPr/>
+        </p:nvSpPr>
+        <p:spPr>
+          <a:xfrm>
+            <a:off x="9076841" y="6493790"/>
+            <a:ext cx="3673098" cy="369332"/>
+          </a:xfrm>
+          <a:prstGeom prst="rect">
+            <a:avLst/>
+          </a:prstGeom>
+          <a:noFill/>
+        </p:spPr>
+        <p:txBody>
+          <a:bodyPr rot="0" spcFirstLastPara="0" vertOverflow="overflow" horzOverflow="overflow" vert="horz" wrap="square" lIns="91440" tIns="45720" rIns="91440" bIns="45720" numCol="1" spcCol="0" rtlCol="0" fromWordArt="0" anchor="t" anchorCtr="0" forceAA="0" compatLnSpc="1">
+            <a:prstTxWarp prst="textNoShape">
+              <a:avLst/>
+            </a:prstTxWarp>
+            <a:spAutoFit/>
+          </a:bodyPr>
+          <a:lstStyle/>
+          <a:p>
+            <a:r>
+              <a:rPr lang="en-US">
+                <a:hlinkClick r:id="rId3"/>
+              </a:rPr>
+              <a:t>http://gazebosim.org/tutorials</a:t>
+            </a:r>
+            <a:endParaRPr lang="en-US"/>
+          </a:p>
+        </p:txBody>
+      </p:sp>
+      <p:pic>
+        <p:nvPicPr>
+          <p:cNvPr id="9" name="Picture 9">
+            <a:extLst>
+              <a:ext uri="{FF2B5EF4-FFF2-40B4-BE49-F238E27FC236}">
+                <a16:creationId xmlns:a16="http://schemas.microsoft.com/office/drawing/2014/main" id="{59C326F8-A416-4F99-B9C5-26F5DC11297C}"/>
+              </a:ext>
+            </a:extLst>
+          </p:cNvPr>
+          <p:cNvPicPr>
+            <a:picLocks noChangeAspect="1"/>
+          </p:cNvPicPr>
+          <p:nvPr/>
+        </p:nvPicPr>
+        <p:blipFill>
+          <a:blip r:embed="rId4"/>
+          <a:stretch>
+            <a:fillRect/>
+          </a:stretch>
+        </p:blipFill>
+        <p:spPr>
+          <a:xfrm>
+            <a:off x="6855417" y="2053768"/>
+            <a:ext cx="5171268" cy="3292905"/>
+          </a:xfrm>
+          <a:prstGeom prst="rect">
+            <a:avLst/>
+          </a:prstGeom>
+        </p:spPr>
+      </p:pic>
     </p:spTree>
     <p:extLst>
       <p:ext uri="{BB962C8B-B14F-4D97-AF65-F5344CB8AC3E}">
-        <p14:creationId xmlns:p14="http://schemas.microsoft.com/office/powerpoint/2010/main" val="1819592708"/>
+        <p14:creationId xmlns:p14="http://schemas.microsoft.com/office/powerpoint/2010/main" val="3778654331"/>
       </p:ext>
     </p:extLst>
   </p:cSld>
@@ -4630,7 +6381,7 @@
           <p:cNvPr id="2" name="Title 1">
             <a:extLst>
               <a:ext uri="{FF2B5EF4-FFF2-40B4-BE49-F238E27FC236}">
-                <a16:creationId xmlns:a16="http://schemas.microsoft.com/office/drawing/2014/main" id="{227FD160-5348-4849-914A-A5470E3BDA07}"/>
+                <a16:creationId xmlns:a16="http://schemas.microsoft.com/office/drawing/2014/main" id="{3B730597-A628-4D16-A217-9432BD11A5C1}"/>
               </a:ext>
             </a:extLst>
           </p:cNvPr>
@@ -4647,66 +6398,799 @@
           <a:lstStyle/>
           <a:p>
             <a:r>
-              <a:rPr lang="en-GB" dirty="0">
+              <a:rPr lang="en-GB">
                 <a:latin typeface="Bell MT"/>
               </a:rPr>
-              <a:t>Gazebo World</a:t>
-            </a:r>
-            <a:endParaRPr lang="en-GB" dirty="0"/>
-          </a:p>
-        </p:txBody>
-      </p:sp>
-      <p:pic>
-        <p:nvPicPr>
-          <p:cNvPr id="5" name="Picture 5" descr="Diagram, schematic&#10;&#10;Description automatically generated">
-            <a:extLst>
-              <a:ext uri="{FF2B5EF4-FFF2-40B4-BE49-F238E27FC236}">
-                <a16:creationId xmlns:a16="http://schemas.microsoft.com/office/drawing/2014/main" id="{2F0B2CCA-CD32-46D2-BCDA-B6B7B3E46DF6}"/>
-              </a:ext>
-            </a:extLst>
-          </p:cNvPr>
-          <p:cNvPicPr>
-            <a:picLocks noGrp="1" noChangeAspect="1"/>
-          </p:cNvPicPr>
-          <p:nvPr>
-            <p:ph idx="1"/>
-          </p:nvPr>
-        </p:nvPicPr>
-        <p:blipFill>
-          <a:blip r:embed="rId2"/>
-          <a:stretch>
-            <a:fillRect/>
-          </a:stretch>
-        </p:blipFill>
+              <a:t>Case: Drone flies to waypoint: Workflow </a:t>
+            </a:r>
+            <a:endParaRPr lang="en-US"/>
+          </a:p>
+        </p:txBody>
+      </p:sp>
+      <p:sp>
+        <p:nvSpPr>
+          <p:cNvPr id="4" name="Rectangle: Rounded Corners 3">
+            <a:extLst>
+              <a:ext uri="{FF2B5EF4-FFF2-40B4-BE49-F238E27FC236}">
+                <a16:creationId xmlns:a16="http://schemas.microsoft.com/office/drawing/2014/main" id="{A9B1190C-FB4B-47DE-969F-DF5A6CDC9001}"/>
+              </a:ext>
+            </a:extLst>
+          </p:cNvPr>
+          <p:cNvSpPr/>
+          <p:nvPr/>
+        </p:nvSpPr>
         <p:spPr>
           <a:xfrm>
-            <a:off x="973972" y="2264107"/>
-            <a:ext cx="9998666" cy="3328583"/>
+            <a:off x="1144291" y="2080647"/>
+            <a:ext cx="1898542" cy="697423"/>
           </a:xfrm>
+          <a:prstGeom prst="roundRect">
+            <a:avLst/>
+          </a:prstGeom>
+          <a:solidFill>
+            <a:schemeClr val="bg1">
+              <a:lumMod val="95000"/>
+            </a:schemeClr>
+          </a:solidFill>
         </p:spPr>
-      </p:pic>
-      <p:sp>
-        <p:nvSpPr>
-          <p:cNvPr id="4" name="TextBox 3">
-            <a:extLst>
-              <a:ext uri="{FF2B5EF4-FFF2-40B4-BE49-F238E27FC236}">
-                <a16:creationId xmlns:a16="http://schemas.microsoft.com/office/drawing/2014/main" id="{E14891C0-35C3-4345-8D6E-6654AFD163B3}"/>
-              </a:ext>
-            </a:extLst>
-          </p:cNvPr>
-          <p:cNvSpPr txBox="1"/>
+        <p:style>
+          <a:lnRef idx="2">
+            <a:schemeClr val="accent1">
+              <a:shade val="50000"/>
+            </a:schemeClr>
+          </a:lnRef>
+          <a:fillRef idx="1">
+            <a:schemeClr val="accent1"/>
+          </a:fillRef>
+          <a:effectRef idx="0">
+            <a:schemeClr val="accent1"/>
+          </a:effectRef>
+          <a:fontRef idx="minor">
+            <a:schemeClr val="lt1"/>
+          </a:fontRef>
+        </p:style>
+        <p:txBody>
+          <a:bodyPr rot="0" spcFirstLastPara="0" vertOverflow="overflow" horzOverflow="overflow" vert="horz" wrap="square" lIns="91440" tIns="45720" rIns="91440" bIns="45720" numCol="1" spcCol="0" rtlCol="0" fromWordArt="0" anchor="t" anchorCtr="0" forceAA="0" compatLnSpc="1">
+            <a:prstTxWarp prst="textNoShape">
+              <a:avLst/>
+            </a:prstTxWarp>
+            <a:noAutofit/>
+          </a:bodyPr>
+          <a:lstStyle/>
+          <a:p>
+            <a:pPr algn="ctr"/>
+            <a:r>
+              <a:rPr lang="en-GB">
+                <a:solidFill>
+                  <a:schemeClr val="tx1"/>
+                </a:solidFill>
+                <a:cs typeface="Calibri"/>
+              </a:rPr>
+              <a:t>Drone Structure (URDF) </a:t>
+            </a:r>
+          </a:p>
+        </p:txBody>
+      </p:sp>
+      <p:sp>
+        <p:nvSpPr>
+          <p:cNvPr id="6" name="Rectangle: Rounded Corners 5">
+            <a:extLst>
+              <a:ext uri="{FF2B5EF4-FFF2-40B4-BE49-F238E27FC236}">
+                <a16:creationId xmlns:a16="http://schemas.microsoft.com/office/drawing/2014/main" id="{722986D5-FA7C-4821-A4C9-6D647E43D36D}"/>
+              </a:ext>
+            </a:extLst>
+          </p:cNvPr>
+          <p:cNvSpPr/>
           <p:nvPr/>
         </p:nvSpPr>
         <p:spPr>
           <a:xfrm>
-            <a:off x="475281" y="6261315"/>
-            <a:ext cx="6591945" cy="369332"/>
+            <a:off x="1326718" y="5388566"/>
+            <a:ext cx="2234339" cy="400373"/>
+          </a:xfrm>
+          <a:prstGeom prst="roundRect">
+            <a:avLst/>
+          </a:prstGeom>
+          <a:solidFill>
+            <a:schemeClr val="bg1">
+              <a:lumMod val="95000"/>
+            </a:schemeClr>
+          </a:solidFill>
+        </p:spPr>
+        <p:style>
+          <a:lnRef idx="2">
+            <a:schemeClr val="accent1">
+              <a:shade val="50000"/>
+            </a:schemeClr>
+          </a:lnRef>
+          <a:fillRef idx="1">
+            <a:schemeClr val="accent1"/>
+          </a:fillRef>
+          <a:effectRef idx="0">
+            <a:schemeClr val="accent1"/>
+          </a:effectRef>
+          <a:fontRef idx="minor">
+            <a:schemeClr val="lt1"/>
+          </a:fontRef>
+        </p:style>
+        <p:txBody>
+          <a:bodyPr rot="0" spcFirstLastPara="0" vertOverflow="overflow" horzOverflow="overflow" vert="horz" wrap="square" lIns="91440" tIns="45720" rIns="91440" bIns="45720" numCol="1" spcCol="0" rtlCol="0" fromWordArt="0" anchor="b" anchorCtr="0" forceAA="0" compatLnSpc="1">
+            <a:prstTxWarp prst="textNoShape">
+              <a:avLst/>
+            </a:prstTxWarp>
+            <a:noAutofit/>
+          </a:bodyPr>
+          <a:lstStyle/>
+          <a:p>
+            <a:pPr algn="ctr"/>
+            <a:endParaRPr lang="en-GB">
+              <a:solidFill>
+                <a:schemeClr val="tx1"/>
+              </a:solidFill>
+              <a:cs typeface="Calibri"/>
+            </a:endParaRPr>
+          </a:p>
+          <a:p>
+            <a:pPr algn="ctr"/>
+            <a:r>
+              <a:rPr lang="en-GB">
+                <a:solidFill>
+                  <a:schemeClr val="tx1"/>
+                </a:solidFill>
+                <a:cs typeface="Calibri"/>
+              </a:rPr>
+              <a:t>Waypoint subscriber</a:t>
+            </a:r>
+          </a:p>
+        </p:txBody>
+      </p:sp>
+      <p:sp>
+        <p:nvSpPr>
+          <p:cNvPr id="7" name="Rectangle: Rounded Corners 6">
+            <a:extLst>
+              <a:ext uri="{FF2B5EF4-FFF2-40B4-BE49-F238E27FC236}">
+                <a16:creationId xmlns:a16="http://schemas.microsoft.com/office/drawing/2014/main" id="{182AAD4C-5A0F-49A2-94D0-4656787CFF1F}"/>
+              </a:ext>
+            </a:extLst>
+          </p:cNvPr>
+          <p:cNvSpPr/>
+          <p:nvPr/>
+        </p:nvSpPr>
+        <p:spPr>
+          <a:xfrm>
+            <a:off x="3854626" y="3531622"/>
+            <a:ext cx="1239864" cy="490780"/>
+          </a:xfrm>
+          <a:prstGeom prst="roundRect">
+            <a:avLst/>
+          </a:prstGeom>
+          <a:solidFill>
+            <a:schemeClr val="bg1">
+              <a:lumMod val="95000"/>
+            </a:schemeClr>
+          </a:solidFill>
+        </p:spPr>
+        <p:style>
+          <a:lnRef idx="2">
+            <a:schemeClr val="accent1">
+              <a:shade val="50000"/>
+            </a:schemeClr>
+          </a:lnRef>
+          <a:fillRef idx="1">
+            <a:schemeClr val="accent1"/>
+          </a:fillRef>
+          <a:effectRef idx="0">
+            <a:schemeClr val="accent1"/>
+          </a:effectRef>
+          <a:fontRef idx="minor">
+            <a:schemeClr val="lt1"/>
+          </a:fontRef>
+        </p:style>
+        <p:txBody>
+          <a:bodyPr lIns="91440" tIns="45720" rIns="91440" bIns="45720" rtlCol="0" anchor="ctr"/>
+          <a:lstStyle/>
+          <a:p>
+            <a:pPr algn="ctr"/>
+            <a:r>
+              <a:rPr lang="en-GB">
+                <a:solidFill>
+                  <a:schemeClr val="tx1"/>
+                </a:solidFill>
+                <a:cs typeface="Calibri"/>
+              </a:rPr>
+              <a:t>Motors </a:t>
+            </a:r>
+          </a:p>
+        </p:txBody>
+      </p:sp>
+      <p:sp>
+        <p:nvSpPr>
+          <p:cNvPr id="8" name="Rectangle: Rounded Corners 7">
+            <a:extLst>
+              <a:ext uri="{FF2B5EF4-FFF2-40B4-BE49-F238E27FC236}">
+                <a16:creationId xmlns:a16="http://schemas.microsoft.com/office/drawing/2014/main" id="{12A0DB45-F9A1-41DA-A188-97905580BC12}"/>
+              </a:ext>
+            </a:extLst>
+          </p:cNvPr>
+          <p:cNvSpPr/>
+          <p:nvPr/>
+        </p:nvSpPr>
+        <p:spPr>
+          <a:xfrm>
+            <a:off x="5989125" y="3670836"/>
+            <a:ext cx="1898541" cy="710338"/>
+          </a:xfrm>
+          <a:prstGeom prst="roundRect">
+            <a:avLst/>
+          </a:prstGeom>
+          <a:solidFill>
+            <a:schemeClr val="bg1">
+              <a:lumMod val="95000"/>
+            </a:schemeClr>
+          </a:solidFill>
+        </p:spPr>
+        <p:style>
+          <a:lnRef idx="2">
+            <a:schemeClr val="accent1">
+              <a:shade val="50000"/>
+            </a:schemeClr>
+          </a:lnRef>
+          <a:fillRef idx="1">
+            <a:schemeClr val="accent1"/>
+          </a:fillRef>
+          <a:effectRef idx="0">
+            <a:schemeClr val="accent1"/>
+          </a:effectRef>
+          <a:fontRef idx="minor">
+            <a:schemeClr val="lt1"/>
+          </a:fontRef>
+        </p:style>
+        <p:txBody>
+          <a:bodyPr lIns="91440" tIns="45720" rIns="91440" bIns="45720" rtlCol="0" anchor="ctr"/>
+          <a:lstStyle/>
+          <a:p>
+            <a:pPr algn="ctr"/>
+            <a:r>
+              <a:rPr lang="en-GB">
+                <a:solidFill>
+                  <a:schemeClr val="tx1"/>
+                </a:solidFill>
+                <a:cs typeface="Calibri"/>
+              </a:rPr>
+              <a:t>Position Controller</a:t>
+            </a:r>
+          </a:p>
+        </p:txBody>
+      </p:sp>
+      <p:sp>
+        <p:nvSpPr>
+          <p:cNvPr id="9" name="Rectangle: Rounded Corners 8">
+            <a:extLst>
+              <a:ext uri="{FF2B5EF4-FFF2-40B4-BE49-F238E27FC236}">
+                <a16:creationId xmlns:a16="http://schemas.microsoft.com/office/drawing/2014/main" id="{38A5B23B-F127-46E4-A004-51C570F4EFFF}"/>
+              </a:ext>
+            </a:extLst>
+          </p:cNvPr>
+          <p:cNvSpPr/>
+          <p:nvPr/>
+        </p:nvSpPr>
+        <p:spPr>
+          <a:xfrm>
+            <a:off x="4813837" y="5388566"/>
+            <a:ext cx="2337660" cy="374543"/>
+          </a:xfrm>
+          <a:prstGeom prst="roundRect">
+            <a:avLst/>
+          </a:prstGeom>
+          <a:solidFill>
+            <a:schemeClr val="bg1">
+              <a:lumMod val="95000"/>
+            </a:schemeClr>
+          </a:solidFill>
+        </p:spPr>
+        <p:style>
+          <a:lnRef idx="2">
+            <a:schemeClr val="accent1">
+              <a:shade val="50000"/>
+            </a:schemeClr>
+          </a:lnRef>
+          <a:fillRef idx="1">
+            <a:schemeClr val="accent1"/>
+          </a:fillRef>
+          <a:effectRef idx="0">
+            <a:schemeClr val="accent1"/>
+          </a:effectRef>
+          <a:fontRef idx="minor">
+            <a:schemeClr val="lt1"/>
+          </a:fontRef>
+        </p:style>
+        <p:txBody>
+          <a:bodyPr lIns="91440" tIns="45720" rIns="91440" bIns="45720" rtlCol="0" anchor="b"/>
+          <a:lstStyle/>
+          <a:p>
+            <a:pPr algn="ctr"/>
+            <a:endParaRPr lang="en-GB">
+              <a:solidFill>
+                <a:schemeClr val="tx1"/>
+              </a:solidFill>
+              <a:cs typeface="Calibri"/>
+            </a:endParaRPr>
+          </a:p>
+          <a:p>
+            <a:pPr algn="ctr"/>
+            <a:r>
+              <a:rPr lang="en-GB">
+                <a:solidFill>
+                  <a:schemeClr val="tx1"/>
+                </a:solidFill>
+                <a:cs typeface="Calibri"/>
+              </a:rPr>
+              <a:t>Waypoint publisher</a:t>
+            </a:r>
+          </a:p>
+        </p:txBody>
+      </p:sp>
+      <p:sp>
+        <p:nvSpPr>
+          <p:cNvPr id="10" name="Rectangle: Rounded Corners 9">
+            <a:extLst>
+              <a:ext uri="{FF2B5EF4-FFF2-40B4-BE49-F238E27FC236}">
+                <a16:creationId xmlns:a16="http://schemas.microsoft.com/office/drawing/2014/main" id="{A37016DB-3CBB-46A7-B92B-67FC86D6E635}"/>
+              </a:ext>
+            </a:extLst>
+          </p:cNvPr>
+          <p:cNvSpPr/>
+          <p:nvPr/>
+        </p:nvSpPr>
+        <p:spPr>
+          <a:xfrm>
+            <a:off x="4618494" y="2080646"/>
+            <a:ext cx="2260169" cy="697423"/>
+          </a:xfrm>
+          <a:prstGeom prst="roundRect">
+            <a:avLst/>
+          </a:prstGeom>
+          <a:solidFill>
+            <a:schemeClr val="bg1">
+              <a:lumMod val="95000"/>
+            </a:schemeClr>
+          </a:solidFill>
+        </p:spPr>
+        <p:style>
+          <a:lnRef idx="2">
+            <a:schemeClr val="accent1">
+              <a:shade val="50000"/>
+            </a:schemeClr>
+          </a:lnRef>
+          <a:fillRef idx="1">
+            <a:schemeClr val="accent1"/>
+          </a:fillRef>
+          <a:effectRef idx="0">
+            <a:schemeClr val="accent1"/>
+          </a:effectRef>
+          <a:fontRef idx="minor">
+            <a:schemeClr val="lt1"/>
+          </a:fontRef>
+        </p:style>
+        <p:txBody>
+          <a:bodyPr rot="0" spcFirstLastPara="0" vertOverflow="overflow" horzOverflow="overflow" vert="horz" wrap="square" lIns="91440" tIns="45720" rIns="91440" bIns="45720" numCol="1" spcCol="0" rtlCol="0" fromWordArt="0" anchor="t" anchorCtr="0" forceAA="0" compatLnSpc="1">
+            <a:prstTxWarp prst="textNoShape">
+              <a:avLst/>
+            </a:prstTxWarp>
+            <a:noAutofit/>
+          </a:bodyPr>
+          <a:lstStyle/>
+          <a:p>
+            <a:pPr algn="ctr"/>
+            <a:r>
+              <a:rPr lang="en-GB">
+                <a:solidFill>
+                  <a:schemeClr val="tx1"/>
+                </a:solidFill>
+                <a:cs typeface="Calibri"/>
+              </a:rPr>
+              <a:t>World with Obstacles (URDF) </a:t>
+            </a:r>
+          </a:p>
+        </p:txBody>
+      </p:sp>
+      <p:sp>
+        <p:nvSpPr>
+          <p:cNvPr id="11" name="Rectangle: Rounded Corners 10">
+            <a:extLst>
+              <a:ext uri="{FF2B5EF4-FFF2-40B4-BE49-F238E27FC236}">
+                <a16:creationId xmlns:a16="http://schemas.microsoft.com/office/drawing/2014/main" id="{7ADA1F6D-1565-4107-B90B-E6A9472F589A}"/>
+              </a:ext>
+            </a:extLst>
+          </p:cNvPr>
+          <p:cNvSpPr/>
+          <p:nvPr/>
+        </p:nvSpPr>
+        <p:spPr>
+          <a:xfrm>
+            <a:off x="9293817" y="3113866"/>
+            <a:ext cx="1963118" cy="452033"/>
+          </a:xfrm>
+          <a:prstGeom prst="roundRect">
+            <a:avLst/>
+          </a:prstGeom>
+          <a:solidFill>
+            <a:schemeClr val="bg1">
+              <a:lumMod val="95000"/>
+            </a:schemeClr>
+          </a:solidFill>
+        </p:spPr>
+        <p:style>
+          <a:lnRef idx="2">
+            <a:schemeClr val="accent1">
+              <a:shade val="50000"/>
+            </a:schemeClr>
+          </a:lnRef>
+          <a:fillRef idx="1">
+            <a:schemeClr val="accent1"/>
+          </a:fillRef>
+          <a:effectRef idx="0">
+            <a:schemeClr val="accent1"/>
+          </a:effectRef>
+          <a:fontRef idx="minor">
+            <a:schemeClr val="lt1"/>
+          </a:fontRef>
+        </p:style>
+        <p:txBody>
+          <a:bodyPr rot="0" spcFirstLastPara="0" vertOverflow="overflow" horzOverflow="overflow" vert="horz" wrap="square" lIns="91440" tIns="45720" rIns="91440" bIns="45720" numCol="1" spcCol="0" rtlCol="0" fromWordArt="0" anchor="t" anchorCtr="0" forceAA="0" compatLnSpc="1">
+            <a:prstTxWarp prst="textNoShape">
+              <a:avLst/>
+            </a:prstTxWarp>
+            <a:noAutofit/>
+          </a:bodyPr>
+          <a:lstStyle/>
+          <a:p>
+            <a:pPr algn="ctr"/>
+            <a:r>
+              <a:rPr lang="en-GB">
+                <a:solidFill>
+                  <a:schemeClr val="tx1"/>
+                </a:solidFill>
+                <a:cs typeface="Calibri"/>
+              </a:rPr>
+              <a:t>Gazebo Server </a:t>
+            </a:r>
+          </a:p>
+        </p:txBody>
+      </p:sp>
+      <p:sp>
+        <p:nvSpPr>
+          <p:cNvPr id="13" name="Rectangle: Rounded Corners 12">
+            <a:extLst>
+              <a:ext uri="{FF2B5EF4-FFF2-40B4-BE49-F238E27FC236}">
+                <a16:creationId xmlns:a16="http://schemas.microsoft.com/office/drawing/2014/main" id="{0E23648C-59EE-41D0-82BB-06F016DE77B2}"/>
+              </a:ext>
+            </a:extLst>
+          </p:cNvPr>
+          <p:cNvSpPr/>
+          <p:nvPr/>
+        </p:nvSpPr>
+        <p:spPr>
+          <a:xfrm>
+            <a:off x="9293815" y="2016069"/>
+            <a:ext cx="1898542" cy="697423"/>
+          </a:xfrm>
+          <a:prstGeom prst="roundRect">
+            <a:avLst/>
+          </a:prstGeom>
+          <a:solidFill>
+            <a:schemeClr val="bg1">
+              <a:lumMod val="95000"/>
+            </a:schemeClr>
+          </a:solidFill>
+        </p:spPr>
+        <p:style>
+          <a:lnRef idx="2">
+            <a:schemeClr val="accent1">
+              <a:shade val="50000"/>
+            </a:schemeClr>
+          </a:lnRef>
+          <a:fillRef idx="1">
+            <a:schemeClr val="accent1"/>
+          </a:fillRef>
+          <a:effectRef idx="0">
+            <a:schemeClr val="accent1"/>
+          </a:effectRef>
+          <a:fontRef idx="minor">
+            <a:schemeClr val="lt1"/>
+          </a:fontRef>
+        </p:style>
+        <p:txBody>
+          <a:bodyPr rot="0" spcFirstLastPara="0" vertOverflow="overflow" horzOverflow="overflow" vert="horz" wrap="square" lIns="91440" tIns="45720" rIns="91440" bIns="45720" numCol="1" spcCol="0" rtlCol="0" fromWordArt="0" anchor="t" anchorCtr="0" forceAA="0" compatLnSpc="1">
+            <a:prstTxWarp prst="textNoShape">
+              <a:avLst/>
+            </a:prstTxWarp>
+            <a:noAutofit/>
+          </a:bodyPr>
+          <a:lstStyle/>
+          <a:p>
+            <a:pPr algn="ctr"/>
+            <a:r>
+              <a:rPr lang="en-GB">
+                <a:solidFill>
+                  <a:schemeClr val="tx1"/>
+                </a:solidFill>
+                <a:cs typeface="Calibri"/>
+              </a:rPr>
+              <a:t>Gazebo Client (GUI) </a:t>
+            </a:r>
+          </a:p>
+        </p:txBody>
+      </p:sp>
+      <p:sp>
+        <p:nvSpPr>
+          <p:cNvPr id="5" name="Arrow: Left 4">
+            <a:extLst>
+              <a:ext uri="{FF2B5EF4-FFF2-40B4-BE49-F238E27FC236}">
+                <a16:creationId xmlns:a16="http://schemas.microsoft.com/office/drawing/2014/main" id="{82734CF7-19C2-4A57-B95B-87E1FE23725B}"/>
+              </a:ext>
+            </a:extLst>
+          </p:cNvPr>
+          <p:cNvSpPr/>
+          <p:nvPr/>
+        </p:nvSpPr>
+        <p:spPr>
+          <a:xfrm rot="16200000">
+            <a:off x="1820475" y="4636144"/>
+            <a:ext cx="1385411" cy="96010"/>
+          </a:xfrm>
+          <a:prstGeom prst="leftArrow">
+            <a:avLst/>
+          </a:prstGeom>
+          <a:noFill/>
+        </p:spPr>
+        <p:style>
+          <a:lnRef idx="2">
+            <a:schemeClr val="accent1">
+              <a:shade val="50000"/>
+            </a:schemeClr>
+          </a:lnRef>
+          <a:fillRef idx="1">
+            <a:schemeClr val="accent1"/>
+          </a:fillRef>
+          <a:effectRef idx="0">
+            <a:schemeClr val="accent1"/>
+          </a:effectRef>
+          <a:fontRef idx="minor">
+            <a:schemeClr val="lt1"/>
+          </a:fontRef>
+        </p:style>
+        <p:txBody>
+          <a:bodyPr rtlCol="0" anchor="ctr"/>
+          <a:lstStyle/>
+          <a:p>
+            <a:pPr algn="ctr"/>
+            <a:endParaRPr lang="en-IN"/>
+          </a:p>
+        </p:txBody>
+      </p:sp>
+      <p:sp>
+        <p:nvSpPr>
+          <p:cNvPr id="14" name="Rectangle: Rounded Corners 13">
+            <a:extLst>
+              <a:ext uri="{FF2B5EF4-FFF2-40B4-BE49-F238E27FC236}">
+                <a16:creationId xmlns:a16="http://schemas.microsoft.com/office/drawing/2014/main" id="{EB8EF3E7-4F9B-4185-92FE-743B8961F56E}"/>
+              </a:ext>
+            </a:extLst>
+          </p:cNvPr>
+          <p:cNvSpPr/>
+          <p:nvPr/>
+        </p:nvSpPr>
+        <p:spPr>
+          <a:xfrm>
+            <a:off x="1599805" y="3348641"/>
+            <a:ext cx="1391367" cy="594672"/>
+          </a:xfrm>
+          <a:prstGeom prst="roundRect">
+            <a:avLst/>
+          </a:prstGeom>
+          <a:solidFill>
+            <a:schemeClr val="bg1">
+              <a:lumMod val="95000"/>
+            </a:schemeClr>
+          </a:solidFill>
+        </p:spPr>
+        <p:style>
+          <a:lnRef idx="2">
+            <a:schemeClr val="accent1">
+              <a:shade val="50000"/>
+            </a:schemeClr>
+          </a:lnRef>
+          <a:fillRef idx="1">
+            <a:schemeClr val="accent1"/>
+          </a:fillRef>
+          <a:effectRef idx="0">
+            <a:schemeClr val="accent1"/>
+          </a:effectRef>
+          <a:fontRef idx="minor">
+            <a:schemeClr val="lt1"/>
+          </a:fontRef>
+        </p:style>
+        <p:txBody>
+          <a:bodyPr lIns="91440" tIns="45720" rIns="91440" bIns="45720" rtlCol="0" anchor="ctr"/>
+          <a:lstStyle/>
+          <a:p>
+            <a:pPr algn="ctr"/>
+            <a:r>
+              <a:rPr lang="en-GB">
+                <a:solidFill>
+                  <a:schemeClr val="tx1"/>
+                </a:solidFill>
+                <a:cs typeface="Calibri"/>
+              </a:rPr>
+              <a:t>Odometry sensor </a:t>
+            </a:r>
+          </a:p>
+        </p:txBody>
+      </p:sp>
+      <p:sp>
+        <p:nvSpPr>
+          <p:cNvPr id="17" name="Arrow: Left 16">
+            <a:extLst>
+              <a:ext uri="{FF2B5EF4-FFF2-40B4-BE49-F238E27FC236}">
+                <a16:creationId xmlns:a16="http://schemas.microsoft.com/office/drawing/2014/main" id="{32654DA6-9093-4AAC-96B0-6ACAB86433B7}"/>
+              </a:ext>
+            </a:extLst>
+          </p:cNvPr>
+          <p:cNvSpPr/>
+          <p:nvPr/>
+        </p:nvSpPr>
+        <p:spPr>
+          <a:xfrm rot="5400000">
+            <a:off x="6307945" y="4804933"/>
+            <a:ext cx="955732" cy="108213"/>
+          </a:xfrm>
+          <a:prstGeom prst="leftArrow">
+            <a:avLst/>
+          </a:prstGeom>
+          <a:noFill/>
+        </p:spPr>
+        <p:style>
+          <a:lnRef idx="2">
+            <a:schemeClr val="accent1">
+              <a:shade val="50000"/>
+            </a:schemeClr>
+          </a:lnRef>
+          <a:fillRef idx="1">
+            <a:schemeClr val="accent1"/>
+          </a:fillRef>
+          <a:effectRef idx="0">
+            <a:schemeClr val="accent1"/>
+          </a:effectRef>
+          <a:fontRef idx="minor">
+            <a:schemeClr val="lt1"/>
+          </a:fontRef>
+        </p:style>
+        <p:txBody>
+          <a:bodyPr rtlCol="0" anchor="ctr"/>
+          <a:lstStyle/>
+          <a:p>
+            <a:pPr algn="ctr"/>
+            <a:endParaRPr lang="en-IN"/>
+          </a:p>
+        </p:txBody>
+      </p:sp>
+      <p:sp>
+        <p:nvSpPr>
+          <p:cNvPr id="21" name="Arrow: Left 20">
+            <a:extLst>
+              <a:ext uri="{FF2B5EF4-FFF2-40B4-BE49-F238E27FC236}">
+                <a16:creationId xmlns:a16="http://schemas.microsoft.com/office/drawing/2014/main" id="{8145F3EE-E61A-4094-9FA0-9D09A33A5C4A}"/>
+              </a:ext>
+            </a:extLst>
+          </p:cNvPr>
+          <p:cNvSpPr/>
+          <p:nvPr/>
+        </p:nvSpPr>
+        <p:spPr>
+          <a:xfrm>
+            <a:off x="5094489" y="3841854"/>
+            <a:ext cx="881719" cy="96009"/>
+          </a:xfrm>
+          <a:prstGeom prst="leftArrow">
+            <a:avLst/>
+          </a:prstGeom>
+          <a:noFill/>
+        </p:spPr>
+        <p:style>
+          <a:lnRef idx="2">
+            <a:schemeClr val="accent1">
+              <a:shade val="50000"/>
+            </a:schemeClr>
+          </a:lnRef>
+          <a:fillRef idx="1">
+            <a:schemeClr val="accent1"/>
+          </a:fillRef>
+          <a:effectRef idx="0">
+            <a:schemeClr val="accent1"/>
+          </a:effectRef>
+          <a:fontRef idx="minor">
+            <a:schemeClr val="lt1"/>
+          </a:fontRef>
+        </p:style>
+        <p:txBody>
+          <a:bodyPr rtlCol="0" anchor="ctr"/>
+          <a:lstStyle/>
+          <a:p>
+            <a:pPr algn="ctr"/>
+            <a:endParaRPr lang="en-IN"/>
+          </a:p>
+        </p:txBody>
+      </p:sp>
+      <p:sp>
+        <p:nvSpPr>
+          <p:cNvPr id="12" name="Rectangle 11">
+            <a:extLst>
+              <a:ext uri="{FF2B5EF4-FFF2-40B4-BE49-F238E27FC236}">
+                <a16:creationId xmlns:a16="http://schemas.microsoft.com/office/drawing/2014/main" id="{AA642055-3C69-4851-A251-3282C4A881CD}"/>
+              </a:ext>
+            </a:extLst>
+          </p:cNvPr>
+          <p:cNvSpPr/>
+          <p:nvPr/>
+        </p:nvSpPr>
+        <p:spPr>
+          <a:xfrm>
+            <a:off x="385520" y="1722249"/>
+            <a:ext cx="7955795" cy="3357965"/>
           </a:xfrm>
           <a:prstGeom prst="rect">
             <a:avLst/>
           </a:prstGeom>
           <a:noFill/>
         </p:spPr>
+        <p:style>
+          <a:lnRef idx="2">
+            <a:schemeClr val="accent1">
+              <a:shade val="50000"/>
+            </a:schemeClr>
+          </a:lnRef>
+          <a:fillRef idx="1">
+            <a:schemeClr val="accent1"/>
+          </a:fillRef>
+          <a:effectRef idx="0">
+            <a:schemeClr val="accent1"/>
+          </a:effectRef>
+          <a:fontRef idx="minor">
+            <a:schemeClr val="lt1"/>
+          </a:fontRef>
+        </p:style>
+        <p:txBody>
+          <a:bodyPr rtlCol="0" anchor="ctr"/>
+          <a:lstStyle/>
+          <a:p>
+            <a:pPr algn="ctr"/>
+            <a:endParaRPr lang="en-GB"/>
+          </a:p>
+        </p:txBody>
+      </p:sp>
+      <p:sp>
+        <p:nvSpPr>
+          <p:cNvPr id="16" name="TextBox 15">
+            <a:extLst>
+              <a:ext uri="{FF2B5EF4-FFF2-40B4-BE49-F238E27FC236}">
+                <a16:creationId xmlns:a16="http://schemas.microsoft.com/office/drawing/2014/main" id="{BAF05F66-0C60-46F9-ACAE-C5D0D40D3B9C}"/>
+              </a:ext>
+            </a:extLst>
+          </p:cNvPr>
+          <p:cNvSpPr txBox="1"/>
+          <p:nvPr/>
+        </p:nvSpPr>
+        <p:spPr>
+          <a:xfrm>
+            <a:off x="505147" y="1822503"/>
+            <a:ext cx="2743199" cy="369332"/>
+          </a:xfrm>
+          <a:prstGeom prst="rect">
+            <a:avLst/>
+          </a:prstGeom>
+          <a:noFill/>
+        </p:spPr>
         <p:txBody>
           <a:bodyPr rot="0" spcFirstLastPara="0" vertOverflow="overflow" horzOverflow="overflow" vert="horz" wrap="square" lIns="91440" tIns="45720" rIns="91440" bIns="45720" numCol="1" spcCol="0" rtlCol="0" fromWordArt="0" anchor="t" anchorCtr="0" forceAA="0" compatLnSpc="1">
             <a:prstTxWarp prst="textNoShape">
@@ -4716,20 +7200,485 @@
           </a:bodyPr>
           <a:lstStyle/>
           <a:p>
-            <a:r>
-              <a:rPr lang="en-US">
-                <a:hlinkClick r:id="rId3"/>
-              </a:rPr>
-              <a:t>https://link.springer.com/chapter/10.1007/978-3-030-14984-0_24</a:t>
+            <a:pPr algn="l"/>
+            <a:r>
+              <a:rPr lang="en-GB" b="1"/>
+              <a:t>ROS</a:t>
+            </a:r>
+            <a:endParaRPr lang="en-US" b="1">
+              <a:cs typeface="Calibri"/>
+            </a:endParaRPr>
+          </a:p>
+        </p:txBody>
+      </p:sp>
+      <p:sp>
+        <p:nvSpPr>
+          <p:cNvPr id="22" name="Rectangle 21">
+            <a:extLst>
+              <a:ext uri="{FF2B5EF4-FFF2-40B4-BE49-F238E27FC236}">
+                <a16:creationId xmlns:a16="http://schemas.microsoft.com/office/drawing/2014/main" id="{A83E20AF-35E7-4138-9AB7-0C4AFCE3F13D}"/>
+              </a:ext>
+            </a:extLst>
+          </p:cNvPr>
+          <p:cNvSpPr/>
+          <p:nvPr/>
+        </p:nvSpPr>
+        <p:spPr>
+          <a:xfrm>
+            <a:off x="8999993" y="1760994"/>
+            <a:ext cx="2750947" cy="4649491"/>
+          </a:xfrm>
+          <a:prstGeom prst="rect">
+            <a:avLst/>
+          </a:prstGeom>
+          <a:noFill/>
+        </p:spPr>
+        <p:style>
+          <a:lnRef idx="2">
+            <a:schemeClr val="accent1">
+              <a:shade val="50000"/>
+            </a:schemeClr>
+          </a:lnRef>
+          <a:fillRef idx="1">
+            <a:schemeClr val="accent1"/>
+          </a:fillRef>
+          <a:effectRef idx="0">
+            <a:schemeClr val="accent1"/>
+          </a:effectRef>
+          <a:fontRef idx="minor">
+            <a:schemeClr val="lt1"/>
+          </a:fontRef>
+        </p:style>
+        <p:txBody>
+          <a:bodyPr rtlCol="0" anchor="ctr"/>
+          <a:lstStyle/>
+          <a:p>
+            <a:pPr algn="ctr"/>
+            <a:endParaRPr lang="en-GB"/>
+          </a:p>
+        </p:txBody>
+      </p:sp>
+      <p:sp>
+        <p:nvSpPr>
+          <p:cNvPr id="23" name="Rectangle: Rounded Corners 22">
+            <a:extLst>
+              <a:ext uri="{FF2B5EF4-FFF2-40B4-BE49-F238E27FC236}">
+                <a16:creationId xmlns:a16="http://schemas.microsoft.com/office/drawing/2014/main" id="{59147C38-BF18-4B4F-A397-B3494D0B1369}"/>
+              </a:ext>
+            </a:extLst>
+          </p:cNvPr>
+          <p:cNvSpPr/>
+          <p:nvPr/>
+        </p:nvSpPr>
+        <p:spPr>
+          <a:xfrm>
+            <a:off x="9621541" y="4707287"/>
+            <a:ext cx="1511084" cy="1136542"/>
+          </a:xfrm>
+          <a:prstGeom prst="roundRect">
+            <a:avLst/>
+          </a:prstGeom>
+          <a:noFill/>
+        </p:spPr>
+        <p:style>
+          <a:lnRef idx="2">
+            <a:schemeClr val="accent1">
+              <a:shade val="50000"/>
+            </a:schemeClr>
+          </a:lnRef>
+          <a:fillRef idx="1">
+            <a:schemeClr val="accent1"/>
+          </a:fillRef>
+          <a:effectRef idx="0">
+            <a:schemeClr val="accent1"/>
+          </a:effectRef>
+          <a:fontRef idx="minor">
+            <a:schemeClr val="lt1"/>
+          </a:fontRef>
+        </p:style>
+        <p:txBody>
+          <a:bodyPr rtlCol="0" anchor="ctr"/>
+          <a:lstStyle/>
+          <a:p>
+            <a:pPr algn="ctr"/>
+            <a:endParaRPr lang="en-GB"/>
+          </a:p>
+        </p:txBody>
+      </p:sp>
+      <p:sp>
+        <p:nvSpPr>
+          <p:cNvPr id="24" name="TextBox 23">
+            <a:extLst>
+              <a:ext uri="{FF2B5EF4-FFF2-40B4-BE49-F238E27FC236}">
+                <a16:creationId xmlns:a16="http://schemas.microsoft.com/office/drawing/2014/main" id="{756A5FBD-144D-487A-B89B-4F6608D1DB8E}"/>
+              </a:ext>
+            </a:extLst>
+          </p:cNvPr>
+          <p:cNvSpPr txBox="1"/>
+          <p:nvPr/>
+        </p:nvSpPr>
+        <p:spPr>
+          <a:xfrm>
+            <a:off x="9624931" y="4949609"/>
+            <a:ext cx="1400013" cy="923330"/>
+          </a:xfrm>
+          <a:prstGeom prst="rect">
+            <a:avLst/>
+          </a:prstGeom>
+          <a:noFill/>
+        </p:spPr>
+        <p:txBody>
+          <a:bodyPr rot="0" spcFirstLastPara="0" vertOverflow="overflow" horzOverflow="overflow" vert="horz" wrap="square" lIns="91440" tIns="45720" rIns="91440" bIns="45720" numCol="1" spcCol="0" rtlCol="0" fromWordArt="0" anchor="t" anchorCtr="0" forceAA="0" compatLnSpc="1">
+            <a:prstTxWarp prst="textNoShape">
+              <a:avLst/>
+            </a:prstTxWarp>
+            <a:spAutoFit/>
+          </a:bodyPr>
+          <a:lstStyle/>
+          <a:p>
+            <a:pPr algn="ctr"/>
+            <a:r>
+              <a:rPr lang="en-GB"/>
+              <a:t>Hardware Integration using Drivers</a:t>
             </a:r>
             <a:endParaRPr lang="en-US"/>
+          </a:p>
+        </p:txBody>
+      </p:sp>
+      <p:sp>
+        <p:nvSpPr>
+          <p:cNvPr id="25" name="Rectangle 24">
+            <a:extLst>
+              <a:ext uri="{FF2B5EF4-FFF2-40B4-BE49-F238E27FC236}">
+                <a16:creationId xmlns:a16="http://schemas.microsoft.com/office/drawing/2014/main" id="{E619BADA-46C5-439C-B007-A0D1C1DE1534}"/>
+              </a:ext>
+            </a:extLst>
+          </p:cNvPr>
+          <p:cNvSpPr/>
+          <p:nvPr/>
+        </p:nvSpPr>
+        <p:spPr>
+          <a:xfrm>
+            <a:off x="9119460" y="1867545"/>
+            <a:ext cx="2505558" cy="2479728"/>
+          </a:xfrm>
+          <a:prstGeom prst="rect">
+            <a:avLst/>
+          </a:prstGeom>
+          <a:noFill/>
+        </p:spPr>
+        <p:style>
+          <a:lnRef idx="2">
+            <a:schemeClr val="accent1">
+              <a:shade val="50000"/>
+            </a:schemeClr>
+          </a:lnRef>
+          <a:fillRef idx="1">
+            <a:schemeClr val="accent1"/>
+          </a:fillRef>
+          <a:effectRef idx="0">
+            <a:schemeClr val="accent1"/>
+          </a:effectRef>
+          <a:fontRef idx="minor">
+            <a:schemeClr val="lt1"/>
+          </a:fontRef>
+        </p:style>
+        <p:txBody>
+          <a:bodyPr rtlCol="0" anchor="ctr"/>
+          <a:lstStyle/>
+          <a:p>
+            <a:pPr algn="ctr"/>
+            <a:endParaRPr lang="en-GB"/>
+          </a:p>
+        </p:txBody>
+      </p:sp>
+      <p:sp>
+        <p:nvSpPr>
+          <p:cNvPr id="26" name="TextBox 25">
+            <a:extLst>
+              <a:ext uri="{FF2B5EF4-FFF2-40B4-BE49-F238E27FC236}">
+                <a16:creationId xmlns:a16="http://schemas.microsoft.com/office/drawing/2014/main" id="{A739EB06-26DF-4CFD-9E86-938C1A6C9CF7}"/>
+              </a:ext>
+            </a:extLst>
+          </p:cNvPr>
+          <p:cNvSpPr txBox="1"/>
+          <p:nvPr/>
+        </p:nvSpPr>
+        <p:spPr>
+          <a:xfrm>
+            <a:off x="9820275" y="3930918"/>
+            <a:ext cx="2743199" cy="369332"/>
+          </a:xfrm>
+          <a:prstGeom prst="rect">
+            <a:avLst/>
+          </a:prstGeom>
+          <a:noFill/>
+        </p:spPr>
+        <p:txBody>
+          <a:bodyPr rot="0" spcFirstLastPara="0" vertOverflow="overflow" horzOverflow="overflow" vert="horz" wrap="square" lIns="91440" tIns="45720" rIns="91440" bIns="45720" numCol="1" spcCol="0" rtlCol="0" fromWordArt="0" anchor="t" anchorCtr="0" forceAA="0" compatLnSpc="1">
+            <a:prstTxWarp prst="textNoShape">
+              <a:avLst/>
+            </a:prstTxWarp>
+            <a:spAutoFit/>
+          </a:bodyPr>
+          <a:lstStyle/>
+          <a:p>
+            <a:pPr algn="l"/>
+            <a:r>
+              <a:rPr lang="en-GB" b="1"/>
+              <a:t>Gazebo</a:t>
+            </a:r>
+            <a:endParaRPr lang="en-US" b="1">
+              <a:cs typeface="Calibri"/>
+            </a:endParaRPr>
+          </a:p>
+        </p:txBody>
+      </p:sp>
+      <p:sp>
+        <p:nvSpPr>
+          <p:cNvPr id="29" name="Arrow: Bent 28">
+            <a:extLst>
+              <a:ext uri="{FF2B5EF4-FFF2-40B4-BE49-F238E27FC236}">
+                <a16:creationId xmlns:a16="http://schemas.microsoft.com/office/drawing/2014/main" id="{4760B6F4-3A08-40C6-8347-9AC7FC71AF11}"/>
+              </a:ext>
+            </a:extLst>
+          </p:cNvPr>
+          <p:cNvSpPr/>
+          <p:nvPr/>
+        </p:nvSpPr>
+        <p:spPr>
+          <a:xfrm>
+            <a:off x="2094614" y="3119776"/>
+            <a:ext cx="7193795" cy="219560"/>
+          </a:xfrm>
+          <a:prstGeom prst="bentArrow">
+            <a:avLst/>
+          </a:prstGeom>
+          <a:noFill/>
+        </p:spPr>
+        <p:style>
+          <a:lnRef idx="2">
+            <a:schemeClr val="accent1">
+              <a:shade val="50000"/>
+            </a:schemeClr>
+          </a:lnRef>
+          <a:fillRef idx="1">
+            <a:schemeClr val="accent1"/>
+          </a:fillRef>
+          <a:effectRef idx="0">
+            <a:schemeClr val="accent1"/>
+          </a:effectRef>
+          <a:fontRef idx="minor">
+            <a:schemeClr val="lt1"/>
+          </a:fontRef>
+        </p:style>
+        <p:txBody>
+          <a:bodyPr rtlCol="0" anchor="ctr"/>
+          <a:lstStyle/>
+          <a:p>
+            <a:pPr algn="ctr"/>
+            <a:endParaRPr lang="en-GB">
+              <a:solidFill>
+                <a:schemeClr val="tx1"/>
+              </a:solidFill>
+            </a:endParaRPr>
+          </a:p>
+        </p:txBody>
+      </p:sp>
+      <p:sp>
+        <p:nvSpPr>
+          <p:cNvPr id="30" name="Arrow: Bent 29">
+            <a:extLst>
+              <a:ext uri="{FF2B5EF4-FFF2-40B4-BE49-F238E27FC236}">
+                <a16:creationId xmlns:a16="http://schemas.microsoft.com/office/drawing/2014/main" id="{AB1234BD-EB67-4A07-8D86-E31926F324B4}"/>
+              </a:ext>
+            </a:extLst>
+          </p:cNvPr>
+          <p:cNvSpPr/>
+          <p:nvPr/>
+        </p:nvSpPr>
+        <p:spPr>
+          <a:xfrm>
+            <a:off x="4277291" y="3236013"/>
+            <a:ext cx="5011118" cy="271220"/>
+          </a:xfrm>
+          <a:prstGeom prst="bentArrow">
+            <a:avLst/>
+          </a:prstGeom>
+          <a:noFill/>
+        </p:spPr>
+        <p:style>
+          <a:lnRef idx="2">
+            <a:schemeClr val="accent1">
+              <a:shade val="50000"/>
+            </a:schemeClr>
+          </a:lnRef>
+          <a:fillRef idx="1">
+            <a:schemeClr val="accent1"/>
+          </a:fillRef>
+          <a:effectRef idx="0">
+            <a:schemeClr val="accent1"/>
+          </a:effectRef>
+          <a:fontRef idx="minor">
+            <a:schemeClr val="lt1"/>
+          </a:fontRef>
+        </p:style>
+        <p:txBody>
+          <a:bodyPr rtlCol="0" anchor="ctr"/>
+          <a:lstStyle/>
+          <a:p>
+            <a:pPr algn="ctr"/>
+            <a:endParaRPr lang="en-GB">
+              <a:solidFill>
+                <a:schemeClr val="tx1"/>
+              </a:solidFill>
+            </a:endParaRPr>
+          </a:p>
+        </p:txBody>
+      </p:sp>
+      <p:sp>
+        <p:nvSpPr>
+          <p:cNvPr id="31" name="Arrow: Bent 30">
+            <a:extLst>
+              <a:ext uri="{FF2B5EF4-FFF2-40B4-BE49-F238E27FC236}">
+                <a16:creationId xmlns:a16="http://schemas.microsoft.com/office/drawing/2014/main" id="{FCC6F924-6683-4F97-AF26-777BC64826C3}"/>
+              </a:ext>
+            </a:extLst>
+          </p:cNvPr>
+          <p:cNvSpPr/>
+          <p:nvPr/>
+        </p:nvSpPr>
+        <p:spPr>
+          <a:xfrm>
+            <a:off x="6653697" y="3403911"/>
+            <a:ext cx="2634711" cy="245391"/>
+          </a:xfrm>
+          <a:prstGeom prst="bentArrow">
+            <a:avLst/>
+          </a:prstGeom>
+          <a:noFill/>
+        </p:spPr>
+        <p:style>
+          <a:lnRef idx="2">
+            <a:schemeClr val="accent1">
+              <a:shade val="50000"/>
+            </a:schemeClr>
+          </a:lnRef>
+          <a:fillRef idx="1">
+            <a:schemeClr val="accent1"/>
+          </a:fillRef>
+          <a:effectRef idx="0">
+            <a:schemeClr val="accent1"/>
+          </a:effectRef>
+          <a:fontRef idx="minor">
+            <a:schemeClr val="lt1"/>
+          </a:fontRef>
+        </p:style>
+        <p:txBody>
+          <a:bodyPr rtlCol="0" anchor="ctr"/>
+          <a:lstStyle/>
+          <a:p>
+            <a:pPr algn="ctr"/>
+            <a:endParaRPr lang="en-GB">
+              <a:solidFill>
+                <a:schemeClr val="tx1"/>
+              </a:solidFill>
+            </a:endParaRPr>
+          </a:p>
+        </p:txBody>
+      </p:sp>
+      <p:sp>
+        <p:nvSpPr>
+          <p:cNvPr id="32" name="Rectangle 31">
+            <a:extLst>
+              <a:ext uri="{FF2B5EF4-FFF2-40B4-BE49-F238E27FC236}">
+                <a16:creationId xmlns:a16="http://schemas.microsoft.com/office/drawing/2014/main" id="{9103EF27-011D-418A-8872-CEC393C5C82F}"/>
+              </a:ext>
+            </a:extLst>
+          </p:cNvPr>
+          <p:cNvSpPr/>
+          <p:nvPr/>
+        </p:nvSpPr>
+        <p:spPr>
+          <a:xfrm>
+            <a:off x="701943" y="5189994"/>
+            <a:ext cx="7322949" cy="1226949"/>
+          </a:xfrm>
+          <a:prstGeom prst="rect">
+            <a:avLst/>
+          </a:prstGeom>
+          <a:noFill/>
+        </p:spPr>
+        <p:style>
+          <a:lnRef idx="2">
+            <a:schemeClr val="accent1">
+              <a:shade val="50000"/>
+            </a:schemeClr>
+          </a:lnRef>
+          <a:fillRef idx="1">
+            <a:schemeClr val="accent1"/>
+          </a:fillRef>
+          <a:effectRef idx="0">
+            <a:schemeClr val="accent1"/>
+          </a:effectRef>
+          <a:fontRef idx="minor">
+            <a:schemeClr val="lt1"/>
+          </a:fontRef>
+        </p:style>
+        <p:txBody>
+          <a:bodyPr rtlCol="0" anchor="ctr"/>
+          <a:lstStyle/>
+          <a:p>
+            <a:pPr algn="ctr"/>
+            <a:endParaRPr lang="en-GB"/>
+          </a:p>
+        </p:txBody>
+      </p:sp>
+      <p:sp>
+        <p:nvSpPr>
+          <p:cNvPr id="33" name="TextBox 32">
+            <a:extLst>
+              <a:ext uri="{FF2B5EF4-FFF2-40B4-BE49-F238E27FC236}">
+                <a16:creationId xmlns:a16="http://schemas.microsoft.com/office/drawing/2014/main" id="{6B473AA5-AD0A-4F9D-A064-4E3246889613}"/>
+              </a:ext>
+            </a:extLst>
+          </p:cNvPr>
+          <p:cNvSpPr txBox="1"/>
+          <p:nvPr/>
+        </p:nvSpPr>
+        <p:spPr>
+          <a:xfrm>
+            <a:off x="834487" y="5948927"/>
+            <a:ext cx="2743199" cy="369332"/>
+          </a:xfrm>
+          <a:prstGeom prst="rect">
+            <a:avLst/>
+          </a:prstGeom>
+          <a:noFill/>
+        </p:spPr>
+        <p:txBody>
+          <a:bodyPr rot="0" spcFirstLastPara="0" vertOverflow="overflow" horzOverflow="overflow" vert="horz" wrap="square" lIns="91440" tIns="45720" rIns="91440" bIns="45720" numCol="1" spcCol="0" rtlCol="0" fromWordArt="0" anchor="t" anchorCtr="0" forceAA="0" compatLnSpc="1">
+            <a:prstTxWarp prst="textNoShape">
+              <a:avLst/>
+            </a:prstTxWarp>
+            <a:spAutoFit/>
+          </a:bodyPr>
+          <a:lstStyle/>
+          <a:p>
+            <a:r>
+              <a:rPr lang="en-GB" b="1"/>
+              <a:t>Coordination Scripts</a:t>
+            </a:r>
+            <a:endParaRPr lang="en-US" b="1">
+              <a:cs typeface="Calibri"/>
+            </a:endParaRPr>
           </a:p>
         </p:txBody>
       </p:sp>
     </p:spTree>
     <p:extLst>
       <p:ext uri="{BB962C8B-B14F-4D97-AF65-F5344CB8AC3E}">
-        <p14:creationId xmlns:p14="http://schemas.microsoft.com/office/powerpoint/2010/main" val="3464043878"/>
+        <p14:creationId xmlns:p14="http://schemas.microsoft.com/office/powerpoint/2010/main" val="1956852301"/>
       </p:ext>
     </p:extLst>
   </p:cSld>
@@ -4774,8 +7723,8 @@
         </p:nvSpPr>
         <p:spPr>
           <a:xfrm>
-            <a:off x="2685082" y="1897847"/>
-            <a:ext cx="7299701" cy="2804871"/>
+            <a:off x="4467387" y="2504864"/>
+            <a:ext cx="2249837" cy="1552092"/>
           </a:xfrm>
         </p:spPr>
         <p:txBody>
@@ -4783,12 +7732,12 @@
           <a:lstStyle/>
           <a:p>
             <a:r>
-              <a:rPr lang="en-GB" dirty="0">
+              <a:rPr lang="en-GB">
                 <a:latin typeface="Bell MT"/>
               </a:rPr>
               <a:t>DEMO</a:t>
             </a:r>
-            <a:endParaRPr lang="en-GB" dirty="0"/>
+            <a:endParaRPr lang="en-GB"/>
           </a:p>
         </p:txBody>
       </p:sp>
@@ -5432,11 +8381,11 @@
           <a:lstStyle/>
           <a:p>
             <a:r>
-              <a:rPr lang="en-US" dirty="0" err="1"/>
+              <a:rPr lang="en-US" err="1"/>
               <a:t>MiniNet</a:t>
             </a:r>
             <a:r>
-              <a:rPr lang="en-US" dirty="0"/>
+              <a:rPr lang="en-US"/>
               <a:t> acts as an emulator for SDN networks</a:t>
             </a:r>
           </a:p>
@@ -5447,49 +8396,49 @@
           </a:p>
           <a:p>
             <a:r>
-              <a:rPr lang="en-US" dirty="0">
+              <a:rPr lang="en-US">
                 <a:cs typeface="Calibri"/>
               </a:rPr>
               <a:t>Supports</a:t>
             </a:r>
           </a:p>
           <a:p>
-            <a:endParaRPr lang="en-US" dirty="0">
+            <a:endParaRPr lang="en-US">
               <a:ea typeface="+mn-lt"/>
               <a:cs typeface="+mn-lt"/>
             </a:endParaRPr>
           </a:p>
           <a:p>
             <a:r>
-              <a:rPr lang="en-US" dirty="0">
+              <a:rPr lang="en-US">
                 <a:ea typeface="+mn-lt"/>
                 <a:cs typeface="+mn-lt"/>
               </a:rPr>
               <a:t>The Mininet-</a:t>
             </a:r>
             <a:r>
-              <a:rPr lang="en-US" dirty="0" err="1">
+              <a:rPr lang="en-US" err="1">
                 <a:ea typeface="+mn-lt"/>
                 <a:cs typeface="+mn-lt"/>
               </a:rPr>
               <a:t>WiFi</a:t>
             </a:r>
             <a:r>
-              <a:rPr lang="en-US" dirty="0">
+              <a:rPr lang="en-US">
                 <a:ea typeface="+mn-lt"/>
                 <a:cs typeface="+mn-lt"/>
               </a:rPr>
               <a:t> developers extended the functionality of Mininet by adding virtualized </a:t>
             </a:r>
             <a:r>
-              <a:rPr lang="en-US" dirty="0" err="1">
+              <a:rPr lang="en-US" err="1">
                 <a:ea typeface="+mn-lt"/>
                 <a:cs typeface="+mn-lt"/>
               </a:rPr>
               <a:t>WiFi</a:t>
             </a:r>
             <a:r>
-              <a:rPr lang="en-US" dirty="0">
+              <a:rPr lang="en-US">
                 <a:ea typeface="+mn-lt"/>
                 <a:cs typeface="+mn-lt"/>
               </a:rPr>
@@ -5855,7 +8804,7 @@
           <a:lstStyle/>
           <a:p>
             <a:r>
-              <a:rPr lang="en-US" dirty="0"/>
+              <a:rPr lang="en-US"/>
               <a:t>How Does NS3 Work?</a:t>
             </a:r>
           </a:p>
@@ -6012,18 +8961,18 @@
               <a:buNone/>
             </a:pPr>
             <a:r>
-              <a:rPr lang="en-US" dirty="0">
+              <a:rPr lang="en-US">
                 <a:latin typeface="Bell MT"/>
               </a:rPr>
               <a:t>• SUMO is an open source traffic simulation package including net import and demand modeling components. </a:t>
             </a:r>
-            <a:endParaRPr lang="en-US" dirty="0"/>
+            <a:endParaRPr lang="en-US"/>
           </a:p>
           <a:p>
             <a:pPr marL="0" indent="0">
               <a:buNone/>
             </a:pPr>
-            <a:endParaRPr lang="en-US" dirty="0">
+            <a:endParaRPr lang="en-US">
               <a:latin typeface="Bell MT"/>
             </a:endParaRPr>
           </a:p>
@@ -6032,25 +8981,25 @@
               <a:buNone/>
             </a:pPr>
             <a:r>
-              <a:rPr lang="en-US" dirty="0">
+              <a:rPr lang="en-US">
                 <a:latin typeface="Bell MT"/>
               </a:rPr>
               <a:t>• The German Aerospace Center (DLR) started the development of SUMO back in 2001.</a:t>
             </a:r>
-            <a:endParaRPr lang="en-US" dirty="0"/>
+            <a:endParaRPr lang="en-US"/>
           </a:p>
           <a:p>
             <a:pPr marL="0" indent="0">
               <a:buNone/>
             </a:pPr>
-            <a:endParaRPr lang="en-US" dirty="0"/>
+            <a:endParaRPr lang="en-US"/>
           </a:p>
           <a:p>
             <a:pPr marL="0" indent="0">
               <a:buNone/>
             </a:pPr>
             <a:r>
-              <a:rPr lang="en-US" dirty="0">
+              <a:rPr lang="en-US">
                 <a:latin typeface="Bell MT"/>
               </a:rPr>
               <a:t>• It involves route choice and traffic light algorithm or simulating vehicular communication.</a:t>
@@ -6060,7 +9009,7 @@
             <a:pPr marL="0" indent="0">
               <a:buNone/>
             </a:pPr>
-            <a:endParaRPr lang="en-US" dirty="0">
+            <a:endParaRPr lang="en-US">
               <a:latin typeface="Bell MT"/>
             </a:endParaRPr>
           </a:p>
@@ -6069,12 +9018,12 @@
               <a:buNone/>
             </a:pPr>
             <a:r>
-              <a:rPr lang="en-US" sz="3600" b="1" u="sng" dirty="0">
+              <a:rPr lang="en-US" sz="3600" b="1" u="sng">
                 <a:latin typeface="Bell MT"/>
               </a:rPr>
               <a:t>Features</a:t>
             </a:r>
-            <a:endParaRPr lang="en-US" sz="3600" dirty="0">
+            <a:endParaRPr lang="en-US" sz="3600">
               <a:latin typeface="Bell MT"/>
             </a:endParaRPr>
           </a:p>
@@ -6083,7 +9032,7 @@
               <a:buNone/>
             </a:pPr>
             <a:r>
-              <a:rPr lang="en-US" sz="3600" dirty="0">
+              <a:rPr lang="en-US" sz="3600">
                 <a:latin typeface="Bell MT"/>
               </a:rPr>
               <a:t>Automated Driving, Vehicle Communication, Traffic Management, Microscopic Simulation, Multimodal Traffic, Online Interaction, Network Import</a:t>
@@ -6093,7 +9042,7 @@
             <a:pPr marL="0" indent="0">
               <a:buNone/>
             </a:pPr>
-            <a:endParaRPr lang="en-US" sz="3600" dirty="0">
+            <a:endParaRPr lang="en-US" sz="3600">
               <a:latin typeface="Bell MT"/>
             </a:endParaRPr>
           </a:p>
@@ -6102,7 +9051,7 @@
               <a:buNone/>
             </a:pPr>
             <a:r>
-              <a:rPr lang="en-US" sz="3600" dirty="0">
+              <a:rPr lang="en-US" sz="3600">
                 <a:latin typeface="Bell MT"/>
                 <a:hlinkClick r:id="rId2"/>
               </a:rPr>
@@ -6116,28 +9065,28 @@
             <a:pPr marL="0" indent="0" algn="ctr">
               <a:buNone/>
             </a:pPr>
-            <a:endParaRPr lang="en-US" b="1" dirty="0"/>
+            <a:endParaRPr lang="en-US" b="1"/>
           </a:p>
           <a:p>
             <a:pPr marL="0" indent="0">
               <a:buNone/>
             </a:pPr>
             <a:br>
-              <a:rPr lang="en-US" dirty="0"/>
+              <a:rPr lang="en-US"/>
             </a:br>
-            <a:endParaRPr lang="en-US" dirty="0"/>
+            <a:endParaRPr lang="en-US"/>
           </a:p>
           <a:p>
             <a:pPr marL="0" indent="0">
               <a:buNone/>
             </a:pPr>
-            <a:endParaRPr lang="en-US" b="1" dirty="0"/>
+            <a:endParaRPr lang="en-US" b="1"/>
           </a:p>
           <a:p>
             <a:pPr marL="0" indent="0">
               <a:buNone/>
             </a:pPr>
-            <a:endParaRPr lang="en-US" b="1" u="sng" dirty="0"/>
+            <a:endParaRPr lang="en-US" b="1" u="sng"/>
           </a:p>
         </p:txBody>
       </p:sp>
@@ -6239,7 +9188,7 @@
               </a:spcBef>
               <a:buNone/>
             </a:pPr>
-            <a:endParaRPr lang="en-US" dirty="0">
+            <a:endParaRPr lang="en-US">
               <a:solidFill>
                 <a:srgbClr val="3B3835"/>
               </a:solidFill>
@@ -6255,7 +9204,7 @@
               </a:spcBef>
             </a:pPr>
             <a:r>
-              <a:rPr lang="en-US" dirty="0">
+              <a:rPr lang="en-US">
                 <a:solidFill>
                   <a:srgbClr val="3B3835"/>
                 </a:solidFill>
@@ -6263,7 +9212,7 @@
               </a:rPr>
               <a:t> In order to create simulation in SUMO first create a road network on which vehicles can move.</a:t>
             </a:r>
-            <a:endParaRPr lang="en-US" dirty="0">
+            <a:endParaRPr lang="en-US">
               <a:latin typeface="Bell MT"/>
             </a:endParaRPr>
           </a:p>
@@ -6276,7 +9225,7 @@
                 <a:spcPts val="0"/>
               </a:spcBef>
             </a:pPr>
-            <a:endParaRPr lang="en-US" dirty="0"/>
+            <a:endParaRPr lang="en-US"/>
           </a:p>
           <a:p>
             <a:pPr>
@@ -6288,7 +9237,7 @@
               </a:spcBef>
             </a:pPr>
             <a:r>
-              <a:rPr lang="en-US" dirty="0">
+              <a:rPr lang="en-US">
                 <a:solidFill>
                   <a:srgbClr val="3B3835"/>
                 </a:solidFill>
@@ -6296,7 +9245,7 @@
               </a:rPr>
               <a:t>The road network consists of nodes (junctions) and edges (i.e. roads that connect various junctions with each other).</a:t>
             </a:r>
-            <a:endParaRPr lang="en-US" dirty="0">
+            <a:endParaRPr lang="en-US">
               <a:latin typeface="Bell MT"/>
             </a:endParaRPr>
           </a:p>
@@ -6309,7 +9258,7 @@
                 <a:spcPts val="0"/>
               </a:spcBef>
             </a:pPr>
-            <a:endParaRPr lang="en-US" dirty="0"/>
+            <a:endParaRPr lang="en-US"/>
           </a:p>
           <a:p>
             <a:pPr>
@@ -6321,7 +9270,7 @@
               </a:spcBef>
             </a:pPr>
             <a:r>
-              <a:rPr lang="en-US" dirty="0">
+              <a:rPr lang="en-US">
                 <a:solidFill>
                   <a:srgbClr val="3B3835"/>
                 </a:solidFill>
@@ -6329,7 +9278,7 @@
               </a:rPr>
               <a:t>Road network can be created in three ways: </a:t>
             </a:r>
-            <a:endParaRPr lang="en-US" dirty="0">
+            <a:endParaRPr lang="en-US">
               <a:latin typeface="Bell MT"/>
             </a:endParaRPr>
           </a:p>
@@ -6343,7 +9292,7 @@
               </a:spcBef>
             </a:pPr>
             <a:r>
-              <a:rPr lang="en-US" dirty="0">
+              <a:rPr lang="en-US">
                 <a:solidFill>
                   <a:srgbClr val="3B3835"/>
                 </a:solidFill>
@@ -6351,7 +9300,7 @@
               </a:rPr>
               <a:t>1. Manually by creating your own node file, edge file and connection file.</a:t>
             </a:r>
-            <a:endParaRPr lang="en-US" dirty="0">
+            <a:endParaRPr lang="en-US">
               <a:latin typeface="Bell MT"/>
             </a:endParaRPr>
           </a:p>
@@ -6365,7 +9314,7 @@
               </a:spcBef>
             </a:pPr>
             <a:r>
-              <a:rPr lang="en-US" dirty="0">
+              <a:rPr lang="en-US">
                 <a:solidFill>
                   <a:srgbClr val="3B3835"/>
                 </a:solidFill>
@@ -6373,7 +9322,7 @@
               </a:rPr>
               <a:t>2. Using NETGENERATE command.</a:t>
             </a:r>
-            <a:endParaRPr lang="en-US" dirty="0">
+            <a:endParaRPr lang="en-US">
               <a:latin typeface="Bell MT"/>
             </a:endParaRPr>
           </a:p>
@@ -6387,7 +9336,7 @@
               </a:spcBef>
             </a:pPr>
             <a:r>
-              <a:rPr lang="en-US" dirty="0">
+              <a:rPr lang="en-US">
                 <a:solidFill>
                   <a:srgbClr val="3B3835"/>
                 </a:solidFill>
@@ -6396,7 +9345,7 @@
               <a:t>3. Importing road network from non SUMO formats like OSM, VISSIM, VISUM </a:t>
             </a:r>
             <a:r>
-              <a:rPr lang="en-US" dirty="0" err="1">
+              <a:rPr lang="en-US" err="1">
                 <a:solidFill>
                   <a:srgbClr val="3B3835"/>
                 </a:solidFill>
@@ -6404,7 +9353,7 @@
               </a:rPr>
               <a:t>etc</a:t>
             </a:r>
-            <a:endParaRPr lang="en-US" dirty="0" err="1">
+            <a:endParaRPr lang="en-US" err="1">
               <a:latin typeface="Bell MT"/>
             </a:endParaRPr>
           </a:p>
@@ -6440,6 +9389,38 @@
           <a:chExt cx="0" cy="0"/>
         </a:xfrm>
       </p:grpSpPr>
+      <p:pic>
+        <p:nvPicPr>
+          <p:cNvPr id="4" name="Picture 4">
+            <a:extLst>
+              <a:ext uri="{FF2B5EF4-FFF2-40B4-BE49-F238E27FC236}">
+                <a16:creationId xmlns:a16="http://schemas.microsoft.com/office/drawing/2014/main" id="{DD6B9881-21FB-4D3B-9545-46C1F74A98AA}"/>
+              </a:ext>
+            </a:extLst>
+          </p:cNvPr>
+          <p:cNvPicPr>
+            <a:picLocks noChangeAspect="1"/>
+          </p:cNvPicPr>
+          <p:nvPr/>
+        </p:nvPicPr>
+        <p:blipFill>
+          <a:blip r:embed="rId2">
+            <a:alphaModFix amt="15000"/>
+          </a:blip>
+          <a:stretch>
+            <a:fillRect/>
+          </a:stretch>
+        </p:blipFill>
+        <p:spPr>
+          <a:xfrm>
+            <a:off x="0" y="1"/>
+            <a:ext cx="12192000" cy="6858000"/>
+          </a:xfrm>
+          <a:prstGeom prst="rect">
+            <a:avLst/>
+          </a:prstGeom>
+        </p:spPr>
+      </p:pic>
       <p:sp>
         <p:nvSpPr>
           <p:cNvPr id="2" name="Title 1">
@@ -6462,10 +9443,10 @@
           <a:lstStyle/>
           <a:p>
             <a:r>
-              <a:rPr lang="en-GB" dirty="0"/>
+              <a:rPr lang="en-GB"/>
               <a:t>Multi-drone systems</a:t>
             </a:r>
-            <a:endParaRPr lang="en-US" dirty="0"/>
+            <a:endParaRPr lang="en-US"/>
           </a:p>
         </p:txBody>
       </p:sp>
@@ -6493,36 +9474,37 @@
           <a:lstStyle/>
           <a:p>
             <a:r>
-              <a:rPr lang="en-GB" dirty="0">
-                <a:latin typeface="Bell MT"/>
+              <a:rPr lang="en-GB">
+                <a:latin typeface="Times New Roman"/>
+                <a:cs typeface="Times New Roman"/>
               </a:rPr>
               <a:t>Multiple drones cooperate and communicate with each other. </a:t>
             </a:r>
-            <a:endParaRPr lang="en-GB"/>
-          </a:p>
-          <a:p>
-            <a:r>
-              <a:rPr lang="en-GB" dirty="0">
-                <a:latin typeface="Bell MT"/>
+          </a:p>
+          <a:p>
+            <a:r>
+              <a:rPr lang="en-GB">
+                <a:latin typeface="Times New Roman"/>
+                <a:cs typeface="Times New Roman"/>
               </a:rPr>
               <a:t>Single drone is far less capable as an entity. </a:t>
             </a:r>
-            <a:endParaRPr lang="en-GB" dirty="0"/>
-          </a:p>
-          <a:p>
-            <a:r>
-              <a:rPr lang="en-GB" dirty="0">
-                <a:latin typeface="Bell MT"/>
+          </a:p>
+          <a:p>
+            <a:r>
+              <a:rPr lang="en-GB">
+                <a:latin typeface="Times New Roman"/>
+                <a:cs typeface="Times New Roman"/>
               </a:rPr>
               <a:t>Applications </a:t>
             </a:r>
-            <a:endParaRPr lang="en-GB" dirty="0"/>
           </a:p>
           <a:p>
             <a:pPr lvl="1"/>
             <a:r>
-              <a:rPr lang="en-GB" dirty="0">
-                <a:latin typeface="Bell MT"/>
+              <a:rPr lang="en-GB">
+                <a:latin typeface="Times New Roman"/>
+                <a:cs typeface="Times New Roman"/>
               </a:rPr>
               <a:t>military missions (battlefield surveillance)</a:t>
             </a:r>
@@ -6530,8 +9512,9 @@
           <a:p>
             <a:pPr lvl="1"/>
             <a:r>
-              <a:rPr lang="en-GB" dirty="0">
-                <a:latin typeface="Bell MT"/>
+              <a:rPr lang="en-GB">
+                <a:latin typeface="Times New Roman"/>
+                <a:cs typeface="Times New Roman"/>
               </a:rPr>
               <a:t>searching for survivors in disaster hit areas </a:t>
             </a:r>
@@ -6539,43 +9522,47 @@
           <a:p>
             <a:pPr lvl="1"/>
             <a:r>
-              <a:rPr lang="en-GB" dirty="0">
-                <a:latin typeface="Bell MT"/>
+              <a:rPr lang="en-GB">
+                <a:latin typeface="Times New Roman"/>
+                <a:cs typeface="Times New Roman"/>
               </a:rPr>
               <a:t>delivery of payload </a:t>
             </a:r>
-            <a:endParaRPr lang="en-GB" dirty="0"/>
           </a:p>
           <a:p>
             <a:pPr lvl="1"/>
             <a:r>
-              <a:rPr lang="en-GB" dirty="0">
-                <a:latin typeface="Bell MT"/>
+              <a:rPr lang="en-GB">
+                <a:latin typeface="Times New Roman"/>
+                <a:cs typeface="Times New Roman"/>
               </a:rPr>
               <a:t>drone light shows </a:t>
             </a:r>
-            <a:endParaRPr lang="en-GB" dirty="0"/>
           </a:p>
           <a:p>
             <a:pPr lvl="1"/>
             <a:r>
-              <a:rPr lang="en-GB" dirty="0">
-                <a:latin typeface="Bell MT"/>
+              <a:rPr lang="en-GB">
+                <a:latin typeface="Times New Roman"/>
+                <a:cs typeface="Times New Roman"/>
               </a:rPr>
               <a:t>smart city, etc.</a:t>
             </a:r>
           </a:p>
           <a:p>
             <a:r>
-              <a:rPr lang="en-GB" dirty="0">
-                <a:latin typeface="Bell MT"/>
+              <a:rPr lang="en-GB">
+                <a:latin typeface="Times New Roman"/>
+                <a:cs typeface="Times New Roman"/>
               </a:rPr>
               <a:t>Complexity lies in the co-ordinated movement. </a:t>
             </a:r>
-            <a:endParaRPr lang="en-GB" dirty="0"/>
-          </a:p>
-          <a:p>
-            <a:endParaRPr lang="en-GB" dirty="0"/>
+          </a:p>
+          <a:p>
+            <a:endParaRPr lang="en-GB">
+              <a:latin typeface="Times New Roman"/>
+              <a:cs typeface="Times New Roman"/>
+            </a:endParaRPr>
           </a:p>
         </p:txBody>
       </p:sp>
@@ -6631,10 +9618,10 @@
           <a:lstStyle/>
           <a:p>
             <a:r>
-              <a:rPr lang="en-GB" dirty="0"/>
+              <a:rPr lang="en-GB"/>
               <a:t>Why do we need simulators for UAV?  </a:t>
             </a:r>
-            <a:endParaRPr lang="en-US" dirty="0"/>
+            <a:endParaRPr lang="en-US"/>
           </a:p>
         </p:txBody>
       </p:sp>
@@ -6657,129 +9644,141 @@
         <p:spPr/>
         <p:txBody>
           <a:bodyPr vert="horz" lIns="91440" tIns="45720" rIns="91440" bIns="45720" rtlCol="0" anchor="t">
-            <a:normAutofit fontScale="92500" lnSpcReduction="10000"/>
+            <a:normAutofit fontScale="92500" lnSpcReduction="20000"/>
           </a:bodyPr>
           <a:lstStyle/>
           <a:p>
             <a:r>
-              <a:rPr lang="en-GB" dirty="0">
+              <a:rPr lang="en-GB">
                 <a:latin typeface="Bell MT"/>
               </a:rPr>
-              <a:t>Resource requirement for experiments </a:t>
+              <a:t>UAV fleet deployment in a city for package delivery</a:t>
+            </a:r>
+          </a:p>
+          <a:p>
+            <a:pPr lvl="1"/>
+            <a:r>
+              <a:rPr lang="en-GB">
+                <a:latin typeface="Bell MT"/>
+              </a:rPr>
+              <a:t>Resource requirements for experiments</a:t>
+            </a:r>
+          </a:p>
+          <a:p>
+            <a:pPr lvl="2"/>
+            <a:r>
+              <a:rPr lang="en-GB">
+                <a:latin typeface="Bell MT"/>
+              </a:rPr>
+              <a:t>UAVs</a:t>
+            </a:r>
+          </a:p>
+          <a:p>
+            <a:pPr lvl="2"/>
+            <a:r>
+              <a:rPr lang="en-GB">
+                <a:latin typeface="Bell MT"/>
+              </a:rPr>
+              <a:t>Network devices</a:t>
+            </a:r>
+          </a:p>
+          <a:p>
+            <a:pPr lvl="2"/>
+            <a:r>
+              <a:rPr lang="en-GB">
+                <a:latin typeface="Bell MT"/>
+              </a:rPr>
+              <a:t>Flight controllers </a:t>
+            </a:r>
+          </a:p>
+          <a:p>
+            <a:pPr lvl="1"/>
+            <a:r>
+              <a:rPr lang="en-GB">
+                <a:latin typeface="Bell MT"/>
+              </a:rPr>
+              <a:t>Operational constraints</a:t>
+            </a:r>
+          </a:p>
+          <a:p>
+            <a:pPr lvl="2"/>
+            <a:r>
+              <a:rPr lang="en-GB">
+                <a:latin typeface="Bell MT"/>
+              </a:rPr>
+              <a:t>Access to target environments</a:t>
+            </a:r>
+          </a:p>
+          <a:p>
+            <a:pPr lvl="1"/>
+            <a:r>
+              <a:rPr lang="en-GB">
+                <a:latin typeface="Bell MT"/>
+              </a:rPr>
+              <a:t>Scalability challenges</a:t>
+            </a:r>
+          </a:p>
+          <a:p>
+            <a:pPr lvl="2"/>
+            <a:r>
+              <a:rPr lang="en-GB">
+                <a:latin typeface="Bell MT"/>
+              </a:rPr>
+              <a:t>Devices may not be available in specific quantities</a:t>
+            </a:r>
+          </a:p>
+          <a:p>
+            <a:pPr lvl="1"/>
+            <a:r>
+              <a:rPr lang="en-GB">
+                <a:latin typeface="Bell MT"/>
+              </a:rPr>
+              <a:t>Safe risk compared to hardware failure</a:t>
+            </a:r>
+          </a:p>
+          <a:p>
+            <a:r>
+              <a:rPr lang="en-GB">
+                <a:latin typeface="Bell MT"/>
+              </a:rPr>
+              <a:t>Confidence gain for system's behaviour </a:t>
+            </a:r>
+          </a:p>
+          <a:p>
+            <a:pPr lvl="1"/>
+            <a:r>
+              <a:rPr lang="en-GB">
+                <a:latin typeface="Bell MT"/>
+              </a:rPr>
+              <a:t>Precise evaluation of UAV's mobility</a:t>
+            </a:r>
+          </a:p>
+          <a:p>
+            <a:r>
+              <a:rPr lang="en-GB">
+                <a:latin typeface="Bell MT"/>
+              </a:rPr>
+              <a:t>Simulation environments: ROS, </a:t>
+            </a:r>
+            <a:r>
+              <a:rPr lang="en-GB" err="1">
+                <a:latin typeface="Bell MT"/>
+              </a:rPr>
+              <a:t>AirSim</a:t>
+            </a:r>
+            <a:r>
+              <a:rPr lang="en-GB">
+                <a:latin typeface="Bell MT"/>
+              </a:rPr>
+              <a:t>, Gazebo, MATLAB</a:t>
             </a:r>
             <a:endParaRPr lang="en-GB"/>
           </a:p>
           <a:p>
-            <a:pPr lvl="1"/>
-            <a:r>
-              <a:rPr lang="en-GB" dirty="0">
-                <a:latin typeface="Bell MT"/>
-              </a:rPr>
-              <a:t>UAVs</a:t>
-            </a:r>
-          </a:p>
-          <a:p>
-            <a:pPr lvl="1"/>
-            <a:r>
-              <a:rPr lang="en-GB" dirty="0">
-                <a:latin typeface="Bell MT"/>
-              </a:rPr>
-              <a:t>network devices</a:t>
-            </a:r>
-          </a:p>
-          <a:p>
-            <a:pPr lvl="1"/>
-            <a:r>
-              <a:rPr lang="en-GB" dirty="0">
-                <a:latin typeface="Bell MT"/>
-              </a:rPr>
-              <a:t>flight controllers</a:t>
-            </a:r>
-          </a:p>
-          <a:p>
-            <a:r>
-              <a:rPr lang="en-GB" dirty="0">
-                <a:latin typeface="Bell MT"/>
-              </a:rPr>
-              <a:t>Precise evaluation of UAV’s mobility</a:t>
-            </a:r>
-          </a:p>
-          <a:p>
-            <a:r>
-              <a:rPr lang="en-GB" dirty="0">
-                <a:latin typeface="Bell MT"/>
-              </a:rPr>
-              <a:t>Simulation environments: ROS, </a:t>
-            </a:r>
-            <a:r>
-              <a:rPr lang="en-GB" dirty="0" err="1">
-                <a:latin typeface="Bell MT"/>
-              </a:rPr>
-              <a:t>AirSim</a:t>
-            </a:r>
-            <a:r>
-              <a:rPr lang="en-GB" dirty="0">
-                <a:latin typeface="Bell MT"/>
-              </a:rPr>
-              <a:t>, Gazebo, </a:t>
-            </a:r>
-            <a:r>
-              <a:rPr lang="en-GB" dirty="0" err="1">
-                <a:latin typeface="Bell MT"/>
-              </a:rPr>
-              <a:t>PyBullet</a:t>
-            </a:r>
-            <a:r>
-              <a:rPr lang="en-GB" dirty="0">
-                <a:latin typeface="Bell MT"/>
-              </a:rPr>
-              <a:t> </a:t>
-            </a:r>
-            <a:endParaRPr lang="en-GB" dirty="0"/>
-          </a:p>
-          <a:p>
-            <a:r>
-              <a:rPr lang="en-GB" dirty="0">
-                <a:latin typeface="Bell MT"/>
-              </a:rPr>
-              <a:t>Challenging integration for fleet deployment </a:t>
-            </a:r>
-            <a:endParaRPr lang="en-GB" dirty="0"/>
-          </a:p>
-          <a:p>
-            <a:r>
-              <a:rPr lang="en-GB" dirty="0">
-                <a:latin typeface="Bell MT"/>
-              </a:rPr>
-              <a:t>Validate an UAV fleet deployment in a city</a:t>
-            </a:r>
-          </a:p>
-          <a:p>
-            <a:pPr lvl="1"/>
-            <a:r>
-              <a:rPr lang="en-GB" dirty="0">
-                <a:latin typeface="Bell MT"/>
-              </a:rPr>
-              <a:t>observing traffic at hot-spots during commute hours</a:t>
-            </a:r>
-          </a:p>
-          <a:p>
-            <a:pPr lvl="1"/>
-            <a:r>
-              <a:rPr lang="en-GB" dirty="0">
-                <a:latin typeface="Bell MT"/>
-              </a:rPr>
-              <a:t>status of building construction</a:t>
-            </a:r>
-          </a:p>
-          <a:p>
-            <a:pPr lvl="1"/>
-            <a:r>
-              <a:rPr lang="en-GB" dirty="0">
-                <a:latin typeface="Bell MT"/>
-              </a:rPr>
-              <a:t>Package delivery</a:t>
-            </a:r>
+            <a:pPr marL="0" indent="0">
+              <a:buNone/>
+            </a:pPr>
+            <a:endParaRPr lang="en-GB"/>
           </a:p>
         </p:txBody>
       </p:sp>
@@ -7091,22 +10090,302 @@
 </a:theme>
 </file>
 
-<file path=customXml/item1.xml><?xml version="1.0" encoding="utf-8"?>
-<p:properties xmlns:p="http://schemas.microsoft.com/office/2006/metadata/properties" xmlns:xsi="http://www.w3.org/2001/XMLSchema-instance" xmlns:pc="http://schemas.microsoft.com/office/infopath/2007/PartnerControls">
-  <documentManagement/>
-</p:properties>
+<file path=ppt/theme/theme2.xml><?xml version="1.0" encoding="utf-8"?>
+<a:theme xmlns:a="http://schemas.openxmlformats.org/drawingml/2006/main" name="Office Theme">
+  <a:themeElements>
+    <a:clrScheme name="Office">
+      <a:dk1>
+        <a:sysClr val="windowText" lastClr="000000"/>
+      </a:dk1>
+      <a:lt1>
+        <a:sysClr val="window" lastClr="FFFFFF"/>
+      </a:lt1>
+      <a:dk2>
+        <a:srgbClr val="44546A"/>
+      </a:dk2>
+      <a:lt2>
+        <a:srgbClr val="E7E6E6"/>
+      </a:lt2>
+      <a:accent1>
+        <a:srgbClr val="4472C4"/>
+      </a:accent1>
+      <a:accent2>
+        <a:srgbClr val="ED7D31"/>
+      </a:accent2>
+      <a:accent3>
+        <a:srgbClr val="A5A5A5"/>
+      </a:accent3>
+      <a:accent4>
+        <a:srgbClr val="FFC000"/>
+      </a:accent4>
+      <a:accent5>
+        <a:srgbClr val="5B9BD5"/>
+      </a:accent5>
+      <a:accent6>
+        <a:srgbClr val="70AD47"/>
+      </a:accent6>
+      <a:hlink>
+        <a:srgbClr val="0563C1"/>
+      </a:hlink>
+      <a:folHlink>
+        <a:srgbClr val="954F72"/>
+      </a:folHlink>
+    </a:clrScheme>
+    <a:fontScheme name="Office">
+      <a:majorFont>
+        <a:latin typeface="Calibri Light" panose="020F0302020204030204"/>
+        <a:ea typeface=""/>
+        <a:cs typeface=""/>
+        <a:font script="Jpan" typeface="游ゴシック Light"/>
+        <a:font script="Hang" typeface="맑은 고딕"/>
+        <a:font script="Hans" typeface="等线 Light"/>
+        <a:font script="Hant" typeface="新細明體"/>
+        <a:font script="Arab" typeface="Times New Roman"/>
+        <a:font script="Hebr" typeface="Times New Roman"/>
+        <a:font script="Thai" typeface="Angsana New"/>
+        <a:font script="Ethi" typeface="Nyala"/>
+        <a:font script="Beng" typeface="Vrinda"/>
+        <a:font script="Gujr" typeface="Shruti"/>
+        <a:font script="Khmr" typeface="MoolBoran"/>
+        <a:font script="Knda" typeface="Tunga"/>
+        <a:font script="Guru" typeface="Raavi"/>
+        <a:font script="Cans" typeface="Euphemia"/>
+        <a:font script="Cher" typeface="Plantagenet Cherokee"/>
+        <a:font script="Yiii" typeface="Microsoft Yi Baiti"/>
+        <a:font script="Tibt" typeface="Microsoft Himalaya"/>
+        <a:font script="Thaa" typeface="MV Boli"/>
+        <a:font script="Deva" typeface="Mangal"/>
+        <a:font script="Telu" typeface="Gautami"/>
+        <a:font script="Taml" typeface="Latha"/>
+        <a:font script="Syrc" typeface="Estrangelo Edessa"/>
+        <a:font script="Orya" typeface="Kalinga"/>
+        <a:font script="Mlym" typeface="Kartika"/>
+        <a:font script="Laoo" typeface="DokChampa"/>
+        <a:font script="Sinh" typeface="Iskoola Pota"/>
+        <a:font script="Mong" typeface="Mongolian Baiti"/>
+        <a:font script="Viet" typeface="Times New Roman"/>
+        <a:font script="Uigh" typeface="Microsoft Uighur"/>
+        <a:font script="Geor" typeface="Sylfaen"/>
+        <a:font script="Armn" typeface="Arial"/>
+        <a:font script="Bugi" typeface="Leelawadee UI"/>
+        <a:font script="Bopo" typeface="Microsoft JhengHei"/>
+        <a:font script="Java" typeface="Javanese Text"/>
+        <a:font script="Lisu" typeface="Segoe UI"/>
+        <a:font script="Mymr" typeface="Myanmar Text"/>
+        <a:font script="Nkoo" typeface="Ebrima"/>
+        <a:font script="Olck" typeface="Nirmala UI"/>
+        <a:font script="Osma" typeface="Ebrima"/>
+        <a:font script="Phag" typeface="Phagspa"/>
+        <a:font script="Syrn" typeface="Estrangelo Edessa"/>
+        <a:font script="Syrj" typeface="Estrangelo Edessa"/>
+        <a:font script="Syre" typeface="Estrangelo Edessa"/>
+        <a:font script="Sora" typeface="Nirmala UI"/>
+        <a:font script="Tale" typeface="Microsoft Tai Le"/>
+        <a:font script="Talu" typeface="Microsoft New Tai Lue"/>
+        <a:font script="Tfng" typeface="Ebrima"/>
+      </a:majorFont>
+      <a:minorFont>
+        <a:latin typeface="Calibri" panose="020F0502020204030204"/>
+        <a:ea typeface=""/>
+        <a:cs typeface=""/>
+        <a:font script="Jpan" typeface="游ゴシック"/>
+        <a:font script="Hang" typeface="맑은 고딕"/>
+        <a:font script="Hans" typeface="等线"/>
+        <a:font script="Hant" typeface="新細明體"/>
+        <a:font script="Arab" typeface="Arial"/>
+        <a:font script="Hebr" typeface="Arial"/>
+        <a:font script="Thai" typeface="Cordia New"/>
+        <a:font script="Ethi" typeface="Nyala"/>
+        <a:font script="Beng" typeface="Vrinda"/>
+        <a:font script="Gujr" typeface="Shruti"/>
+        <a:font script="Khmr" typeface="DaunPenh"/>
+        <a:font script="Knda" typeface="Tunga"/>
+        <a:font script="Guru" typeface="Raavi"/>
+        <a:font script="Cans" typeface="Euphemia"/>
+        <a:font script="Cher" typeface="Plantagenet Cherokee"/>
+        <a:font script="Yiii" typeface="Microsoft Yi Baiti"/>
+        <a:font script="Tibt" typeface="Microsoft Himalaya"/>
+        <a:font script="Thaa" typeface="MV Boli"/>
+        <a:font script="Deva" typeface="Mangal"/>
+        <a:font script="Telu" typeface="Gautami"/>
+        <a:font script="Taml" typeface="Latha"/>
+        <a:font script="Syrc" typeface="Estrangelo Edessa"/>
+        <a:font script="Orya" typeface="Kalinga"/>
+        <a:font script="Mlym" typeface="Kartika"/>
+        <a:font script="Laoo" typeface="DokChampa"/>
+        <a:font script="Sinh" typeface="Iskoola Pota"/>
+        <a:font script="Mong" typeface="Mongolian Baiti"/>
+        <a:font script="Viet" typeface="Arial"/>
+        <a:font script="Uigh" typeface="Microsoft Uighur"/>
+        <a:font script="Geor" typeface="Sylfaen"/>
+        <a:font script="Armn" typeface="Arial"/>
+        <a:font script="Bugi" typeface="Leelawadee UI"/>
+        <a:font script="Bopo" typeface="Microsoft JhengHei"/>
+        <a:font script="Java" typeface="Javanese Text"/>
+        <a:font script="Lisu" typeface="Segoe UI"/>
+        <a:font script="Mymr" typeface="Myanmar Text"/>
+        <a:font script="Nkoo" typeface="Ebrima"/>
+        <a:font script="Olck" typeface="Nirmala UI"/>
+        <a:font script="Osma" typeface="Ebrima"/>
+        <a:font script="Phag" typeface="Phagspa"/>
+        <a:font script="Syrn" typeface="Estrangelo Edessa"/>
+        <a:font script="Syrj" typeface="Estrangelo Edessa"/>
+        <a:font script="Syre" typeface="Estrangelo Edessa"/>
+        <a:font script="Sora" typeface="Nirmala UI"/>
+        <a:font script="Tale" typeface="Microsoft Tai Le"/>
+        <a:font script="Talu" typeface="Microsoft New Tai Lue"/>
+        <a:font script="Tfng" typeface="Ebrima"/>
+      </a:minorFont>
+    </a:fontScheme>
+    <a:fmtScheme name="Office">
+      <a:fillStyleLst>
+        <a:solidFill>
+          <a:schemeClr val="phClr"/>
+        </a:solidFill>
+        <a:gradFill rotWithShape="1">
+          <a:gsLst>
+            <a:gs pos="0">
+              <a:schemeClr val="phClr">
+                <a:lumMod val="110000"/>
+                <a:satMod val="105000"/>
+                <a:tint val="67000"/>
+              </a:schemeClr>
+            </a:gs>
+            <a:gs pos="50000">
+              <a:schemeClr val="phClr">
+                <a:lumMod val="105000"/>
+                <a:satMod val="103000"/>
+                <a:tint val="73000"/>
+              </a:schemeClr>
+            </a:gs>
+            <a:gs pos="100000">
+              <a:schemeClr val="phClr">
+                <a:lumMod val="105000"/>
+                <a:satMod val="109000"/>
+                <a:tint val="81000"/>
+              </a:schemeClr>
+            </a:gs>
+          </a:gsLst>
+          <a:lin ang="5400000" scaled="0"/>
+        </a:gradFill>
+        <a:gradFill rotWithShape="1">
+          <a:gsLst>
+            <a:gs pos="0">
+              <a:schemeClr val="phClr">
+                <a:satMod val="103000"/>
+                <a:lumMod val="102000"/>
+                <a:tint val="94000"/>
+              </a:schemeClr>
+            </a:gs>
+            <a:gs pos="50000">
+              <a:schemeClr val="phClr">
+                <a:satMod val="110000"/>
+                <a:lumMod val="100000"/>
+                <a:shade val="100000"/>
+              </a:schemeClr>
+            </a:gs>
+            <a:gs pos="100000">
+              <a:schemeClr val="phClr">
+                <a:lumMod val="99000"/>
+                <a:satMod val="120000"/>
+                <a:shade val="78000"/>
+              </a:schemeClr>
+            </a:gs>
+          </a:gsLst>
+          <a:lin ang="5400000" scaled="0"/>
+        </a:gradFill>
+      </a:fillStyleLst>
+      <a:lnStyleLst>
+        <a:ln w="6350" cap="flat" cmpd="sng" algn="ctr">
+          <a:solidFill>
+            <a:schemeClr val="phClr"/>
+          </a:solidFill>
+          <a:prstDash val="solid"/>
+          <a:miter lim="800000"/>
+        </a:ln>
+        <a:ln w="12700" cap="flat" cmpd="sng" algn="ctr">
+          <a:solidFill>
+            <a:schemeClr val="phClr"/>
+          </a:solidFill>
+          <a:prstDash val="solid"/>
+          <a:miter lim="800000"/>
+        </a:ln>
+        <a:ln w="19050" cap="flat" cmpd="sng" algn="ctr">
+          <a:solidFill>
+            <a:schemeClr val="phClr"/>
+          </a:solidFill>
+          <a:prstDash val="solid"/>
+          <a:miter lim="800000"/>
+        </a:ln>
+      </a:lnStyleLst>
+      <a:effectStyleLst>
+        <a:effectStyle>
+          <a:effectLst/>
+        </a:effectStyle>
+        <a:effectStyle>
+          <a:effectLst/>
+        </a:effectStyle>
+        <a:effectStyle>
+          <a:effectLst>
+            <a:outerShdw blurRad="57150" dist="19050" dir="5400000" algn="ctr" rotWithShape="0">
+              <a:srgbClr val="000000">
+                <a:alpha val="63000"/>
+              </a:srgbClr>
+            </a:outerShdw>
+          </a:effectLst>
+        </a:effectStyle>
+      </a:effectStyleLst>
+      <a:bgFillStyleLst>
+        <a:solidFill>
+          <a:schemeClr val="phClr"/>
+        </a:solidFill>
+        <a:solidFill>
+          <a:schemeClr val="phClr">
+            <a:tint val="95000"/>
+            <a:satMod val="170000"/>
+          </a:schemeClr>
+        </a:solidFill>
+        <a:gradFill rotWithShape="1">
+          <a:gsLst>
+            <a:gs pos="0">
+              <a:schemeClr val="phClr">
+                <a:tint val="93000"/>
+                <a:satMod val="150000"/>
+                <a:shade val="98000"/>
+                <a:lumMod val="102000"/>
+              </a:schemeClr>
+            </a:gs>
+            <a:gs pos="50000">
+              <a:schemeClr val="phClr">
+                <a:tint val="98000"/>
+                <a:satMod val="130000"/>
+                <a:shade val="90000"/>
+                <a:lumMod val="103000"/>
+              </a:schemeClr>
+            </a:gs>
+            <a:gs pos="100000">
+              <a:schemeClr val="phClr">
+                <a:shade val="63000"/>
+                <a:satMod val="120000"/>
+              </a:schemeClr>
+            </a:gs>
+          </a:gsLst>
+          <a:lin ang="5400000" scaled="0"/>
+        </a:gradFill>
+      </a:bgFillStyleLst>
+    </a:fmtScheme>
+  </a:themeElements>
+  <a:objectDefaults/>
+  <a:extraClrSchemeLst/>
+  <a:extLst>
+    <a:ext uri="{05A4C25C-085E-4340-85A3-A5531E510DB2}">
+      <thm15:themeFamily xmlns:thm15="http://schemas.microsoft.com/office/thememl/2012/main" name="Office Theme" id="{62F939B6-93AF-4DB8-9C6B-D6C7DFDC589F}" vid="{4A3C46E8-61CC-4603-A589-7422A47A8E4A}"/>
+    </a:ext>
+  </a:extLst>
+</a:theme>
 </file>
 
-<file path=customXml/item2.xml><?xml version="1.0" encoding="utf-8"?>
-<?mso-contentType ?>
-<FormTemplates xmlns="http://schemas.microsoft.com/sharepoint/v3/contenttype/forms">
-  <Display>DocumentLibraryForm</Display>
-  <Edit>DocumentLibraryForm</Edit>
-  <New>DocumentLibraryForm</New>
-</FormTemplates>
-</file>
-
-<file path=customXml/item3.xml><?xml version="1.0" encoding="utf-8"?>
+<file path=customXml/item1.xml><?xml version="1.0" encoding="utf-8"?>
 <ct:contentTypeSchema xmlns:ct="http://schemas.microsoft.com/office/2006/metadata/contentType" xmlns:ma="http://schemas.microsoft.com/office/2006/metadata/properties/metaAttributes" ct:_="" ma:_="" ma:contentTypeName="Document" ma:contentTypeID="0x010100C8B7E1863C484B41A7CD4CFE2FEC149E" ma:contentTypeVersion="12" ma:contentTypeDescription="Create a new document." ma:contentTypeScope="" ma:versionID="18071a84c4a63d1869bf073f57191301">
   <xsd:schema xmlns:xsd="http://www.w3.org/2001/XMLSchema" xmlns:xs="http://www.w3.org/2001/XMLSchema" xmlns:p="http://schemas.microsoft.com/office/2006/metadata/properties" xmlns:ns2="6fcd1cf4-17f7-4df6-9737-cba6ecd66da8" xmlns:ns3="0da33219-70b2-4832-9b35-7150b80db5cd" targetNamespace="http://schemas.microsoft.com/office/2006/metadata/properties" ma:root="true" ma:fieldsID="b3fe3412610b4ccc1bdf9526f886e42f" ns2:_="" ns3:_="">
     <xsd:import namespace="6fcd1cf4-17f7-4df6-9737-cba6ecd66da8"/>
@@ -7323,24 +10602,22 @@
 </ct:contentTypeSchema>
 </file>
 
-<file path=customXml/itemProps1.xml><?xml version="1.0" encoding="utf-8"?>
-<ds:datastoreItem xmlns:ds="http://schemas.openxmlformats.org/officeDocument/2006/customXml" ds:itemID="{09ABA6E4-7EF5-4376-9B61-320E1E9B6DC7}">
-  <ds:schemaRefs>
-    <ds:schemaRef ds:uri="http://schemas.microsoft.com/office/2006/metadata/properties"/>
-    <ds:schemaRef ds:uri="http://schemas.microsoft.com/office/infopath/2007/PartnerControls"/>
-  </ds:schemaRefs>
-</ds:datastoreItem>
+<file path=customXml/item2.xml><?xml version="1.0" encoding="utf-8"?>
+<p:properties xmlns:p="http://schemas.microsoft.com/office/2006/metadata/properties" xmlns:xsi="http://www.w3.org/2001/XMLSchema-instance" xmlns:pc="http://schemas.microsoft.com/office/infopath/2007/PartnerControls">
+  <documentManagement/>
+</p:properties>
 </file>
 
-<file path=customXml/itemProps2.xml><?xml version="1.0" encoding="utf-8"?>
-<ds:datastoreItem xmlns:ds="http://schemas.openxmlformats.org/officeDocument/2006/customXml" ds:itemID="{03A6BD36-826A-45A8-AC93-25F1311979E2}">
-  <ds:schemaRefs>
-    <ds:schemaRef ds:uri="http://schemas.microsoft.com/sharepoint/v3/contenttype/forms"/>
-  </ds:schemaRefs>
-</ds:datastoreItem>
+<file path=customXml/item3.xml><?xml version="1.0" encoding="utf-8"?>
+<?mso-contentType ?>
+<FormTemplates xmlns="http://schemas.microsoft.com/sharepoint/v3/contenttype/forms">
+  <Display>DocumentLibraryForm</Display>
+  <Edit>DocumentLibraryForm</Edit>
+  <New>DocumentLibraryForm</New>
+</FormTemplates>
 </file>
 
-<file path=customXml/itemProps3.xml><?xml version="1.0" encoding="utf-8"?>
+<file path=customXml/itemProps1.xml><?xml version="1.0" encoding="utf-8"?>
 <ds:datastoreItem xmlns:ds="http://schemas.openxmlformats.org/officeDocument/2006/customXml" ds:itemID="{0F54EC0D-BC91-4F89-AC1E-2032DB1F5A75}">
   <ds:schemaRefs>
     <ds:schemaRef ds:uri="0da33219-70b2-4832-9b35-7150b80db5cd"/>
@@ -7357,4 +10634,21 @@
     <ds:schemaRef ds:uri="http://www.w3.org/2001/XMLSchema"/>
   </ds:schemaRefs>
 </ds:datastoreItem>
+</file>
+
+<file path=customXml/itemProps2.xml><?xml version="1.0" encoding="utf-8"?>
+<ds:datastoreItem xmlns:ds="http://schemas.openxmlformats.org/officeDocument/2006/customXml" ds:itemID="{09ABA6E4-7EF5-4376-9B61-320E1E9B6DC7}">
+  <ds:schemaRefs>
+    <ds:schemaRef ds:uri="http://schemas.microsoft.com/office/2006/metadata/properties"/>
+    <ds:schemaRef ds:uri="http://schemas.microsoft.com/office/infopath/2007/PartnerControls"/>
+  </ds:schemaRefs>
+</ds:datastoreItem>
+</file>
+
+<file path=customXml/itemProps3.xml><?xml version="1.0" encoding="utf-8"?>
+<ds:datastoreItem xmlns:ds="http://schemas.openxmlformats.org/officeDocument/2006/customXml" ds:itemID="{03A6BD36-826A-45A8-AC93-25F1311979E2}">
+  <ds:schemaRefs>
+    <ds:schemaRef ds:uri="http://schemas.microsoft.com/sharepoint/v3/contenttype/forms"/>
+  </ds:schemaRefs>
+</ds:datastoreItem>
 </file>